--- a/Лекция 11 07_04_2021.pptx
+++ b/Лекция 11 07_04_2021.pptx
@@ -5,7 +5,7 @@
     <p:sldMasterId id="2147483648" r:id="rId1"/>
   </p:sldMasterIdLst>
   <p:notesMasterIdLst>
-    <p:notesMasterId r:id="rId47"/>
+    <p:notesMasterId r:id="rId53"/>
   </p:notesMasterIdLst>
   <p:sldIdLst>
     <p:sldId id="256" r:id="rId2"/>
@@ -53,6 +53,12 @@
     <p:sldId id="259" r:id="rId44"/>
     <p:sldId id="260" r:id="rId45"/>
     <p:sldId id="347" r:id="rId46"/>
+    <p:sldId id="394" r:id="rId47"/>
+    <p:sldId id="389" r:id="rId48"/>
+    <p:sldId id="393" r:id="rId49"/>
+    <p:sldId id="390" r:id="rId50"/>
+    <p:sldId id="392" r:id="rId51"/>
+    <p:sldId id="391" r:id="rId52"/>
   </p:sldIdLst>
   <p:sldSz cx="12192000" cy="6858000"/>
   <p:notesSz cx="6858000" cy="9144000"/>
@@ -220,7 +226,7 @@
             </a:lvl1pPr>
           </a:lstStyle>
           <a:p>
-            <a:endParaRPr lang="ru-RU"/>
+            <a:endParaRPr lang="ru-RU" dirty="0"/>
           </a:p>
         </p:txBody>
       </p:sp>
@@ -253,9 +259,9 @@
           <a:p>
             <a:fld id="{44DBC884-B382-4302-8488-D4E467EB670D}" type="datetimeFigureOut">
               <a:rPr lang="ru-RU" smtClean="0"/>
-              <a:t>01.03.2021</a:t>
+              <a:t>02.03.2021</a:t>
             </a:fld>
-            <a:endParaRPr lang="ru-RU"/>
+            <a:endParaRPr lang="ru-RU" dirty="0"/>
           </a:p>
         </p:txBody>
       </p:sp>
@@ -288,7 +294,7 @@
           <a:bodyPr vert="horz" lIns="91440" tIns="45720" rIns="91440" bIns="45720" rtlCol="0" anchor="ctr"/>
           <a:lstStyle/>
           <a:p>
-            <a:endParaRPr lang="ru-RU"/>
+            <a:endParaRPr lang="ru-RU" dirty="0"/>
           </a:p>
         </p:txBody>
       </p:sp>
@@ -379,7 +385,7 @@
             </a:lvl1pPr>
           </a:lstStyle>
           <a:p>
-            <a:endParaRPr lang="ru-RU"/>
+            <a:endParaRPr lang="ru-RU" dirty="0"/>
           </a:p>
         </p:txBody>
       </p:sp>
@@ -414,7 +420,7 @@
               <a:rPr lang="ru-RU" smtClean="0"/>
               <a:t>‹#›</a:t>
             </a:fld>
-            <a:endParaRPr lang="ru-RU"/>
+            <a:endParaRPr lang="ru-RU" dirty="0"/>
           </a:p>
         </p:txBody>
       </p:sp>
@@ -652,9 +658,9 @@
           <a:p>
             <a:fld id="{9F4DF3D0-C105-404D-A43B-7CBA1B97B744}" type="datetimeFigureOut">
               <a:rPr lang="ru-RU" smtClean="0"/>
-              <a:t>01.03.2021</a:t>
+              <a:t>02.03.2021</a:t>
             </a:fld>
-            <a:endParaRPr lang="ru-RU"/>
+            <a:endParaRPr lang="ru-RU" dirty="0"/>
           </a:p>
         </p:txBody>
       </p:sp>
@@ -673,7 +679,7 @@
           <a:bodyPr/>
           <a:lstStyle/>
           <a:p>
-            <a:endParaRPr lang="ru-RU"/>
+            <a:endParaRPr lang="ru-RU" dirty="0"/>
           </a:p>
         </p:txBody>
       </p:sp>
@@ -696,7 +702,7 @@
               <a:rPr lang="ru-RU" smtClean="0"/>
               <a:t>‹#›</a:t>
             </a:fld>
-            <a:endParaRPr lang="ru-RU"/>
+            <a:endParaRPr lang="ru-RU" dirty="0"/>
           </a:p>
         </p:txBody>
       </p:sp>
@@ -822,9 +828,9 @@
           <a:p>
             <a:fld id="{9F4DF3D0-C105-404D-A43B-7CBA1B97B744}" type="datetimeFigureOut">
               <a:rPr lang="ru-RU" smtClean="0"/>
-              <a:t>01.03.2021</a:t>
+              <a:t>02.03.2021</a:t>
             </a:fld>
-            <a:endParaRPr lang="ru-RU"/>
+            <a:endParaRPr lang="ru-RU" dirty="0"/>
           </a:p>
         </p:txBody>
       </p:sp>
@@ -843,7 +849,7 @@
           <a:bodyPr/>
           <a:lstStyle/>
           <a:p>
-            <a:endParaRPr lang="ru-RU"/>
+            <a:endParaRPr lang="ru-RU" dirty="0"/>
           </a:p>
         </p:txBody>
       </p:sp>
@@ -866,7 +872,7 @@
               <a:rPr lang="ru-RU" smtClean="0"/>
               <a:t>‹#›</a:t>
             </a:fld>
-            <a:endParaRPr lang="ru-RU"/>
+            <a:endParaRPr lang="ru-RU" dirty="0"/>
           </a:p>
         </p:txBody>
       </p:sp>
@@ -1002,9 +1008,9 @@
           <a:p>
             <a:fld id="{9F4DF3D0-C105-404D-A43B-7CBA1B97B744}" type="datetimeFigureOut">
               <a:rPr lang="ru-RU" smtClean="0"/>
-              <a:t>01.03.2021</a:t>
+              <a:t>02.03.2021</a:t>
             </a:fld>
-            <a:endParaRPr lang="ru-RU"/>
+            <a:endParaRPr lang="ru-RU" dirty="0"/>
           </a:p>
         </p:txBody>
       </p:sp>
@@ -1023,7 +1029,7 @@
           <a:bodyPr/>
           <a:lstStyle/>
           <a:p>
-            <a:endParaRPr lang="ru-RU"/>
+            <a:endParaRPr lang="ru-RU" dirty="0"/>
           </a:p>
         </p:txBody>
       </p:sp>
@@ -1046,7 +1052,7 @@
               <a:rPr lang="ru-RU" smtClean="0"/>
               <a:t>‹#›</a:t>
             </a:fld>
-            <a:endParaRPr lang="ru-RU"/>
+            <a:endParaRPr lang="ru-RU" dirty="0"/>
           </a:p>
         </p:txBody>
       </p:sp>
@@ -1172,9 +1178,9 @@
           <a:p>
             <a:fld id="{9F4DF3D0-C105-404D-A43B-7CBA1B97B744}" type="datetimeFigureOut">
               <a:rPr lang="ru-RU" smtClean="0"/>
-              <a:t>01.03.2021</a:t>
+              <a:t>02.03.2021</a:t>
             </a:fld>
-            <a:endParaRPr lang="ru-RU"/>
+            <a:endParaRPr lang="ru-RU" dirty="0"/>
           </a:p>
         </p:txBody>
       </p:sp>
@@ -1193,7 +1199,7 @@
           <a:bodyPr/>
           <a:lstStyle/>
           <a:p>
-            <a:endParaRPr lang="ru-RU"/>
+            <a:endParaRPr lang="ru-RU" dirty="0"/>
           </a:p>
         </p:txBody>
       </p:sp>
@@ -1216,7 +1222,7 @@
               <a:rPr lang="ru-RU" smtClean="0"/>
               <a:t>‹#›</a:t>
             </a:fld>
-            <a:endParaRPr lang="ru-RU"/>
+            <a:endParaRPr lang="ru-RU" dirty="0"/>
           </a:p>
         </p:txBody>
       </p:sp>
@@ -1418,9 +1424,9 @@
           <a:p>
             <a:fld id="{9F4DF3D0-C105-404D-A43B-7CBA1B97B744}" type="datetimeFigureOut">
               <a:rPr lang="ru-RU" smtClean="0"/>
-              <a:t>01.03.2021</a:t>
+              <a:t>02.03.2021</a:t>
             </a:fld>
-            <a:endParaRPr lang="ru-RU"/>
+            <a:endParaRPr lang="ru-RU" dirty="0"/>
           </a:p>
         </p:txBody>
       </p:sp>
@@ -1439,7 +1445,7 @@
           <a:bodyPr/>
           <a:lstStyle/>
           <a:p>
-            <a:endParaRPr lang="ru-RU"/>
+            <a:endParaRPr lang="ru-RU" dirty="0"/>
           </a:p>
         </p:txBody>
       </p:sp>
@@ -1462,7 +1468,7 @@
               <a:rPr lang="ru-RU" smtClean="0"/>
               <a:t>‹#›</a:t>
             </a:fld>
-            <a:endParaRPr lang="ru-RU"/>
+            <a:endParaRPr lang="ru-RU" dirty="0"/>
           </a:p>
         </p:txBody>
       </p:sp>
@@ -1650,9 +1656,9 @@
           <a:p>
             <a:fld id="{9F4DF3D0-C105-404D-A43B-7CBA1B97B744}" type="datetimeFigureOut">
               <a:rPr lang="ru-RU" smtClean="0"/>
-              <a:t>01.03.2021</a:t>
+              <a:t>02.03.2021</a:t>
             </a:fld>
-            <a:endParaRPr lang="ru-RU"/>
+            <a:endParaRPr lang="ru-RU" dirty="0"/>
           </a:p>
         </p:txBody>
       </p:sp>
@@ -1671,7 +1677,7 @@
           <a:bodyPr/>
           <a:lstStyle/>
           <a:p>
-            <a:endParaRPr lang="ru-RU"/>
+            <a:endParaRPr lang="ru-RU" dirty="0"/>
           </a:p>
         </p:txBody>
       </p:sp>
@@ -1694,7 +1700,7 @@
               <a:rPr lang="ru-RU" smtClean="0"/>
               <a:t>‹#›</a:t>
             </a:fld>
-            <a:endParaRPr lang="ru-RU"/>
+            <a:endParaRPr lang="ru-RU" dirty="0"/>
           </a:p>
         </p:txBody>
       </p:sp>
@@ -2017,9 +2023,9 @@
           <a:p>
             <a:fld id="{9F4DF3D0-C105-404D-A43B-7CBA1B97B744}" type="datetimeFigureOut">
               <a:rPr lang="ru-RU" smtClean="0"/>
-              <a:t>01.03.2021</a:t>
+              <a:t>02.03.2021</a:t>
             </a:fld>
-            <a:endParaRPr lang="ru-RU"/>
+            <a:endParaRPr lang="ru-RU" dirty="0"/>
           </a:p>
         </p:txBody>
       </p:sp>
@@ -2038,7 +2044,7 @@
           <a:bodyPr/>
           <a:lstStyle/>
           <a:p>
-            <a:endParaRPr lang="ru-RU"/>
+            <a:endParaRPr lang="ru-RU" dirty="0"/>
           </a:p>
         </p:txBody>
       </p:sp>
@@ -2061,7 +2067,7 @@
               <a:rPr lang="ru-RU" smtClean="0"/>
               <a:t>‹#›</a:t>
             </a:fld>
-            <a:endParaRPr lang="ru-RU"/>
+            <a:endParaRPr lang="ru-RU" dirty="0"/>
           </a:p>
         </p:txBody>
       </p:sp>
@@ -2135,9 +2141,9 @@
           <a:p>
             <a:fld id="{9F4DF3D0-C105-404D-A43B-7CBA1B97B744}" type="datetimeFigureOut">
               <a:rPr lang="ru-RU" smtClean="0"/>
-              <a:t>01.03.2021</a:t>
+              <a:t>02.03.2021</a:t>
             </a:fld>
-            <a:endParaRPr lang="ru-RU"/>
+            <a:endParaRPr lang="ru-RU" dirty="0"/>
           </a:p>
         </p:txBody>
       </p:sp>
@@ -2156,7 +2162,7 @@
           <a:bodyPr/>
           <a:lstStyle/>
           <a:p>
-            <a:endParaRPr lang="ru-RU"/>
+            <a:endParaRPr lang="ru-RU" dirty="0"/>
           </a:p>
         </p:txBody>
       </p:sp>
@@ -2179,7 +2185,7 @@
               <a:rPr lang="ru-RU" smtClean="0"/>
               <a:t>‹#›</a:t>
             </a:fld>
-            <a:endParaRPr lang="ru-RU"/>
+            <a:endParaRPr lang="ru-RU" dirty="0"/>
           </a:p>
         </p:txBody>
       </p:sp>
@@ -2230,9 +2236,9 @@
           <a:p>
             <a:fld id="{9F4DF3D0-C105-404D-A43B-7CBA1B97B744}" type="datetimeFigureOut">
               <a:rPr lang="ru-RU" smtClean="0"/>
-              <a:t>01.03.2021</a:t>
+              <a:t>02.03.2021</a:t>
             </a:fld>
-            <a:endParaRPr lang="ru-RU"/>
+            <a:endParaRPr lang="ru-RU" dirty="0"/>
           </a:p>
         </p:txBody>
       </p:sp>
@@ -2251,7 +2257,7 @@
           <a:bodyPr/>
           <a:lstStyle/>
           <a:p>
-            <a:endParaRPr lang="ru-RU"/>
+            <a:endParaRPr lang="ru-RU" dirty="0"/>
           </a:p>
         </p:txBody>
       </p:sp>
@@ -2274,7 +2280,7 @@
               <a:rPr lang="ru-RU" smtClean="0"/>
               <a:t>‹#›</a:t>
             </a:fld>
-            <a:endParaRPr lang="ru-RU"/>
+            <a:endParaRPr lang="ru-RU" dirty="0"/>
           </a:p>
         </p:txBody>
       </p:sp>
@@ -2507,9 +2513,9 @@
           <a:p>
             <a:fld id="{9F4DF3D0-C105-404D-A43B-7CBA1B97B744}" type="datetimeFigureOut">
               <a:rPr lang="ru-RU" smtClean="0"/>
-              <a:t>01.03.2021</a:t>
+              <a:t>02.03.2021</a:t>
             </a:fld>
-            <a:endParaRPr lang="ru-RU"/>
+            <a:endParaRPr lang="ru-RU" dirty="0"/>
           </a:p>
         </p:txBody>
       </p:sp>
@@ -2528,7 +2534,7 @@
           <a:bodyPr/>
           <a:lstStyle/>
           <a:p>
-            <a:endParaRPr lang="ru-RU"/>
+            <a:endParaRPr lang="ru-RU" dirty="0"/>
           </a:p>
         </p:txBody>
       </p:sp>
@@ -2551,7 +2557,7 @@
               <a:rPr lang="ru-RU" smtClean="0"/>
               <a:t>‹#›</a:t>
             </a:fld>
-            <a:endParaRPr lang="ru-RU"/>
+            <a:endParaRPr lang="ru-RU" dirty="0"/>
           </a:p>
         </p:txBody>
       </p:sp>
@@ -2674,7 +2680,7 @@
             </a:lvl9pPr>
           </a:lstStyle>
           <a:p>
-            <a:endParaRPr lang="ru-RU"/>
+            <a:endParaRPr lang="ru-RU" dirty="0"/>
           </a:p>
         </p:txBody>
       </p:sp>
@@ -2760,9 +2766,9 @@
           <a:p>
             <a:fld id="{9F4DF3D0-C105-404D-A43B-7CBA1B97B744}" type="datetimeFigureOut">
               <a:rPr lang="ru-RU" smtClean="0"/>
-              <a:t>01.03.2021</a:t>
+              <a:t>02.03.2021</a:t>
             </a:fld>
-            <a:endParaRPr lang="ru-RU"/>
+            <a:endParaRPr lang="ru-RU" dirty="0"/>
           </a:p>
         </p:txBody>
       </p:sp>
@@ -2781,7 +2787,7 @@
           <a:bodyPr/>
           <a:lstStyle/>
           <a:p>
-            <a:endParaRPr lang="ru-RU"/>
+            <a:endParaRPr lang="ru-RU" dirty="0"/>
           </a:p>
         </p:txBody>
       </p:sp>
@@ -2804,7 +2810,7 @@
               <a:rPr lang="ru-RU" smtClean="0"/>
               <a:t>‹#›</a:t>
             </a:fld>
-            <a:endParaRPr lang="ru-RU"/>
+            <a:endParaRPr lang="ru-RU" dirty="0"/>
           </a:p>
         </p:txBody>
       </p:sp>
@@ -2973,9 +2979,9 @@
           <a:p>
             <a:fld id="{9F4DF3D0-C105-404D-A43B-7CBA1B97B744}" type="datetimeFigureOut">
               <a:rPr lang="ru-RU" smtClean="0"/>
-              <a:t>01.03.2021</a:t>
+              <a:t>02.03.2021</a:t>
             </a:fld>
-            <a:endParaRPr lang="ru-RU"/>
+            <a:endParaRPr lang="ru-RU" dirty="0"/>
           </a:p>
         </p:txBody>
       </p:sp>
@@ -3012,7 +3018,7 @@
             </a:lvl1pPr>
           </a:lstStyle>
           <a:p>
-            <a:endParaRPr lang="ru-RU"/>
+            <a:endParaRPr lang="ru-RU" dirty="0"/>
           </a:p>
         </p:txBody>
       </p:sp>
@@ -3053,7 +3059,7 @@
               <a:rPr lang="ru-RU" smtClean="0"/>
               <a:t>‹#›</a:t>
             </a:fld>
-            <a:endParaRPr lang="ru-RU"/>
+            <a:endParaRPr lang="ru-RU" dirty="0"/>
           </a:p>
         </p:txBody>
       </p:sp>
@@ -3399,18 +3405,18 @@
           <a:lstStyle/>
           <a:p>
             <a:r>
-              <a:rPr lang="ru-RU" smtClean="0"/>
+              <a:rPr lang="ru-RU" dirty="0" smtClean="0"/>
               <a:t>Лекция №</a:t>
             </a:r>
             <a:r>
-              <a:rPr lang="en-US" smtClean="0"/>
+              <a:rPr lang="en-US" dirty="0" smtClean="0"/>
               <a:t>1</a:t>
             </a:r>
             <a:r>
-              <a:rPr lang="ru-RU" smtClean="0"/>
+              <a:rPr lang="ru-RU" dirty="0" smtClean="0"/>
               <a:t>1</a:t>
             </a:r>
-            <a:endParaRPr lang="ru-RU"/>
+            <a:endParaRPr lang="ru-RU" dirty="0"/>
           </a:p>
         </p:txBody>
       </p:sp>
@@ -3437,40 +3443,39 @@
           <a:lstStyle/>
           <a:p>
             <a:r>
-              <a:rPr lang="ru-RU" sz="4000" smtClean="0"/>
+              <a:rPr lang="ru-RU" sz="4000" dirty="0" smtClean="0"/>
               <a:t>Обработка естественного языка</a:t>
             </a:r>
-            <a:endParaRPr lang="ru-RU" sz="4000" smtClean="0"/>
-          </a:p>
-          <a:p>
-            <a:endParaRPr lang="ru-RU" smtClean="0"/>
-          </a:p>
-          <a:p>
-            <a:endParaRPr lang="ru-RU" smtClean="0"/>
-          </a:p>
-          <a:p>
-            <a:endParaRPr lang="ru-RU"/>
-          </a:p>
-          <a:p>
-            <a:endParaRPr lang="ru-RU" smtClean="0"/>
-          </a:p>
-          <a:p>
-            <a:r>
-              <a:rPr lang="ru-RU" smtClean="0"/>
+          </a:p>
+          <a:p>
+            <a:endParaRPr lang="ru-RU" dirty="0" smtClean="0"/>
+          </a:p>
+          <a:p>
+            <a:endParaRPr lang="ru-RU" dirty="0" smtClean="0"/>
+          </a:p>
+          <a:p>
+            <a:endParaRPr lang="ru-RU" dirty="0"/>
+          </a:p>
+          <a:p>
+            <a:endParaRPr lang="ru-RU" dirty="0" smtClean="0"/>
+          </a:p>
+          <a:p>
+            <a:r>
+              <a:rPr lang="ru-RU" dirty="0" smtClean="0"/>
               <a:t>Технологический Университет</a:t>
             </a:r>
-            <a:endParaRPr lang="ru-RU"/>
-          </a:p>
-          <a:p>
-            <a:r>
-              <a:rPr lang="ru-RU" smtClean="0"/>
+            <a:endParaRPr lang="ru-RU" dirty="0"/>
+          </a:p>
+          <a:p>
+            <a:r>
+              <a:rPr lang="ru-RU" dirty="0" smtClean="0"/>
               <a:t>Королёв, 202</a:t>
             </a:r>
             <a:r>
-              <a:rPr lang="en-US" smtClean="0"/>
+              <a:rPr lang="en-US" dirty="0" smtClean="0"/>
               <a:t>1</a:t>
             </a:r>
-            <a:endParaRPr lang="ru-RU"/>
+            <a:endParaRPr lang="ru-RU" dirty="0"/>
           </a:p>
         </p:txBody>
       </p:sp>
@@ -3527,10 +3532,10 @@
           <a:lstStyle/>
           <a:p>
             <a:r>
-              <a:rPr lang="ru-RU" altLang="ru-RU" sz="3600"/>
+              <a:rPr lang="ru-RU" altLang="ru-RU" sz="3600" dirty="0"/>
               <a:t>Векторные представления слов</a:t>
             </a:r>
-            <a:endParaRPr lang="ru-RU" sz="3600"/>
+            <a:endParaRPr lang="ru-RU" sz="3600" dirty="0"/>
           </a:p>
         </p:txBody>
       </p:sp>
@@ -3571,10 +3576,10 @@
           <a:p>
             <a:pPr algn="ctr"/>
             <a:r>
-              <a:rPr lang="en-US" smtClean="0"/>
+              <a:rPr lang="en-US" dirty="0" smtClean="0"/>
               <a:t>Bag of words</a:t>
             </a:r>
-            <a:endParaRPr lang="ru-RU"/>
+            <a:endParaRPr lang="ru-RU" dirty="0"/>
           </a:p>
         </p:txBody>
       </p:sp>
@@ -3615,10 +3620,10 @@
           <a:p>
             <a:pPr algn="ctr"/>
             <a:r>
-              <a:rPr lang="en-US" smtClean="0"/>
+              <a:rPr lang="en-US" dirty="0" smtClean="0"/>
               <a:t>TF-IDF</a:t>
             </a:r>
-            <a:endParaRPr lang="ru-RU"/>
+            <a:endParaRPr lang="ru-RU" dirty="0"/>
           </a:p>
         </p:txBody>
       </p:sp>
@@ -3659,10 +3664,10 @@
           <a:p>
             <a:pPr algn="ctr"/>
             <a:r>
-              <a:rPr lang="en-US" smtClean="0"/>
+              <a:rPr lang="en-US" dirty="0" smtClean="0"/>
               <a:t>Word2vec</a:t>
             </a:r>
-            <a:endParaRPr lang="ru-RU"/>
+            <a:endParaRPr lang="ru-RU" dirty="0"/>
           </a:p>
         </p:txBody>
       </p:sp>
@@ -3703,10 +3708,10 @@
           <a:p>
             <a:pPr algn="ctr"/>
             <a:r>
-              <a:rPr lang="en-US" err="1" smtClean="0"/>
+              <a:rPr lang="en-US" dirty="0" smtClean="0"/>
               <a:t>GloVe</a:t>
             </a:r>
-            <a:endParaRPr lang="ru-RU"/>
+            <a:endParaRPr lang="ru-RU" dirty="0"/>
           </a:p>
         </p:txBody>
       </p:sp>
@@ -3747,14 +3752,14 @@
           <a:p>
             <a:pPr algn="ctr"/>
             <a:r>
-              <a:rPr lang="en-US" err="1"/>
+              <a:rPr lang="en-US" dirty="0"/>
               <a:t>f</a:t>
             </a:r>
             <a:r>
-              <a:rPr lang="en-US" err="1" smtClean="0"/>
+              <a:rPr lang="en-US" dirty="0" smtClean="0"/>
               <a:t>astText</a:t>
             </a:r>
-            <a:endParaRPr lang="ru-RU"/>
+            <a:endParaRPr lang="ru-RU" dirty="0"/>
           </a:p>
         </p:txBody>
       </p:sp>
@@ -3795,10 +3800,10 @@
           <a:p>
             <a:pPr algn="ctr"/>
             <a:r>
-              <a:rPr lang="en-US" smtClean="0"/>
+              <a:rPr lang="en-US" dirty="0" smtClean="0"/>
               <a:t>BERT</a:t>
             </a:r>
-            <a:endParaRPr lang="ru-RU"/>
+            <a:endParaRPr lang="ru-RU" dirty="0"/>
           </a:p>
         </p:txBody>
       </p:sp>
@@ -3839,10 +3844,10 @@
           <a:p>
             <a:pPr algn="ctr"/>
             <a:r>
-              <a:rPr lang="en-US" err="1" smtClean="0"/>
+              <a:rPr lang="en-US" dirty="0" smtClean="0"/>
               <a:t>ELMo</a:t>
             </a:r>
-            <a:endParaRPr lang="ru-RU"/>
+            <a:endParaRPr lang="ru-RU" dirty="0"/>
           </a:p>
         </p:txBody>
       </p:sp>
@@ -3883,10 +3888,10 @@
           <a:p>
             <a:pPr algn="ctr"/>
             <a:r>
-              <a:rPr lang="en-US" smtClean="0"/>
+              <a:rPr lang="en-US" dirty="0" smtClean="0"/>
               <a:t>GPT</a:t>
             </a:r>
-            <a:endParaRPr lang="ru-RU"/>
+            <a:endParaRPr lang="ru-RU" dirty="0"/>
           </a:p>
         </p:txBody>
       </p:sp>
@@ -3936,15 +3941,15 @@
           <a:lstStyle/>
           <a:p>
             <a:r>
-              <a:rPr lang="en-US" smtClean="0"/>
+              <a:rPr lang="en-US" dirty="0" smtClean="0"/>
               <a:t>Bag of words</a:t>
             </a:r>
-            <a:endParaRPr lang="ru-RU"/>
+            <a:endParaRPr lang="ru-RU" dirty="0"/>
           </a:p>
         </p:txBody>
       </p:sp>
-      <mc:AlternateContent xmlns:mc="http://schemas.openxmlformats.org/markup-compatibility/2006">
-        <mc:Choice xmlns:a14="http://schemas.microsoft.com/office/drawing/2010/main" Requires="a14">
+      <mc:AlternateContent xmlns:mc="http://schemas.openxmlformats.org/markup-compatibility/2006" xmlns:a14="http://schemas.microsoft.com/office/drawing/2010/main">
+        <mc:Choice Requires="a14">
           <p:sp>
             <p:nvSpPr>
               <p:cNvPr id="3" name="Объект 2"/>
@@ -3964,19 +3969,19 @@
                   <a:buNone/>
                 </a:pPr>
                 <a:r>
-                  <a:rPr lang="ru-RU" smtClean="0"/>
+                  <a:rPr lang="ru-RU" dirty="0" smtClean="0"/>
                   <a:t>Строится словарь </a:t>
                 </a:r>
                 <a:r>
-                  <a:rPr lang="en-US" i="1" smtClean="0"/>
+                  <a:rPr lang="en-US" i="1" dirty="0" smtClean="0"/>
                   <a:t>W</a:t>
                 </a:r>
                 <a:r>
-                  <a:rPr lang="en-US" smtClean="0"/>
+                  <a:rPr lang="en-US" dirty="0" smtClean="0"/>
                   <a:t> </a:t>
                 </a:r>
                 <a:r>
-                  <a:rPr lang="ru-RU" smtClean="0"/>
+                  <a:rPr lang="ru-RU" dirty="0" smtClean="0"/>
                   <a:t>всех (известных, встречающихся и т.п.) слов. Размер словаря </a:t>
                 </a:r>
                 <a14:m>
@@ -4015,7 +4020,7 @@
                   </m:oMath>
                 </a14:m>
                 <a:r>
-                  <a:rPr lang="en-US" smtClean="0"/>
+                  <a:rPr lang="en-US" dirty="0" smtClean="0"/>
                   <a:t>.</a:t>
                 </a:r>
               </a:p>
@@ -4023,42 +4028,34 @@
                 <a:pPr marL="0" indent="0">
                   <a:buNone/>
                 </a:pPr>
-                <a:endParaRPr lang="en-US"/>
+                <a:endParaRPr lang="en-US" dirty="0"/>
               </a:p>
               <a:p>
                 <a:pPr marL="0" indent="0">
                   <a:buNone/>
                 </a:pPr>
                 <a:r>
-                  <a:rPr lang="ru-RU" smtClean="0"/>
-                  <a:t>Каждое слово из словаря кодируется как вектор </a:t>
-                </a:r>
-                <a:r>
-                  <a:rPr lang="ru-RU" smtClean="0"/>
-                  <a:t>длины</a:t>
-                </a:r>
-                <a:r>
-                  <a:rPr lang="en-US" smtClean="0"/>
+                  <a:rPr lang="ru-RU" dirty="0" smtClean="0"/>
+                  <a:t>Каждое слово из словаря кодируется как вектор длины</a:t>
+                </a:r>
+                <a:r>
+                  <a:rPr lang="en-US" dirty="0" smtClean="0"/>
                   <a:t> </a:t>
                 </a:r>
                 <a:r>
-                  <a:rPr lang="en-US" i="1" smtClean="0"/>
+                  <a:rPr lang="en-US" i="1" dirty="0" smtClean="0"/>
                   <a:t>N</a:t>
                 </a:r>
                 <a:r>
-                  <a:rPr lang="ru-RU" smtClean="0"/>
-                  <a:t>, </a:t>
-                </a:r>
-                <a:r>
-                  <a:rPr lang="ru-RU" smtClean="0"/>
-                  <a:t>в котором все компоненты, кроме одного, равны 0 (1-</a:t>
-                </a:r>
-                <a:r>
-                  <a:rPr lang="en-US" smtClean="0"/>
+                  <a:rPr lang="ru-RU" dirty="0" smtClean="0"/>
+                  <a:t>, в котором все компоненты, кроме одного, равны 0 (1-</a:t>
+                </a:r>
+                <a:r>
+                  <a:rPr lang="en-US" dirty="0" smtClean="0"/>
                   <a:t>hot encoding)</a:t>
                 </a:r>
                 <a:r>
-                  <a:rPr lang="ru-RU" smtClean="0"/>
+                  <a:rPr lang="ru-RU" dirty="0" smtClean="0"/>
                   <a:t>.</a:t>
                 </a:r>
               </a:p>
@@ -4066,41 +4063,33 @@
                 <a:pPr marL="0" indent="0">
                   <a:buNone/>
                 </a:pPr>
-                <a:endParaRPr lang="ru-RU"/>
+                <a:endParaRPr lang="ru-RU" dirty="0"/>
               </a:p>
               <a:p>
                 <a:pPr marL="0" indent="0">
                   <a:buNone/>
                 </a:pPr>
                 <a:r>
-                  <a:rPr lang="ru-RU" smtClean="0"/>
-                  <a:t>Текст кодируется как вектор </a:t>
-                </a:r>
-                <a:r>
-                  <a:rPr lang="ru-RU" smtClean="0"/>
-                  <a:t>длины</a:t>
-                </a:r>
-                <a:r>
-                  <a:rPr lang="en-US" smtClean="0"/>
+                  <a:rPr lang="ru-RU" dirty="0" smtClean="0"/>
+                  <a:t>Текст кодируется как вектор длины</a:t>
+                </a:r>
+                <a:r>
+                  <a:rPr lang="en-US" dirty="0" smtClean="0"/>
                   <a:t> </a:t>
                 </a:r>
                 <a:r>
-                  <a:rPr lang="en-US" i="1" smtClean="0"/>
+                  <a:rPr lang="en-US" i="1" dirty="0" smtClean="0"/>
                   <a:t>N</a:t>
                 </a:r>
                 <a:r>
-                  <a:rPr lang="ru-RU" smtClean="0"/>
-                  <a:t>, </a:t>
-                </a:r>
-                <a:r>
-                  <a:rPr lang="ru-RU" smtClean="0"/>
-                  <a:t>в котором наличие или отсутствие слова определяет значение своего компонента.</a:t>
+                  <a:rPr lang="ru-RU" dirty="0" smtClean="0"/>
+                  <a:t>, в котором наличие или отсутствие слова определяет значение своего компонента.</a:t>
                 </a:r>
               </a:p>
             </p:txBody>
           </p:sp>
         </mc:Choice>
-        <mc:Fallback>
+        <mc:Fallback xmlns="">
           <p:sp>
             <p:nvSpPr>
               <p:cNvPr id="3" name="Объект 2"/>
@@ -4180,15 +4169,15 @@
           <a:lstStyle/>
           <a:p>
             <a:r>
-              <a:rPr lang="en-US" smtClean="0"/>
+              <a:rPr lang="en-US" dirty="0" smtClean="0"/>
               <a:t>Bag of words</a:t>
             </a:r>
-            <a:endParaRPr lang="ru-RU"/>
+            <a:endParaRPr lang="ru-RU" dirty="0"/>
           </a:p>
         </p:txBody>
       </p:sp>
-      <mc:AlternateContent xmlns:mc="http://schemas.openxmlformats.org/markup-compatibility/2006">
-        <mc:Choice xmlns:a14="http://schemas.microsoft.com/office/drawing/2010/main" Requires="a14">
+      <mc:AlternateContent xmlns:mc="http://schemas.openxmlformats.org/markup-compatibility/2006" xmlns:a14="http://schemas.microsoft.com/office/drawing/2010/main">
+        <mc:Choice Requires="a14">
           <p:sp>
             <p:nvSpPr>
               <p:cNvPr id="3" name="Объект 2"/>
@@ -4243,11 +4232,11 @@
                   </m:oMath>
                 </a14:m>
                 <a:r>
-                  <a:rPr lang="en-US" smtClean="0"/>
+                  <a:rPr lang="en-US" dirty="0" smtClean="0"/>
                   <a:t> </a:t>
                 </a:r>
                 <a:r>
-                  <a:rPr lang="ru-RU" smtClean="0"/>
+                  <a:rPr lang="ru-RU" dirty="0" smtClean="0"/>
                   <a:t>«Первый пример»</a:t>
                 </a:r>
               </a:p>
@@ -4291,14 +4280,14 @@
                   </m:oMath>
                 </a14:m>
                 <a:r>
-                  <a:rPr lang="en-US"/>
+                  <a:rPr lang="en-US" dirty="0"/>
                   <a:t> </a:t>
                 </a:r>
                 <a:r>
-                  <a:rPr lang="ru-RU" smtClean="0"/>
+                  <a:rPr lang="ru-RU" dirty="0" smtClean="0"/>
                   <a:t>«Ещё один пример»</a:t>
                 </a:r>
-                <a:endParaRPr lang="ru-RU"/>
+                <a:endParaRPr lang="ru-RU" dirty="0"/>
               </a:p>
               <a:p>
                 <a:pPr marL="0" indent="0">
@@ -4340,61 +4329,60 @@
                   </m:oMath>
                 </a14:m>
                 <a:r>
-                  <a:rPr lang="en-US"/>
+                  <a:rPr lang="en-US" dirty="0"/>
                   <a:t> </a:t>
                 </a:r>
                 <a:r>
-                  <a:rPr lang="ru-RU" smtClean="0"/>
+                  <a:rPr lang="ru-RU" dirty="0" smtClean="0"/>
                   <a:t>«Не первый и не второй пример»</a:t>
                 </a:r>
-                <a:endParaRPr lang="ru-RU"/>
+                <a:endParaRPr lang="ru-RU" dirty="0"/>
               </a:p>
               <a:p>
                 <a:pPr marL="0" indent="0">
                   <a:buNone/>
                 </a:pPr>
-                <a:endParaRPr lang="ru-RU" smtClean="0"/>
+                <a:endParaRPr lang="ru-RU" dirty="0" smtClean="0"/>
               </a:p>
               <a:p>
                 <a:pPr marL="0" indent="0">
                   <a:buNone/>
                 </a:pPr>
                 <a:r>
-                  <a:rPr lang="en-US" i="1" smtClean="0"/>
+                  <a:rPr lang="en-US" i="1" dirty="0" smtClean="0"/>
                   <a:t>W</a:t>
                 </a:r>
                 <a:r>
-                  <a:rPr lang="en-US" smtClean="0"/>
+                  <a:rPr lang="en-US" dirty="0" smtClean="0"/>
                   <a:t> = {</a:t>
                 </a:r>
                 <a:r>
-                  <a:rPr lang="ru-RU" smtClean="0"/>
+                  <a:rPr lang="ru-RU" dirty="0" smtClean="0"/>
                   <a:t>«первый», «пример», «ещё», «один», «не», «и», «второй»</a:t>
                 </a:r>
                 <a:r>
-                  <a:rPr lang="en-US" smtClean="0"/>
+                  <a:rPr lang="en-US" dirty="0" smtClean="0"/>
                   <a:t>}</a:t>
                 </a:r>
-                <a:endParaRPr lang="ru-RU" smtClean="0"/>
+                <a:endParaRPr lang="ru-RU" dirty="0" smtClean="0"/>
               </a:p>
               <a:p>
                 <a:pPr marL="0" indent="0">
                   <a:buNone/>
                 </a:pPr>
                 <a:r>
-                  <a:rPr lang="en-US" i="1" smtClean="0"/>
+                  <a:rPr lang="en-US" i="1" dirty="0" smtClean="0"/>
                   <a:t>N</a:t>
                 </a:r>
                 <a:r>
-                  <a:rPr lang="ru-RU" smtClean="0"/>
+                  <a:rPr lang="ru-RU" dirty="0" smtClean="0"/>
                   <a:t> = 7</a:t>
                 </a:r>
-                <a:endParaRPr lang="ru-RU" smtClean="0"/>
               </a:p>
             </p:txBody>
           </p:sp>
         </mc:Choice>
-        <mc:Fallback>
+        <mc:Fallback xmlns="">
           <p:sp>
             <p:nvSpPr>
               <p:cNvPr id="3" name="Объект 2"/>
@@ -4474,10 +4462,10 @@
           <a:lstStyle/>
           <a:p>
             <a:r>
-              <a:rPr lang="en-US" smtClean="0"/>
+              <a:rPr lang="en-US" dirty="0" smtClean="0"/>
               <a:t>Bag of words</a:t>
             </a:r>
-            <a:endParaRPr lang="ru-RU"/>
+            <a:endParaRPr lang="ru-RU" dirty="0"/>
           </a:p>
         </p:txBody>
       </p:sp>
@@ -4517,13 +4505,7 @@
               <a:rPr lang="en-US" dirty="0" smtClean="0">
                 <a:sym typeface="Symbol" panose="05050102010706020507" pitchFamily="18" charset="2"/>
               </a:rPr>
-              <a:t>	</a:t>
-            </a:r>
-            <a:r>
-              <a:rPr lang="en-US" dirty="0" smtClean="0">
-                <a:sym typeface="Symbol" panose="05050102010706020507" pitchFamily="18" charset="2"/>
-              </a:rPr>
-              <a:t>(1, 0, 0, 0, 0, 0, 0)</a:t>
+              <a:t>	(1, 0, 0, 0, 0, 0, 0)</a:t>
             </a:r>
             <a:endParaRPr lang="ru-RU" dirty="0" smtClean="0"/>
           </a:p>
@@ -4865,15 +4847,15 @@
           <a:lstStyle/>
           <a:p>
             <a:r>
-              <a:rPr lang="en-US" smtClean="0"/>
+              <a:rPr lang="en-US" dirty="0" smtClean="0"/>
               <a:t>Bag of words</a:t>
             </a:r>
-            <a:endParaRPr lang="ru-RU"/>
+            <a:endParaRPr lang="ru-RU" dirty="0"/>
           </a:p>
         </p:txBody>
       </p:sp>
-      <mc:AlternateContent xmlns:mc="http://schemas.openxmlformats.org/markup-compatibility/2006">
-        <mc:Choice xmlns:a14="http://schemas.microsoft.com/office/drawing/2010/main" Requires="a14">
+      <mc:AlternateContent xmlns:mc="http://schemas.openxmlformats.org/markup-compatibility/2006" xmlns:a14="http://schemas.microsoft.com/office/drawing/2010/main">
+        <mc:Choice Requires="a14">
           <p:sp>
             <p:nvSpPr>
               <p:cNvPr id="3" name="Объект 2"/>
@@ -4930,56 +4912,56 @@
                   </m:oMath>
                 </a14:m>
                 <a:r>
-                  <a:rPr lang="en-US"/>
+                  <a:rPr lang="en-US" dirty="0"/>
                   <a:t> </a:t>
                 </a:r>
                 <a:r>
-                  <a:rPr lang="ru-RU"/>
+                  <a:rPr lang="ru-RU" dirty="0"/>
                   <a:t>«Первый пример</a:t>
                 </a:r>
                 <a:r>
-                  <a:rPr lang="ru-RU" smtClean="0"/>
+                  <a:rPr lang="ru-RU" dirty="0" smtClean="0"/>
                   <a:t>»</a:t>
                 </a:r>
                 <a:r>
-                  <a:rPr lang="en-US"/>
+                  <a:rPr lang="en-US" dirty="0"/>
                   <a:t> 	</a:t>
                 </a:r>
                 <a:r>
-                  <a:rPr lang="en-US" smtClean="0"/>
+                  <a:rPr lang="en-US" dirty="0" smtClean="0"/>
                   <a:t>			</a:t>
                 </a:r>
                 <a:r>
-                  <a:rPr lang="ru-RU" smtClean="0">
+                  <a:rPr lang="ru-RU" dirty="0" smtClean="0">
                     <a:sym typeface="Symbol" panose="05050102010706020507" pitchFamily="18" charset="2"/>
                   </a:rPr>
                   <a:t></a:t>
                 </a:r>
                 <a:r>
-                  <a:rPr lang="en-US">
+                  <a:rPr lang="en-US" dirty="0">
                     <a:sym typeface="Symbol" panose="05050102010706020507" pitchFamily="18" charset="2"/>
                   </a:rPr>
                   <a:t>	(1, </a:t>
                 </a:r>
                 <a:r>
-                  <a:rPr lang="en-US" smtClean="0">
+                  <a:rPr lang="en-US" dirty="0" smtClean="0">
                     <a:sym typeface="Symbol" panose="05050102010706020507" pitchFamily="18" charset="2"/>
                   </a:rPr>
                   <a:t>1, </a:t>
                 </a:r>
                 <a:r>
-                  <a:rPr lang="en-US">
+                  <a:rPr lang="en-US" dirty="0">
                     <a:sym typeface="Symbol" panose="05050102010706020507" pitchFamily="18" charset="2"/>
                   </a:rPr>
                   <a:t>0, 0, 0, 0, 0)</a:t>
                 </a:r>
-                <a:endParaRPr lang="ru-RU"/>
+                <a:endParaRPr lang="ru-RU" dirty="0"/>
               </a:p>
               <a:p>
                 <a:pPr marL="0" indent="0">
                   <a:buNone/>
                 </a:pPr>
-                <a:endParaRPr lang="en-US" i="1" smtClean="0">
+                <a:endParaRPr lang="en-US" i="1" dirty="0" smtClean="0">
                   <a:latin typeface="Cambria Math" panose="02040503050406030204" pitchFamily="18" charset="0"/>
                 </a:endParaRPr>
               </a:p>
@@ -5023,56 +5005,56 @@
                   </m:oMath>
                 </a14:m>
                 <a:r>
-                  <a:rPr lang="en-US"/>
+                  <a:rPr lang="en-US" dirty="0"/>
                   <a:t> </a:t>
                 </a:r>
                 <a:r>
-                  <a:rPr lang="ru-RU"/>
+                  <a:rPr lang="ru-RU" dirty="0"/>
                   <a:t>«Ещё один пример</a:t>
                 </a:r>
                 <a:r>
-                  <a:rPr lang="ru-RU" smtClean="0"/>
+                  <a:rPr lang="ru-RU" dirty="0" smtClean="0"/>
                   <a:t>»</a:t>
                 </a:r>
                 <a:r>
-                  <a:rPr lang="en-US"/>
+                  <a:rPr lang="en-US" dirty="0"/>
                   <a:t> 	</a:t>
                 </a:r>
                 <a:r>
-                  <a:rPr lang="en-US" smtClean="0"/>
+                  <a:rPr lang="en-US" dirty="0" smtClean="0"/>
                   <a:t>		</a:t>
                 </a:r>
                 <a:r>
-                  <a:rPr lang="ru-RU" smtClean="0">
+                  <a:rPr lang="ru-RU" dirty="0" smtClean="0">
                     <a:sym typeface="Symbol" panose="05050102010706020507" pitchFamily="18" charset="2"/>
                   </a:rPr>
                   <a:t></a:t>
                 </a:r>
                 <a:r>
-                  <a:rPr lang="en-US">
+                  <a:rPr lang="en-US" dirty="0">
                     <a:sym typeface="Symbol" panose="05050102010706020507" pitchFamily="18" charset="2"/>
                   </a:rPr>
                   <a:t>	</a:t>
                 </a:r>
                 <a:r>
-                  <a:rPr lang="en-US" smtClean="0">
+                  <a:rPr lang="en-US" dirty="0" smtClean="0">
                     <a:sym typeface="Symbol" panose="05050102010706020507" pitchFamily="18" charset="2"/>
                   </a:rPr>
                   <a:t>(0, 1, 1, 1, </a:t>
                 </a:r>
                 <a:r>
-                  <a:rPr lang="en-US">
+                  <a:rPr lang="en-US" dirty="0">
                     <a:sym typeface="Symbol" panose="05050102010706020507" pitchFamily="18" charset="2"/>
                   </a:rPr>
                   <a:t>0, 0, 0)</a:t>
                 </a:r>
-                <a:endParaRPr lang="ru-RU"/>
+                <a:endParaRPr lang="ru-RU" dirty="0"/>
               </a:p>
               <a:p>
                 <a:pPr marL="0" indent="0">
                   <a:buNone/>
                 </a:pPr>
-                <a:endParaRPr lang="en-US" i="1" smtClean="0">
+                <a:endParaRPr lang="en-US" i="1" dirty="0" smtClean="0">
                   <a:latin typeface="Cambria Math" panose="02040503050406030204" pitchFamily="18" charset="0"/>
                 </a:endParaRPr>
               </a:p>
@@ -5116,47 +5098,47 @@
                   </m:oMath>
                 </a14:m>
                 <a:r>
-                  <a:rPr lang="en-US"/>
+                  <a:rPr lang="en-US" dirty="0"/>
                   <a:t> </a:t>
                 </a:r>
                 <a:r>
-                  <a:rPr lang="ru-RU"/>
+                  <a:rPr lang="ru-RU" dirty="0"/>
                   <a:t>«Не первый и не второй пример</a:t>
                 </a:r>
                 <a:r>
-                  <a:rPr lang="ru-RU" smtClean="0"/>
+                  <a:rPr lang="ru-RU" dirty="0" smtClean="0"/>
                   <a:t>»</a:t>
                 </a:r>
                 <a:r>
-                  <a:rPr lang="en-US"/>
+                  <a:rPr lang="en-US" dirty="0"/>
                   <a:t> 	</a:t>
                 </a:r>
                 <a:r>
-                  <a:rPr lang="ru-RU">
+                  <a:rPr lang="ru-RU" dirty="0">
                     <a:sym typeface="Symbol" panose="05050102010706020507" pitchFamily="18" charset="2"/>
                   </a:rPr>
                   <a:t></a:t>
                 </a:r>
                 <a:r>
-                  <a:rPr lang="en-US">
+                  <a:rPr lang="en-US" dirty="0">
                     <a:sym typeface="Symbol" panose="05050102010706020507" pitchFamily="18" charset="2"/>
                   </a:rPr>
                   <a:t>	</a:t>
                 </a:r>
                 <a:r>
-                  <a:rPr lang="en-US" smtClean="0">
+                  <a:rPr lang="en-US" dirty="0" smtClean="0">
                     <a:sym typeface="Symbol" panose="05050102010706020507" pitchFamily="18" charset="2"/>
                   </a:rPr>
                   <a:t>(1, 1, </a:t>
                 </a:r>
                 <a:r>
-                  <a:rPr lang="en-US">
+                  <a:rPr lang="en-US" dirty="0">
                     <a:sym typeface="Symbol" panose="05050102010706020507" pitchFamily="18" charset="2"/>
                   </a:rPr>
                   <a:t>0, 0, </a:t>
                 </a:r>
                 <a:r>
-                  <a:rPr lang="en-US" smtClean="0">
+                  <a:rPr lang="en-US" dirty="0" smtClean="0">
                     <a:sym typeface="Symbol" panose="05050102010706020507" pitchFamily="18" charset="2"/>
                   </a:rPr>
                   <a:t>1, 1, 1)</a:t>
@@ -5167,10 +5149,10 @@
                   <a:buNone/>
                 </a:pPr>
                 <a:r>
-                  <a:rPr lang="ru-RU"/>
+                  <a:rPr lang="ru-RU" dirty="0"/>
                   <a:t>или</a:t>
                 </a:r>
-                <a:endParaRPr lang="en-US"/>
+                <a:endParaRPr lang="en-US" dirty="0"/>
               </a:p>
               <a:p>
                 <a:pPr marL="0" indent="0">
@@ -5212,59 +5194,43 @@
                   </m:oMath>
                 </a14:m>
                 <a:r>
-                  <a:rPr lang="en-US"/>
+                  <a:rPr lang="en-US" dirty="0"/>
                   <a:t> </a:t>
                 </a:r>
                 <a:r>
-                  <a:rPr lang="ru-RU"/>
-                  <a:t>«Не первый и не второй пример</a:t>
-                </a:r>
-                <a:r>
-                  <a:rPr lang="ru-RU"/>
-                  <a:t>»</a:t>
-                </a:r>
-                <a:r>
-                  <a:rPr lang="en-US"/>
+                  <a:rPr lang="ru-RU" dirty="0"/>
+                  <a:t>«Не первый и не второй пример»</a:t>
+                </a:r>
+                <a:r>
+                  <a:rPr lang="en-US" dirty="0"/>
                   <a:t> 	</a:t>
                 </a:r>
                 <a:r>
-                  <a:rPr lang="ru-RU">
+                  <a:rPr lang="ru-RU" dirty="0">
                     <a:sym typeface="Symbol" panose="05050102010706020507" pitchFamily="18" charset="2"/>
                   </a:rPr>
                   <a:t></a:t>
                 </a:r>
                 <a:r>
-                  <a:rPr lang="en-US">
+                  <a:rPr lang="en-US" dirty="0">
                     <a:sym typeface="Symbol" panose="05050102010706020507" pitchFamily="18" charset="2"/>
                   </a:rPr>
-                  <a:t>	</a:t>
-                </a:r>
-                <a:r>
-                  <a:rPr lang="en-US">
-                    <a:sym typeface="Symbol" panose="05050102010706020507" pitchFamily="18" charset="2"/>
-                  </a:rPr>
-                  <a:t>(1, 1, </a:t>
-                </a:r>
-                <a:r>
-                  <a:rPr lang="en-US">
-                    <a:sym typeface="Symbol" panose="05050102010706020507" pitchFamily="18" charset="2"/>
-                  </a:rPr>
-                  <a:t>0, 0, </a:t>
-                </a:r>
-                <a:r>
-                  <a:rPr lang="ru-RU" smtClean="0">
+                  <a:t>	(1, 1, 0, 0, </a:t>
+                </a:r>
+                <a:r>
+                  <a:rPr lang="ru-RU" dirty="0" smtClean="0">
                     <a:sym typeface="Symbol" panose="05050102010706020507" pitchFamily="18" charset="2"/>
                   </a:rPr>
                   <a:t>2</a:t>
                 </a:r>
                 <a:r>
-                  <a:rPr lang="en-US" smtClean="0">
+                  <a:rPr lang="en-US" dirty="0" smtClean="0">
                     <a:sym typeface="Symbol" panose="05050102010706020507" pitchFamily="18" charset="2"/>
                   </a:rPr>
                   <a:t>, </a:t>
                 </a:r>
                 <a:r>
-                  <a:rPr lang="en-US">
+                  <a:rPr lang="en-US" dirty="0">
                     <a:sym typeface="Symbol" panose="05050102010706020507" pitchFamily="18" charset="2"/>
                   </a:rPr>
                   <a:t>1, 1)</a:t>
@@ -5274,12 +5240,12 @@
                 <a:pPr marL="0" indent="0">
                   <a:buNone/>
                 </a:pPr>
-                <a:endParaRPr lang="ru-RU"/>
+                <a:endParaRPr lang="ru-RU" dirty="0"/>
               </a:p>
             </p:txBody>
           </p:sp>
         </mc:Choice>
-        <mc:Fallback>
+        <mc:Fallback xmlns="">
           <p:sp>
             <p:nvSpPr>
               <p:cNvPr id="3" name="Объект 2"/>
@@ -5359,10 +5325,10 @@
           <a:lstStyle/>
           <a:p>
             <a:r>
-              <a:rPr lang="en-US" smtClean="0"/>
+              <a:rPr lang="en-US" dirty="0" smtClean="0"/>
               <a:t>Bag of words</a:t>
             </a:r>
-            <a:endParaRPr lang="ru-RU"/>
+            <a:endParaRPr lang="ru-RU" dirty="0"/>
           </a:p>
         </p:txBody>
       </p:sp>
@@ -5387,45 +5353,45 @@
               <a:buNone/>
             </a:pPr>
             <a:r>
-              <a:rPr lang="ru-RU" smtClean="0"/>
+              <a:rPr lang="ru-RU" dirty="0" smtClean="0"/>
               <a:t>Проблемы:</a:t>
             </a:r>
           </a:p>
           <a:p>
             <a:r>
-              <a:rPr lang="ru-RU" smtClean="0"/>
+              <a:rPr lang="ru-RU" dirty="0" smtClean="0"/>
               <a:t>Нужно хранить весь словарь в памяти.</a:t>
             </a:r>
           </a:p>
           <a:p>
             <a:r>
-              <a:rPr lang="ru-RU" smtClean="0"/>
+              <a:rPr lang="ru-RU" dirty="0" smtClean="0"/>
               <a:t>Новые слова:</a:t>
             </a:r>
           </a:p>
           <a:p>
             <a:pPr lvl="1"/>
             <a:r>
-              <a:rPr lang="ru-RU" smtClean="0"/>
+              <a:rPr lang="ru-RU" dirty="0" smtClean="0"/>
               <a:t>Не принимаем во внимание.</a:t>
             </a:r>
           </a:p>
           <a:p>
             <a:pPr lvl="1"/>
             <a:r>
-              <a:rPr lang="ru-RU" smtClean="0"/>
+              <a:rPr lang="ru-RU" dirty="0" smtClean="0"/>
               <a:t>Расширяем словарь, что приводит к изменению всех векторов (слов и текстов).</a:t>
             </a:r>
           </a:p>
           <a:p>
             <a:r>
-              <a:rPr lang="ru-RU"/>
+              <a:rPr lang="ru-RU" dirty="0"/>
               <a:t>Не учитывается порядок слов.</a:t>
             </a:r>
           </a:p>
           <a:p>
             <a:r>
-              <a:rPr lang="ru-RU" smtClean="0"/>
+              <a:rPr lang="ru-RU" dirty="0" smtClean="0"/>
               <a:t>Часто повторяющиеся в документе слова имеют большее влияние.</a:t>
             </a:r>
           </a:p>
@@ -5477,10 +5443,10 @@
           <a:lstStyle/>
           <a:p>
             <a:r>
-              <a:rPr lang="en-US" smtClean="0"/>
+              <a:rPr lang="en-US" dirty="0" smtClean="0"/>
               <a:t>Bag of words</a:t>
             </a:r>
-            <a:endParaRPr lang="ru-RU"/>
+            <a:endParaRPr lang="ru-RU" dirty="0"/>
           </a:p>
         </p:txBody>
       </p:sp>
@@ -5503,11 +5469,11 @@
               <a:buNone/>
             </a:pPr>
             <a:r>
-              <a:rPr lang="en-US" smtClean="0"/>
+              <a:rPr lang="en-US" dirty="0" smtClean="0"/>
               <a:t>Hashing trick</a:t>
             </a:r>
             <a:r>
-              <a:rPr lang="ru-RU" smtClean="0"/>
+              <a:rPr lang="ru-RU" dirty="0" smtClean="0"/>
               <a:t>:</a:t>
             </a:r>
           </a:p>
@@ -5516,35 +5482,31 @@
               <a:buNone/>
             </a:pPr>
             <a:r>
-              <a:rPr lang="ru-RU" smtClean="0"/>
+              <a:rPr lang="ru-RU" dirty="0" smtClean="0"/>
               <a:t>Вместо словаря используем </a:t>
             </a:r>
             <a:r>
-              <a:rPr lang="en-US" smtClean="0"/>
+              <a:rPr lang="en-US" dirty="0" smtClean="0"/>
               <a:t>hash</a:t>
             </a:r>
             <a:r>
-              <a:rPr lang="ru-RU" smtClean="0"/>
-              <a:t>-функцию, которая преобразует слова в векторы</a:t>
-            </a:r>
-            <a:r>
-              <a:rPr lang="ru-RU" smtClean="0"/>
-              <a:t>.</a:t>
-            </a:r>
-            <a:endParaRPr lang="en-US"/>
+              <a:rPr lang="ru-RU" dirty="0" smtClean="0"/>
+              <a:t>-функцию, которая преобразует слова в векторы.</a:t>
+            </a:r>
+            <a:endParaRPr lang="en-US" dirty="0"/>
           </a:p>
           <a:p>
             <a:pPr marL="0" indent="0">
               <a:buNone/>
             </a:pPr>
-            <a:endParaRPr lang="ru-RU" smtClean="0"/>
+            <a:endParaRPr lang="ru-RU" dirty="0" smtClean="0"/>
           </a:p>
           <a:p>
             <a:pPr marL="0" indent="0">
               <a:buNone/>
             </a:pPr>
             <a:r>
-              <a:rPr lang="ru-RU" smtClean="0"/>
+              <a:rPr lang="ru-RU" dirty="0" smtClean="0"/>
               <a:t>Вектор текста формируется как сумма векторов входящих в него слов.</a:t>
             </a:r>
           </a:p>
@@ -5596,10 +5558,10 @@
           <a:lstStyle/>
           <a:p>
             <a:r>
-              <a:rPr lang="en-US" smtClean="0"/>
+              <a:rPr lang="en-US" dirty="0" smtClean="0"/>
               <a:t>Bag of words</a:t>
             </a:r>
-            <a:endParaRPr lang="ru-RU"/>
+            <a:endParaRPr lang="ru-RU" dirty="0"/>
           </a:p>
         </p:txBody>
       </p:sp>
@@ -5622,17 +5584,17 @@
               <a:buNone/>
             </a:pPr>
             <a:r>
-              <a:rPr lang="ru-RU"/>
+              <a:rPr lang="ru-RU" dirty="0"/>
               <a:t>«первый»	</a:t>
             </a:r>
             <a:r>
-              <a:rPr lang="ru-RU" smtClean="0">
+              <a:rPr lang="ru-RU" dirty="0" smtClean="0">
                 <a:sym typeface="Symbol" panose="05050102010706020507" pitchFamily="18" charset="2"/>
               </a:rPr>
               <a:t></a:t>
             </a:r>
             <a:r>
-              <a:rPr lang="ru-RU"/>
+              <a:rPr lang="ru-RU" dirty="0"/>
               <a:t>	(-1,	0,	0.1,	0.5,	0,	0,	-0.7,	0)</a:t>
             </a:r>
           </a:p>
@@ -5641,17 +5603,17 @@
               <a:buNone/>
             </a:pPr>
             <a:r>
-              <a:rPr lang="ru-RU"/>
+              <a:rPr lang="ru-RU" dirty="0"/>
               <a:t>«пример»	</a:t>
             </a:r>
             <a:r>
-              <a:rPr lang="ru-RU" smtClean="0">
+              <a:rPr lang="ru-RU" dirty="0" smtClean="0">
                 <a:sym typeface="Symbol" panose="05050102010706020507" pitchFamily="18" charset="2"/>
               </a:rPr>
               <a:t> </a:t>
             </a:r>
             <a:r>
-              <a:rPr lang="ru-RU"/>
+              <a:rPr lang="ru-RU" dirty="0"/>
               <a:t>	(0,	0.1,	1,	0,	1,	0,	-0.5,	0.1)</a:t>
             </a:r>
           </a:p>
@@ -5660,17 +5622,17 @@
               <a:buNone/>
             </a:pPr>
             <a:r>
-              <a:rPr lang="ru-RU"/>
+              <a:rPr lang="ru-RU" dirty="0"/>
               <a:t>«ещё»	</a:t>
             </a:r>
             <a:r>
-              <a:rPr lang="ru-RU" smtClean="0">
+              <a:rPr lang="ru-RU" dirty="0" smtClean="0">
                 <a:sym typeface="Symbol" panose="05050102010706020507" pitchFamily="18" charset="2"/>
               </a:rPr>
               <a:t></a:t>
             </a:r>
             <a:r>
-              <a:rPr lang="ru-RU"/>
+              <a:rPr lang="ru-RU" dirty="0"/>
               <a:t>	(0.8,	0.8,	0,	0,	-1,	0,	0,	0)</a:t>
             </a:r>
           </a:p>
@@ -5679,17 +5641,17 @@
               <a:buNone/>
             </a:pPr>
             <a:r>
-              <a:rPr lang="ru-RU"/>
+              <a:rPr lang="ru-RU" dirty="0"/>
               <a:t>«один»	</a:t>
             </a:r>
             <a:r>
-              <a:rPr lang="ru-RU" smtClean="0">
+              <a:rPr lang="ru-RU" dirty="0" smtClean="0">
                 <a:sym typeface="Symbol" panose="05050102010706020507" pitchFamily="18" charset="2"/>
               </a:rPr>
               <a:t></a:t>
             </a:r>
             <a:r>
-              <a:rPr lang="ru-RU"/>
+              <a:rPr lang="ru-RU" dirty="0"/>
               <a:t>	(0,	1,	0,	0.7,	0,	-0.6,	-0.6,	0)</a:t>
             </a:r>
           </a:p>
@@ -5698,17 +5660,17 @@
               <a:buNone/>
             </a:pPr>
             <a:r>
-              <a:rPr lang="ru-RU"/>
+              <a:rPr lang="ru-RU" dirty="0"/>
               <a:t>«не»		</a:t>
             </a:r>
             <a:r>
-              <a:rPr lang="ru-RU" smtClean="0">
+              <a:rPr lang="ru-RU" dirty="0" smtClean="0">
                 <a:sym typeface="Symbol" panose="05050102010706020507" pitchFamily="18" charset="2"/>
               </a:rPr>
               <a:t></a:t>
             </a:r>
             <a:r>
-              <a:rPr lang="ru-RU"/>
+              <a:rPr lang="ru-RU" dirty="0"/>
               <a:t>	(0,	0,	1,	0,	0.6,	0.9,	0,	-0.9)</a:t>
             </a:r>
           </a:p>
@@ -5717,17 +5679,17 @@
               <a:buNone/>
             </a:pPr>
             <a:r>
-              <a:rPr lang="ru-RU"/>
+              <a:rPr lang="ru-RU" dirty="0"/>
               <a:t>«и»		</a:t>
             </a:r>
             <a:r>
-              <a:rPr lang="ru-RU" smtClean="0">
+              <a:rPr lang="ru-RU" dirty="0" smtClean="0">
                 <a:sym typeface="Symbol" panose="05050102010706020507" pitchFamily="18" charset="2"/>
               </a:rPr>
               <a:t></a:t>
             </a:r>
             <a:r>
-              <a:rPr lang="ru-RU"/>
+              <a:rPr lang="ru-RU" dirty="0"/>
               <a:t>	(0,	0.1,	0,	0.1,	0,	0.1,	0.1,	0)</a:t>
             </a:r>
           </a:p>
@@ -5736,17 +5698,17 @@
               <a:buNone/>
             </a:pPr>
             <a:r>
-              <a:rPr lang="ru-RU"/>
+              <a:rPr lang="ru-RU" dirty="0"/>
               <a:t>«второй»	</a:t>
             </a:r>
             <a:r>
-              <a:rPr lang="ru-RU" smtClean="0">
+              <a:rPr lang="ru-RU" dirty="0" smtClean="0">
                 <a:sym typeface="Symbol" panose="05050102010706020507" pitchFamily="18" charset="2"/>
               </a:rPr>
               <a:t></a:t>
             </a:r>
             <a:r>
-              <a:rPr lang="ru-RU"/>
+              <a:rPr lang="ru-RU" dirty="0"/>
               <a:t>	(0,	-1,	0,	0,	-0.5,	0,	0,	0)</a:t>
             </a:r>
           </a:p>
@@ -5798,10 +5760,10 @@
           <a:lstStyle/>
           <a:p>
             <a:r>
-              <a:rPr lang="en-US" smtClean="0"/>
+              <a:rPr lang="en-US" dirty="0" smtClean="0"/>
               <a:t>Bag of words</a:t>
             </a:r>
-            <a:endParaRPr lang="ru-RU"/>
+            <a:endParaRPr lang="ru-RU" dirty="0"/>
           </a:p>
         </p:txBody>
       </p:sp>
@@ -5824,15 +5786,15 @@
               <a:buNone/>
             </a:pPr>
             <a:r>
-              <a:rPr lang="en-US" i="1" smtClean="0"/>
+              <a:rPr lang="en-US" i="1" dirty="0" smtClean="0"/>
               <a:t>n</a:t>
             </a:r>
             <a:r>
-              <a:rPr lang="en-US" smtClean="0"/>
+              <a:rPr lang="en-US" dirty="0" smtClean="0"/>
               <a:t>-</a:t>
             </a:r>
             <a:r>
-              <a:rPr lang="ru-RU" smtClean="0"/>
+              <a:rPr lang="ru-RU" dirty="0" smtClean="0"/>
               <a:t>граммы:</a:t>
             </a:r>
           </a:p>
@@ -5841,18 +5803,17 @@
               <a:buNone/>
             </a:pPr>
             <a:r>
-              <a:rPr lang="ru-RU" smtClean="0"/>
+              <a:rPr lang="ru-RU" dirty="0" smtClean="0"/>
               <a:t>При составлении словаря  и кодировке текста рассматриваем не отдельные слова, а последовательности слов длинной </a:t>
             </a:r>
             <a:r>
-              <a:rPr lang="en-US" i="1" smtClean="0"/>
+              <a:rPr lang="en-US" i="1" dirty="0" smtClean="0"/>
               <a:t>n</a:t>
             </a:r>
             <a:r>
-              <a:rPr lang="ru-RU" smtClean="0"/>
+              <a:rPr lang="ru-RU" dirty="0" smtClean="0"/>
               <a:t>.</a:t>
             </a:r>
-            <a:endParaRPr lang="ru-RU" smtClean="0"/>
           </a:p>
         </p:txBody>
       </p:sp>
@@ -5902,15 +5863,15 @@
           <a:lstStyle/>
           <a:p>
             <a:r>
-              <a:rPr lang="en-US" smtClean="0"/>
+              <a:rPr lang="en-US" dirty="0" smtClean="0"/>
               <a:t>Bag of words</a:t>
             </a:r>
-            <a:endParaRPr lang="ru-RU"/>
+            <a:endParaRPr lang="ru-RU" dirty="0"/>
           </a:p>
         </p:txBody>
       </p:sp>
-      <mc:AlternateContent xmlns:mc="http://schemas.openxmlformats.org/markup-compatibility/2006">
-        <mc:Choice xmlns:a14="http://schemas.microsoft.com/office/drawing/2010/main" Requires="a14">
+      <mc:AlternateContent xmlns:mc="http://schemas.openxmlformats.org/markup-compatibility/2006" xmlns:a14="http://schemas.microsoft.com/office/drawing/2010/main">
+        <mc:Choice Requires="a14">
           <p:sp>
             <p:nvSpPr>
               <p:cNvPr id="3" name="Объект 2"/>
@@ -5965,11 +5926,11 @@
                   </m:oMath>
                 </a14:m>
                 <a:r>
-                  <a:rPr lang="en-US" smtClean="0"/>
+                  <a:rPr lang="en-US" dirty="0" smtClean="0"/>
                   <a:t> </a:t>
                 </a:r>
                 <a:r>
-                  <a:rPr lang="ru-RU" smtClean="0"/>
+                  <a:rPr lang="ru-RU" dirty="0" smtClean="0"/>
                   <a:t>«Первый пример»</a:t>
                 </a:r>
               </a:p>
@@ -6013,14 +5974,14 @@
                   </m:oMath>
                 </a14:m>
                 <a:r>
-                  <a:rPr lang="en-US"/>
+                  <a:rPr lang="en-US" dirty="0"/>
                   <a:t> </a:t>
                 </a:r>
                 <a:r>
-                  <a:rPr lang="ru-RU" smtClean="0"/>
+                  <a:rPr lang="ru-RU" dirty="0" smtClean="0"/>
                   <a:t>«Ещё один пример»</a:t>
                 </a:r>
-                <a:endParaRPr lang="ru-RU"/>
+                <a:endParaRPr lang="ru-RU" dirty="0"/>
               </a:p>
               <a:p>
                 <a:pPr marL="0" indent="0">
@@ -6062,83 +6023,83 @@
                   </m:oMath>
                 </a14:m>
                 <a:r>
-                  <a:rPr lang="en-US"/>
+                  <a:rPr lang="en-US" dirty="0"/>
                   <a:t> </a:t>
                 </a:r>
                 <a:r>
-                  <a:rPr lang="ru-RU" smtClean="0"/>
+                  <a:rPr lang="ru-RU" dirty="0" smtClean="0"/>
                   <a:t>«Не первый и не второй пример»</a:t>
                 </a:r>
-                <a:endParaRPr lang="ru-RU"/>
+                <a:endParaRPr lang="ru-RU" dirty="0"/>
               </a:p>
               <a:p>
                 <a:pPr marL="0" indent="0">
                   <a:buNone/>
                 </a:pPr>
-                <a:endParaRPr lang="ru-RU" smtClean="0"/>
+                <a:endParaRPr lang="ru-RU" dirty="0" smtClean="0"/>
               </a:p>
               <a:p>
                 <a:pPr marL="0" indent="0">
                   <a:buNone/>
                 </a:pPr>
                 <a:r>
-                  <a:rPr lang="en-US" i="1" smtClean="0"/>
+                  <a:rPr lang="en-US" i="1" dirty="0" smtClean="0"/>
                   <a:t>n</a:t>
                 </a:r>
                 <a:r>
-                  <a:rPr lang="en-US" smtClean="0"/>
+                  <a:rPr lang="en-US" dirty="0" smtClean="0"/>
                   <a:t> = 2</a:t>
                 </a:r>
-                <a:endParaRPr lang="ru-RU" smtClean="0"/>
+                <a:endParaRPr lang="ru-RU" dirty="0" smtClean="0"/>
               </a:p>
               <a:p>
                 <a:pPr marL="0" indent="0">
                   <a:buNone/>
                 </a:pPr>
                 <a:r>
-                  <a:rPr lang="en-US" i="1" smtClean="0"/>
+                  <a:rPr lang="en-US" i="1" dirty="0" smtClean="0"/>
                   <a:t>W</a:t>
                 </a:r>
                 <a:r>
-                  <a:rPr lang="en-US" smtClean="0"/>
+                  <a:rPr lang="en-US" dirty="0" smtClean="0"/>
                   <a:t> = {</a:t>
                 </a:r>
                 <a:r>
-                  <a:rPr lang="ru-RU" smtClean="0"/>
+                  <a:rPr lang="ru-RU" dirty="0" smtClean="0"/>
                   <a:t>«первый</a:t>
                 </a:r>
                 <a:r>
-                  <a:rPr lang="en-US" smtClean="0"/>
+                  <a:rPr lang="en-US" dirty="0" smtClean="0"/>
                   <a:t> </a:t>
                 </a:r>
                 <a:r>
-                  <a:rPr lang="ru-RU" smtClean="0"/>
+                  <a:rPr lang="ru-RU" dirty="0" smtClean="0"/>
                   <a:t>пример», «ещё один», «один пример», «не первый», «первый и», «и не», «не второй», «второй пример»</a:t>
                 </a:r>
                 <a:r>
-                  <a:rPr lang="en-US" smtClean="0"/>
+                  <a:rPr lang="en-US" dirty="0" smtClean="0"/>
                   <a:t>}</a:t>
                 </a:r>
-                <a:endParaRPr lang="ru-RU" smtClean="0"/>
+                <a:endParaRPr lang="ru-RU" dirty="0" smtClean="0"/>
               </a:p>
               <a:p>
                 <a:pPr marL="0" indent="0">
                   <a:buNone/>
                 </a:pPr>
                 <a:r>
-                  <a:rPr lang="en-US" i="1" smtClean="0"/>
+                  <a:rPr lang="en-US" i="1" dirty="0" smtClean="0"/>
                   <a:t>N</a:t>
                 </a:r>
                 <a:r>
-                  <a:rPr lang="en-US" smtClean="0"/>
+                  <a:rPr lang="en-US" dirty="0" smtClean="0"/>
                   <a:t> = 8</a:t>
                 </a:r>
-                <a:endParaRPr lang="ru-RU" smtClean="0"/>
+                <a:endParaRPr lang="ru-RU" dirty="0" smtClean="0"/>
               </a:p>
             </p:txBody>
           </p:sp>
         </mc:Choice>
-        <mc:Fallback>
+        <mc:Fallback xmlns="">
           <p:sp>
             <p:nvSpPr>
               <p:cNvPr id="3" name="Объект 2"/>
@@ -6220,10 +6181,10 @@
           <a:lstStyle/>
           <a:p>
             <a:r>
-              <a:rPr lang="ru-RU" sz="3600" smtClean="0"/>
+              <a:rPr lang="ru-RU" sz="3600" dirty="0" smtClean="0"/>
               <a:t>Содержание</a:t>
             </a:r>
-            <a:endParaRPr lang="ru-RU" sz="3600"/>
+            <a:endParaRPr lang="ru-RU" sz="3600" dirty="0"/>
           </a:p>
         </p:txBody>
       </p:sp>
@@ -6271,7 +6232,7 @@
               </a:tabLst>
             </a:pPr>
             <a:r>
-              <a:rPr lang="ru-RU" altLang="ru-RU" smtClean="0"/>
+              <a:rPr lang="ru-RU" altLang="ru-RU" dirty="0" smtClean="0"/>
               <a:t>Основной подход</a:t>
             </a:r>
           </a:p>
@@ -6305,10 +6266,10 @@
               </a:tabLst>
             </a:pPr>
             <a:r>
-              <a:rPr lang="ru-RU" altLang="ru-RU" smtClean="0"/>
+              <a:rPr lang="ru-RU" altLang="ru-RU" dirty="0" smtClean="0"/>
               <a:t>Векторные представления слов</a:t>
             </a:r>
-            <a:endParaRPr lang="ru-RU" altLang="ru-RU"/>
+            <a:endParaRPr lang="ru-RU" altLang="ru-RU" dirty="0"/>
           </a:p>
           <a:p>
             <a:pPr marL="412750" indent="-307975">
@@ -6340,10 +6301,10 @@
               </a:tabLst>
             </a:pPr>
             <a:r>
-              <a:rPr lang="en-US"/>
+              <a:rPr lang="en-US" dirty="0"/>
               <a:t>Bag of words</a:t>
             </a:r>
-            <a:endParaRPr lang="ru-RU" altLang="ru-RU"/>
+            <a:endParaRPr lang="ru-RU" altLang="ru-RU" dirty="0"/>
           </a:p>
           <a:p>
             <a:pPr marL="412750" indent="-307975">
@@ -6375,10 +6336,10 @@
               </a:tabLst>
             </a:pPr>
             <a:r>
-              <a:rPr lang="en-US"/>
+              <a:rPr lang="en-US" dirty="0"/>
               <a:t>TF-IDF</a:t>
             </a:r>
-            <a:endParaRPr lang="ru-RU" altLang="ru-RU"/>
+            <a:endParaRPr lang="ru-RU" altLang="ru-RU" dirty="0"/>
           </a:p>
           <a:p>
             <a:pPr marL="412750" indent="-307975">
@@ -6410,10 +6371,10 @@
               </a:tabLst>
             </a:pPr>
             <a:r>
-              <a:rPr lang="en-US" smtClean="0"/>
+              <a:rPr lang="en-US" dirty="0" smtClean="0"/>
               <a:t>Word2vec</a:t>
             </a:r>
-            <a:endParaRPr lang="ru-RU" altLang="ru-RU"/>
+            <a:endParaRPr lang="ru-RU" altLang="ru-RU" dirty="0"/>
           </a:p>
         </p:txBody>
       </p:sp>
@@ -6470,10 +6431,10 @@
           <a:lstStyle/>
           <a:p>
             <a:r>
-              <a:rPr lang="en-US" smtClean="0"/>
+              <a:rPr lang="en-US" dirty="0" smtClean="0"/>
               <a:t>Bag of words</a:t>
             </a:r>
-            <a:endParaRPr lang="ru-RU"/>
+            <a:endParaRPr lang="ru-RU" dirty="0"/>
           </a:p>
         </p:txBody>
       </p:sp>
@@ -6496,384 +6457,378 @@
               <a:buNone/>
             </a:pPr>
             <a:r>
-              <a:rPr lang="ru-RU"/>
+              <a:rPr lang="ru-RU" dirty="0"/>
               <a:t>«первый</a:t>
             </a:r>
             <a:r>
-              <a:rPr lang="en-US"/>
+              <a:rPr lang="en-US" dirty="0"/>
               <a:t> </a:t>
             </a:r>
             <a:r>
-              <a:rPr lang="ru-RU"/>
+              <a:rPr lang="ru-RU" dirty="0"/>
               <a:t>пример</a:t>
             </a:r>
             <a:r>
-              <a:rPr lang="ru-RU" smtClean="0"/>
+              <a:rPr lang="ru-RU" dirty="0" smtClean="0"/>
               <a:t>»	</a:t>
             </a:r>
             <a:r>
-              <a:rPr lang="ru-RU" smtClean="0">
+              <a:rPr lang="ru-RU" dirty="0" smtClean="0">
                 <a:sym typeface="Symbol" panose="05050102010706020507" pitchFamily="18" charset="2"/>
               </a:rPr>
               <a:t></a:t>
             </a:r>
             <a:r>
-              <a:rPr lang="en-US" smtClean="0">
+              <a:rPr lang="en-US" dirty="0" smtClean="0">
                 <a:sym typeface="Symbol" panose="05050102010706020507" pitchFamily="18" charset="2"/>
               </a:rPr>
-              <a:t>	</a:t>
-            </a:r>
-            <a:r>
-              <a:rPr lang="en-US" smtClean="0">
-                <a:sym typeface="Symbol" panose="05050102010706020507" pitchFamily="18" charset="2"/>
-              </a:rPr>
-              <a:t>(1, 0, 0, 0, 0, 0, 0, 0)</a:t>
-            </a:r>
-            <a:endParaRPr lang="ru-RU" smtClean="0"/>
+              <a:t>	(1, 0, 0, 0, 0, 0, 0, 0)</a:t>
+            </a:r>
+            <a:endParaRPr lang="ru-RU" dirty="0" smtClean="0"/>
           </a:p>
           <a:p>
             <a:pPr marL="0" indent="0">
               <a:buNone/>
             </a:pPr>
             <a:r>
-              <a:rPr lang="ru-RU"/>
+              <a:rPr lang="ru-RU" dirty="0"/>
               <a:t>«ещё один»</a:t>
             </a:r>
             <a:r>
-              <a:rPr lang="en-US" smtClean="0"/>
+              <a:rPr lang="en-US" dirty="0" smtClean="0"/>
               <a:t>	</a:t>
             </a:r>
             <a:r>
-              <a:rPr lang="ru-RU" smtClean="0"/>
+              <a:rPr lang="ru-RU" dirty="0" smtClean="0"/>
               <a:t>		</a:t>
             </a:r>
             <a:r>
-              <a:rPr lang="ru-RU" smtClean="0">
+              <a:rPr lang="ru-RU" dirty="0" smtClean="0">
                 <a:sym typeface="Symbol" panose="05050102010706020507" pitchFamily="18" charset="2"/>
               </a:rPr>
               <a:t></a:t>
             </a:r>
             <a:r>
-              <a:rPr lang="en-US" smtClean="0">
+              <a:rPr lang="en-US" dirty="0" smtClean="0">
                 <a:sym typeface="Symbol" panose="05050102010706020507" pitchFamily="18" charset="2"/>
               </a:rPr>
               <a:t>	(</a:t>
             </a:r>
             <a:r>
-              <a:rPr lang="en-US">
+              <a:rPr lang="en-US" dirty="0">
                 <a:sym typeface="Symbol" panose="05050102010706020507" pitchFamily="18" charset="2"/>
               </a:rPr>
               <a:t>0, </a:t>
             </a:r>
             <a:r>
-              <a:rPr lang="en-US" smtClean="0">
+              <a:rPr lang="en-US" dirty="0" smtClean="0">
                 <a:sym typeface="Symbol" panose="05050102010706020507" pitchFamily="18" charset="2"/>
               </a:rPr>
               <a:t>1, </a:t>
             </a:r>
             <a:r>
-              <a:rPr lang="en-US">
+              <a:rPr lang="en-US" dirty="0">
                 <a:sym typeface="Symbol" panose="05050102010706020507" pitchFamily="18" charset="2"/>
               </a:rPr>
               <a:t>0, 0, 0, 0, </a:t>
             </a:r>
             <a:r>
-              <a:rPr lang="en-US" smtClean="0">
+              <a:rPr lang="en-US" dirty="0" smtClean="0">
                 <a:sym typeface="Symbol" panose="05050102010706020507" pitchFamily="18" charset="2"/>
               </a:rPr>
               <a:t>0, </a:t>
             </a:r>
             <a:r>
-              <a:rPr lang="en-US">
+              <a:rPr lang="en-US" dirty="0">
                 <a:sym typeface="Symbol" panose="05050102010706020507" pitchFamily="18" charset="2"/>
               </a:rPr>
               <a:t>0</a:t>
             </a:r>
             <a:r>
-              <a:rPr lang="en-US" smtClean="0">
+              <a:rPr lang="en-US" dirty="0" smtClean="0">
                 <a:sym typeface="Symbol" panose="05050102010706020507" pitchFamily="18" charset="2"/>
               </a:rPr>
               <a:t>)</a:t>
             </a:r>
-            <a:endParaRPr lang="ru-RU" smtClean="0"/>
+            <a:endParaRPr lang="ru-RU" dirty="0" smtClean="0"/>
           </a:p>
           <a:p>
             <a:pPr marL="0" indent="0">
               <a:buNone/>
             </a:pPr>
             <a:r>
-              <a:rPr lang="ru-RU"/>
+              <a:rPr lang="ru-RU" dirty="0"/>
               <a:t>«один пример»</a:t>
             </a:r>
             <a:r>
-              <a:rPr lang="en-US" smtClean="0"/>
+              <a:rPr lang="en-US" dirty="0" smtClean="0"/>
               <a:t>	</a:t>
             </a:r>
             <a:r>
-              <a:rPr lang="ru-RU" smtClean="0"/>
+              <a:rPr lang="ru-RU" dirty="0" smtClean="0"/>
               <a:t>	</a:t>
             </a:r>
             <a:r>
-              <a:rPr lang="ru-RU" smtClean="0">
+              <a:rPr lang="ru-RU" dirty="0" smtClean="0">
                 <a:sym typeface="Symbol" panose="05050102010706020507" pitchFamily="18" charset="2"/>
               </a:rPr>
               <a:t></a:t>
             </a:r>
             <a:r>
-              <a:rPr lang="en-US" smtClean="0">
+              <a:rPr lang="en-US" dirty="0" smtClean="0">
                 <a:sym typeface="Symbol" panose="05050102010706020507" pitchFamily="18" charset="2"/>
               </a:rPr>
               <a:t>	(</a:t>
             </a:r>
             <a:r>
-              <a:rPr lang="en-US">
+              <a:rPr lang="en-US" dirty="0">
                 <a:sym typeface="Symbol" panose="05050102010706020507" pitchFamily="18" charset="2"/>
               </a:rPr>
               <a:t>0, </a:t>
             </a:r>
             <a:r>
-              <a:rPr lang="en-US" smtClean="0">
+              <a:rPr lang="en-US" dirty="0" smtClean="0">
                 <a:sym typeface="Symbol" panose="05050102010706020507" pitchFamily="18" charset="2"/>
               </a:rPr>
               <a:t>0, 1, </a:t>
             </a:r>
             <a:r>
-              <a:rPr lang="en-US">
+              <a:rPr lang="en-US" dirty="0">
                 <a:sym typeface="Symbol" panose="05050102010706020507" pitchFamily="18" charset="2"/>
               </a:rPr>
               <a:t>0, 0, 0, </a:t>
             </a:r>
             <a:r>
-              <a:rPr lang="en-US" smtClean="0">
+              <a:rPr lang="en-US" dirty="0" smtClean="0">
                 <a:sym typeface="Symbol" panose="05050102010706020507" pitchFamily="18" charset="2"/>
               </a:rPr>
               <a:t>0, </a:t>
             </a:r>
             <a:r>
-              <a:rPr lang="en-US">
+              <a:rPr lang="en-US" dirty="0">
                 <a:sym typeface="Symbol" panose="05050102010706020507" pitchFamily="18" charset="2"/>
               </a:rPr>
               <a:t>0</a:t>
             </a:r>
             <a:r>
-              <a:rPr lang="en-US" smtClean="0">
+              <a:rPr lang="en-US" dirty="0" smtClean="0">
                 <a:sym typeface="Symbol" panose="05050102010706020507" pitchFamily="18" charset="2"/>
               </a:rPr>
               <a:t>)</a:t>
             </a:r>
-            <a:endParaRPr lang="ru-RU" smtClean="0"/>
+            <a:endParaRPr lang="ru-RU" dirty="0" smtClean="0"/>
           </a:p>
           <a:p>
             <a:pPr marL="0" indent="0">
               <a:buNone/>
             </a:pPr>
             <a:r>
-              <a:rPr lang="ru-RU"/>
+              <a:rPr lang="ru-RU" dirty="0"/>
               <a:t>«не первый</a:t>
             </a:r>
             <a:r>
-              <a:rPr lang="ru-RU" smtClean="0"/>
+              <a:rPr lang="ru-RU" dirty="0" smtClean="0"/>
               <a:t>»</a:t>
             </a:r>
             <a:r>
-              <a:rPr lang="en-US" smtClean="0"/>
+              <a:rPr lang="en-US" dirty="0" smtClean="0"/>
               <a:t>	</a:t>
             </a:r>
             <a:r>
-              <a:rPr lang="ru-RU" smtClean="0"/>
+              <a:rPr lang="ru-RU" dirty="0" smtClean="0"/>
               <a:t>	</a:t>
             </a:r>
             <a:r>
-              <a:rPr lang="ru-RU" smtClean="0">
+              <a:rPr lang="ru-RU" dirty="0" smtClean="0">
                 <a:sym typeface="Symbol" panose="05050102010706020507" pitchFamily="18" charset="2"/>
               </a:rPr>
               <a:t></a:t>
             </a:r>
             <a:r>
-              <a:rPr lang="en-US" smtClean="0">
+              <a:rPr lang="en-US" dirty="0" smtClean="0">
                 <a:sym typeface="Symbol" panose="05050102010706020507" pitchFamily="18" charset="2"/>
               </a:rPr>
               <a:t>	(</a:t>
             </a:r>
             <a:r>
-              <a:rPr lang="en-US">
+              <a:rPr lang="en-US" dirty="0">
                 <a:sym typeface="Symbol" panose="05050102010706020507" pitchFamily="18" charset="2"/>
               </a:rPr>
               <a:t>0, 0, 0, </a:t>
             </a:r>
             <a:r>
-              <a:rPr lang="en-US" smtClean="0">
+              <a:rPr lang="en-US" dirty="0" smtClean="0">
                 <a:sym typeface="Symbol" panose="05050102010706020507" pitchFamily="18" charset="2"/>
               </a:rPr>
               <a:t>1, </a:t>
             </a:r>
             <a:r>
-              <a:rPr lang="en-US">
+              <a:rPr lang="en-US" dirty="0">
                 <a:sym typeface="Symbol" panose="05050102010706020507" pitchFamily="18" charset="2"/>
               </a:rPr>
               <a:t>0, 0, </a:t>
             </a:r>
             <a:r>
-              <a:rPr lang="en-US" smtClean="0">
+              <a:rPr lang="en-US" dirty="0" smtClean="0">
                 <a:sym typeface="Symbol" panose="05050102010706020507" pitchFamily="18" charset="2"/>
               </a:rPr>
               <a:t>0, 0)</a:t>
             </a:r>
-            <a:endParaRPr lang="ru-RU" smtClean="0"/>
+            <a:endParaRPr lang="ru-RU" dirty="0" smtClean="0"/>
           </a:p>
           <a:p>
             <a:pPr marL="0" indent="0">
               <a:buNone/>
             </a:pPr>
             <a:r>
-              <a:rPr lang="ru-RU"/>
+              <a:rPr lang="ru-RU" dirty="0"/>
               <a:t>«первый и</a:t>
             </a:r>
             <a:r>
-              <a:rPr lang="ru-RU" smtClean="0"/>
+              <a:rPr lang="ru-RU" dirty="0" smtClean="0"/>
               <a:t>»</a:t>
             </a:r>
             <a:r>
-              <a:rPr lang="en-US" smtClean="0"/>
+              <a:rPr lang="en-US" dirty="0" smtClean="0"/>
               <a:t>		</a:t>
             </a:r>
             <a:r>
-              <a:rPr lang="ru-RU" smtClean="0"/>
+              <a:rPr lang="ru-RU" dirty="0" smtClean="0"/>
               <a:t>	</a:t>
             </a:r>
             <a:r>
-              <a:rPr lang="ru-RU" smtClean="0">
+              <a:rPr lang="ru-RU" dirty="0" smtClean="0">
                 <a:sym typeface="Symbol" panose="05050102010706020507" pitchFamily="18" charset="2"/>
               </a:rPr>
               <a:t></a:t>
             </a:r>
             <a:r>
-              <a:rPr lang="en-US" smtClean="0">
+              <a:rPr lang="en-US" dirty="0" smtClean="0">
                 <a:sym typeface="Symbol" panose="05050102010706020507" pitchFamily="18" charset="2"/>
               </a:rPr>
               <a:t>	(0</a:t>
             </a:r>
             <a:r>
-              <a:rPr lang="en-US">
+              <a:rPr lang="en-US" dirty="0">
                 <a:sym typeface="Symbol" panose="05050102010706020507" pitchFamily="18" charset="2"/>
               </a:rPr>
               <a:t>, 0, 0, 0, </a:t>
             </a:r>
             <a:r>
-              <a:rPr lang="en-US" smtClean="0">
+              <a:rPr lang="en-US" dirty="0" smtClean="0">
                 <a:sym typeface="Symbol" panose="05050102010706020507" pitchFamily="18" charset="2"/>
               </a:rPr>
               <a:t>1, </a:t>
             </a:r>
             <a:r>
-              <a:rPr lang="en-US">
+              <a:rPr lang="en-US" dirty="0">
                 <a:sym typeface="Symbol" panose="05050102010706020507" pitchFamily="18" charset="2"/>
               </a:rPr>
               <a:t>0, </a:t>
             </a:r>
             <a:r>
-              <a:rPr lang="en-US" smtClean="0">
+              <a:rPr lang="en-US" dirty="0" smtClean="0">
                 <a:sym typeface="Symbol" panose="05050102010706020507" pitchFamily="18" charset="2"/>
               </a:rPr>
               <a:t>0, 0)</a:t>
             </a:r>
-            <a:endParaRPr lang="ru-RU" smtClean="0"/>
+            <a:endParaRPr lang="ru-RU" dirty="0" smtClean="0"/>
           </a:p>
           <a:p>
             <a:pPr marL="0" indent="0">
               <a:buNone/>
             </a:pPr>
             <a:r>
-              <a:rPr lang="ru-RU"/>
+              <a:rPr lang="ru-RU" dirty="0"/>
               <a:t>«и не</a:t>
             </a:r>
             <a:r>
-              <a:rPr lang="ru-RU" smtClean="0"/>
+              <a:rPr lang="ru-RU" dirty="0" smtClean="0"/>
               <a:t>»</a:t>
             </a:r>
             <a:r>
-              <a:rPr lang="en-US" smtClean="0"/>
+              <a:rPr lang="en-US" dirty="0" smtClean="0"/>
               <a:t>	</a:t>
             </a:r>
             <a:r>
-              <a:rPr lang="ru-RU" smtClean="0"/>
+              <a:rPr lang="ru-RU" dirty="0" smtClean="0"/>
               <a:t>	</a:t>
             </a:r>
             <a:r>
-              <a:rPr lang="en-US" smtClean="0"/>
+              <a:rPr lang="en-US" dirty="0" smtClean="0"/>
               <a:t>	</a:t>
             </a:r>
             <a:r>
-              <a:rPr lang="ru-RU" smtClean="0">
+              <a:rPr lang="ru-RU" dirty="0" smtClean="0">
                 <a:sym typeface="Symbol" panose="05050102010706020507" pitchFamily="18" charset="2"/>
               </a:rPr>
               <a:t></a:t>
             </a:r>
             <a:r>
-              <a:rPr lang="en-US" smtClean="0">
+              <a:rPr lang="en-US" dirty="0" smtClean="0">
                 <a:sym typeface="Symbol" panose="05050102010706020507" pitchFamily="18" charset="2"/>
               </a:rPr>
               <a:t>	(</a:t>
             </a:r>
             <a:r>
-              <a:rPr lang="en-US">
+              <a:rPr lang="en-US" dirty="0">
                 <a:sym typeface="Symbol" panose="05050102010706020507" pitchFamily="18" charset="2"/>
               </a:rPr>
               <a:t>0, 0, 0, 0, 0, </a:t>
             </a:r>
             <a:r>
-              <a:rPr lang="en-US" smtClean="0">
+              <a:rPr lang="en-US" dirty="0" smtClean="0">
                 <a:sym typeface="Symbol" panose="05050102010706020507" pitchFamily="18" charset="2"/>
               </a:rPr>
               <a:t>1, 0, 0)</a:t>
             </a:r>
-            <a:endParaRPr lang="ru-RU" smtClean="0"/>
+            <a:endParaRPr lang="ru-RU" dirty="0" smtClean="0"/>
           </a:p>
           <a:p>
             <a:pPr marL="0" indent="0">
               <a:buNone/>
             </a:pPr>
             <a:r>
-              <a:rPr lang="ru-RU"/>
+              <a:rPr lang="ru-RU" dirty="0"/>
               <a:t>«не второй</a:t>
             </a:r>
             <a:r>
-              <a:rPr lang="ru-RU" smtClean="0"/>
+              <a:rPr lang="ru-RU" dirty="0" smtClean="0"/>
               <a:t>»</a:t>
             </a:r>
             <a:r>
-              <a:rPr lang="en-US" smtClean="0"/>
+              <a:rPr lang="en-US" dirty="0" smtClean="0"/>
               <a:t>	</a:t>
             </a:r>
             <a:r>
-              <a:rPr lang="ru-RU" smtClean="0"/>
+              <a:rPr lang="ru-RU" dirty="0" smtClean="0"/>
               <a:t>	</a:t>
             </a:r>
             <a:r>
-              <a:rPr lang="ru-RU" smtClean="0">
+              <a:rPr lang="ru-RU" dirty="0" smtClean="0">
                 <a:sym typeface="Symbol" panose="05050102010706020507" pitchFamily="18" charset="2"/>
               </a:rPr>
               <a:t></a:t>
             </a:r>
             <a:r>
-              <a:rPr lang="en-US" smtClean="0">
+              <a:rPr lang="en-US" dirty="0" smtClean="0">
                 <a:sym typeface="Symbol" panose="05050102010706020507" pitchFamily="18" charset="2"/>
               </a:rPr>
               <a:t>	(</a:t>
             </a:r>
             <a:r>
-              <a:rPr lang="en-US">
+              <a:rPr lang="en-US" dirty="0">
                 <a:sym typeface="Symbol" panose="05050102010706020507" pitchFamily="18" charset="2"/>
               </a:rPr>
               <a:t>0, 0, 0, 0, 0, 0, </a:t>
             </a:r>
             <a:r>
-              <a:rPr lang="en-US" smtClean="0">
+              <a:rPr lang="en-US" dirty="0" smtClean="0">
                 <a:sym typeface="Symbol" panose="05050102010706020507" pitchFamily="18" charset="2"/>
               </a:rPr>
               <a:t>1, 0)</a:t>
             </a:r>
-            <a:endParaRPr lang="ru-RU" smtClean="0">
+            <a:endParaRPr lang="ru-RU" dirty="0" smtClean="0">
               <a:sym typeface="Symbol" panose="05050102010706020507" pitchFamily="18" charset="2"/>
             </a:endParaRPr>
           </a:p>
@@ -6882,56 +6837,56 @@
               <a:buNone/>
             </a:pPr>
             <a:r>
-              <a:rPr lang="ru-RU" smtClean="0"/>
+              <a:rPr lang="ru-RU" dirty="0" smtClean="0"/>
               <a:t>«</a:t>
             </a:r>
             <a:r>
-              <a:rPr lang="ru-RU"/>
+              <a:rPr lang="ru-RU" dirty="0"/>
               <a:t>второй пример</a:t>
             </a:r>
             <a:r>
-              <a:rPr lang="ru-RU" smtClean="0"/>
+              <a:rPr lang="ru-RU" dirty="0" smtClean="0"/>
               <a:t>»</a:t>
             </a:r>
             <a:r>
-              <a:rPr lang="en-US"/>
+              <a:rPr lang="en-US" dirty="0"/>
               <a:t>	</a:t>
             </a:r>
             <a:r>
-              <a:rPr lang="ru-RU" smtClean="0"/>
+              <a:rPr lang="ru-RU" dirty="0" smtClean="0"/>
               <a:t>	</a:t>
             </a:r>
             <a:r>
-              <a:rPr lang="ru-RU" smtClean="0">
+              <a:rPr lang="ru-RU" dirty="0" smtClean="0">
                 <a:sym typeface="Symbol" panose="05050102010706020507" pitchFamily="18" charset="2"/>
               </a:rPr>
               <a:t></a:t>
             </a:r>
             <a:r>
-              <a:rPr lang="en-US">
+              <a:rPr lang="en-US" dirty="0">
                 <a:sym typeface="Symbol" panose="05050102010706020507" pitchFamily="18" charset="2"/>
               </a:rPr>
               <a:t>	(0, 0, 0, 0, 0, 0</a:t>
             </a:r>
             <a:r>
-              <a:rPr lang="en-US" smtClean="0">
+              <a:rPr lang="en-US" dirty="0" smtClean="0">
                 <a:sym typeface="Symbol" panose="05050102010706020507" pitchFamily="18" charset="2"/>
               </a:rPr>
               <a:t>, 0, </a:t>
             </a:r>
             <a:r>
-              <a:rPr lang="en-US">
+              <a:rPr lang="en-US" dirty="0">
                 <a:sym typeface="Symbol" panose="05050102010706020507" pitchFamily="18" charset="2"/>
               </a:rPr>
               <a:t>1</a:t>
             </a:r>
             <a:r>
-              <a:rPr lang="en-US" smtClean="0">
+              <a:rPr lang="en-US" dirty="0" smtClean="0">
                 <a:sym typeface="Symbol" panose="05050102010706020507" pitchFamily="18" charset="2"/>
               </a:rPr>
               <a:t>)</a:t>
             </a:r>
-            <a:endParaRPr lang="ru-RU"/>
+            <a:endParaRPr lang="ru-RU" dirty="0"/>
           </a:p>
         </p:txBody>
       </p:sp>
@@ -6981,10 +6936,10 @@
           <a:lstStyle/>
           <a:p>
             <a:r>
-              <a:rPr lang="en-US" smtClean="0"/>
+              <a:rPr lang="en-US" dirty="0" smtClean="0"/>
               <a:t>Bag of words</a:t>
             </a:r>
-            <a:endParaRPr lang="ru-RU"/>
+            <a:endParaRPr lang="ru-RU" dirty="0"/>
           </a:p>
         </p:txBody>
       </p:sp>
@@ -7007,36 +6962,26 @@
               <a:buNone/>
             </a:pPr>
             <a:r>
-              <a:rPr lang="ru-RU" smtClean="0"/>
+              <a:rPr lang="ru-RU" dirty="0" smtClean="0"/>
               <a:t>Шумовые слова (</a:t>
             </a:r>
             <a:r>
-              <a:rPr lang="en-US" smtClean="0"/>
+              <a:rPr lang="en-US" dirty="0" smtClean="0"/>
               <a:t>stop words)</a:t>
             </a:r>
             <a:r>
-              <a:rPr lang="ru-RU" smtClean="0"/>
+              <a:rPr lang="ru-RU" dirty="0" smtClean="0"/>
               <a:t>:</a:t>
             </a:r>
-            <a:endParaRPr lang="ru-RU" smtClean="0"/>
           </a:p>
           <a:p>
             <a:pPr marL="0" indent="0">
               <a:buNone/>
             </a:pPr>
             <a:r>
-              <a:rPr lang="ru-RU" smtClean="0"/>
-              <a:t>Выделяем список слов, которые выполняют только служебную роль в тексте и не влияют на смысл, при </a:t>
-            </a:r>
-            <a:r>
-              <a:rPr lang="ru-RU" smtClean="0"/>
-              <a:t>составлении словаря  и кодировке текста </a:t>
-            </a:r>
-            <a:r>
-              <a:rPr lang="ru-RU" smtClean="0"/>
-              <a:t>не рассматриваем такие слова.</a:t>
-            </a:r>
-            <a:endParaRPr lang="ru-RU" smtClean="0"/>
+              <a:rPr lang="ru-RU" dirty="0" smtClean="0"/>
+              <a:t>Выделяем список слов, которые выполняют только служебную роль в тексте и не влияют на смысл, при составлении словаря  и кодировке текста не рассматриваем такие слова.</a:t>
+            </a:r>
           </a:p>
         </p:txBody>
       </p:sp>
@@ -7086,15 +7031,15 @@
           <a:lstStyle/>
           <a:p>
             <a:r>
-              <a:rPr lang="en-US" smtClean="0"/>
+              <a:rPr lang="en-US" dirty="0" smtClean="0"/>
               <a:t>Bag of words</a:t>
             </a:r>
-            <a:endParaRPr lang="ru-RU"/>
+            <a:endParaRPr lang="ru-RU" dirty="0"/>
           </a:p>
         </p:txBody>
       </p:sp>
-      <mc:AlternateContent xmlns:mc="http://schemas.openxmlformats.org/markup-compatibility/2006">
-        <mc:Choice xmlns:a14="http://schemas.microsoft.com/office/drawing/2010/main" Requires="a14">
+      <mc:AlternateContent xmlns:mc="http://schemas.openxmlformats.org/markup-compatibility/2006" xmlns:a14="http://schemas.microsoft.com/office/drawing/2010/main">
+        <mc:Choice Requires="a14">
           <p:sp>
             <p:nvSpPr>
               <p:cNvPr id="3" name="Объект 2"/>
@@ -7149,11 +7094,11 @@
                   </m:oMath>
                 </a14:m>
                 <a:r>
-                  <a:rPr lang="en-US" smtClean="0"/>
+                  <a:rPr lang="en-US" dirty="0" smtClean="0"/>
                   <a:t> </a:t>
                 </a:r>
                 <a:r>
-                  <a:rPr lang="ru-RU" smtClean="0"/>
+                  <a:rPr lang="ru-RU" dirty="0" smtClean="0"/>
                   <a:t>«Первый пример»</a:t>
                 </a:r>
               </a:p>
@@ -7197,14 +7142,14 @@
                   </m:oMath>
                 </a14:m>
                 <a:r>
-                  <a:rPr lang="en-US"/>
+                  <a:rPr lang="en-US" dirty="0"/>
                   <a:t> </a:t>
                 </a:r>
                 <a:r>
-                  <a:rPr lang="ru-RU" smtClean="0"/>
+                  <a:rPr lang="ru-RU" dirty="0" smtClean="0"/>
                   <a:t>«Ещё один пример»</a:t>
                 </a:r>
-                <a:endParaRPr lang="ru-RU"/>
+                <a:endParaRPr lang="ru-RU" dirty="0"/>
               </a:p>
               <a:p>
                 <a:pPr marL="0" indent="0">
@@ -7246,89 +7191,84 @@
                   </m:oMath>
                 </a14:m>
                 <a:r>
-                  <a:rPr lang="en-US"/>
+                  <a:rPr lang="en-US" dirty="0"/>
                   <a:t> </a:t>
                 </a:r>
                 <a:r>
-                  <a:rPr lang="ru-RU" smtClean="0"/>
+                  <a:rPr lang="ru-RU" dirty="0" smtClean="0"/>
                   <a:t>«Не первый и не второй пример»</a:t>
                 </a:r>
-                <a:endParaRPr lang="ru-RU"/>
+                <a:endParaRPr lang="ru-RU" dirty="0"/>
               </a:p>
               <a:p>
                 <a:pPr marL="0" indent="0">
                   <a:buNone/>
                 </a:pPr>
-                <a:endParaRPr lang="en-US" smtClean="0"/>
+                <a:endParaRPr lang="en-US" dirty="0" smtClean="0"/>
               </a:p>
               <a:p>
                 <a:pPr marL="0" indent="0">
                   <a:buNone/>
                 </a:pPr>
                 <a:r>
-                  <a:rPr lang="en-US" err="1" smtClean="0"/>
-                  <a:t>stopwords</a:t>
-                </a:r>
-                <a:r>
-                  <a:rPr lang="en-US" smtClean="0"/>
-                  <a:t> = {</a:t>
-                </a:r>
-                <a:r>
-                  <a:rPr lang="ru-RU" smtClean="0"/>
+                  <a:rPr lang="en-US" dirty="0" smtClean="0"/>
+                  <a:t>stopwords = {</a:t>
+                </a:r>
+                <a:r>
+                  <a:rPr lang="ru-RU" dirty="0" smtClean="0"/>
                   <a:t>«не», «и»</a:t>
                 </a:r>
                 <a:r>
-                  <a:rPr lang="en-US" smtClean="0"/>
+                  <a:rPr lang="en-US" dirty="0" smtClean="0"/>
                   <a:t>}</a:t>
                 </a:r>
-                <a:endParaRPr lang="en-US"/>
+                <a:endParaRPr lang="en-US" dirty="0"/>
               </a:p>
               <a:p>
                 <a:pPr marL="0" indent="0">
                   <a:buNone/>
                 </a:pPr>
-                <a:endParaRPr lang="ru-RU" smtClean="0"/>
+                <a:endParaRPr lang="ru-RU" dirty="0" smtClean="0"/>
               </a:p>
               <a:p>
                 <a:pPr marL="0" indent="0">
                   <a:buNone/>
                 </a:pPr>
                 <a:r>
-                  <a:rPr lang="en-US" i="1" smtClean="0"/>
+                  <a:rPr lang="en-US" i="1" dirty="0" smtClean="0"/>
                   <a:t>W</a:t>
                 </a:r>
                 <a:r>
-                  <a:rPr lang="en-US" smtClean="0"/>
+                  <a:rPr lang="en-US" dirty="0" smtClean="0"/>
                   <a:t> = {</a:t>
                 </a:r>
                 <a:r>
-                  <a:rPr lang="ru-RU" smtClean="0"/>
+                  <a:rPr lang="ru-RU" dirty="0" smtClean="0"/>
                   <a:t>«первый», «пример», «ещё», «один», «второй»</a:t>
                 </a:r>
                 <a:r>
-                  <a:rPr lang="en-US" smtClean="0"/>
+                  <a:rPr lang="en-US" dirty="0" smtClean="0"/>
                   <a:t>}</a:t>
                 </a:r>
-                <a:endParaRPr lang="ru-RU" smtClean="0"/>
+                <a:endParaRPr lang="ru-RU" dirty="0" smtClean="0"/>
               </a:p>
               <a:p>
                 <a:pPr marL="0" indent="0">
                   <a:buNone/>
                 </a:pPr>
                 <a:r>
-                  <a:rPr lang="en-US" i="1" smtClean="0"/>
+                  <a:rPr lang="en-US" i="1" dirty="0" smtClean="0"/>
                   <a:t>N</a:t>
                 </a:r>
                 <a:r>
-                  <a:rPr lang="ru-RU" smtClean="0"/>
+                  <a:rPr lang="ru-RU" dirty="0" smtClean="0"/>
                   <a:t> = 5</a:t>
                 </a:r>
-                <a:endParaRPr lang="ru-RU" smtClean="0"/>
               </a:p>
             </p:txBody>
           </p:sp>
         </mc:Choice>
-        <mc:Fallback>
+        <mc:Fallback xmlns="">
           <p:sp>
             <p:nvSpPr>
               <p:cNvPr id="3" name="Объект 2"/>
@@ -7408,15 +7348,15 @@
           <a:lstStyle/>
           <a:p>
             <a:r>
-              <a:rPr lang="en-US" smtClean="0"/>
+              <a:rPr lang="en-US" dirty="0" smtClean="0"/>
               <a:t>Bag of words</a:t>
             </a:r>
-            <a:endParaRPr lang="ru-RU"/>
+            <a:endParaRPr lang="ru-RU" dirty="0"/>
           </a:p>
         </p:txBody>
       </p:sp>
-      <mc:AlternateContent xmlns:mc="http://schemas.openxmlformats.org/markup-compatibility/2006">
-        <mc:Choice xmlns:a14="http://schemas.microsoft.com/office/drawing/2010/main" Requires="a14">
+      <mc:AlternateContent xmlns:mc="http://schemas.openxmlformats.org/markup-compatibility/2006" xmlns:a14="http://schemas.microsoft.com/office/drawing/2010/main">
+        <mc:Choice Requires="a14">
           <p:sp>
             <p:nvSpPr>
               <p:cNvPr id="3" name="Объект 2"/>
@@ -7473,11 +7413,11 @@
                   </m:oMath>
                 </a14:m>
                 <a:r>
-                  <a:rPr lang="en-US" smtClean="0"/>
+                  <a:rPr lang="en-US" dirty="0" smtClean="0"/>
                   <a:t> </a:t>
                 </a:r>
                 <a:r>
-                  <a:rPr lang="ru-RU" smtClean="0"/>
+                  <a:rPr lang="ru-RU" dirty="0" smtClean="0"/>
                   <a:t>«Первый пример»</a:t>
                 </a:r>
               </a:p>
@@ -7521,14 +7461,14 @@
                   </m:oMath>
                 </a14:m>
                 <a:r>
-                  <a:rPr lang="en-US"/>
+                  <a:rPr lang="en-US" dirty="0"/>
                   <a:t> </a:t>
                 </a:r>
                 <a:r>
-                  <a:rPr lang="ru-RU" smtClean="0"/>
+                  <a:rPr lang="ru-RU" dirty="0" smtClean="0"/>
                   <a:t>«Ещё один пример»</a:t>
                 </a:r>
-                <a:endParaRPr lang="ru-RU"/>
+                <a:endParaRPr lang="ru-RU" dirty="0"/>
               </a:p>
               <a:p>
                 <a:pPr marL="0" indent="0">
@@ -7570,39 +7510,35 @@
                   </m:oMath>
                 </a14:m>
                 <a:r>
-                  <a:rPr lang="en-US"/>
+                  <a:rPr lang="en-US" dirty="0"/>
                   <a:t> </a:t>
                 </a:r>
                 <a:r>
-                  <a:rPr lang="ru-RU" smtClean="0"/>
+                  <a:rPr lang="ru-RU" dirty="0" smtClean="0"/>
                   <a:t>«Не первый и не второй пример»</a:t>
                 </a:r>
-                <a:endParaRPr lang="ru-RU"/>
+                <a:endParaRPr lang="ru-RU" dirty="0"/>
               </a:p>
               <a:p>
                 <a:pPr marL="0" indent="0">
                   <a:buNone/>
                 </a:pPr>
-                <a:endParaRPr lang="ru-RU" smtClean="0"/>
+                <a:endParaRPr lang="ru-RU" dirty="0" smtClean="0"/>
               </a:p>
               <a:p>
                 <a:pPr marL="0" indent="0">
                   <a:buNone/>
                 </a:pPr>
                 <a:r>
-                  <a:rPr lang="en-US" err="1"/>
-                  <a:t>stopwords</a:t>
-                </a:r>
-                <a:r>
-                  <a:rPr lang="en-US"/>
-                  <a:t> = {</a:t>
-                </a:r>
-                <a:r>
-                  <a:rPr lang="ru-RU"/>
+                  <a:rPr lang="en-US" dirty="0"/>
+                  <a:t>stopwords = {</a:t>
+                </a:r>
+                <a:r>
+                  <a:rPr lang="ru-RU" dirty="0"/>
                   <a:t>«не», «и»</a:t>
                 </a:r>
                 <a:r>
-                  <a:rPr lang="en-US"/>
+                  <a:rPr lang="en-US" dirty="0"/>
                   <a:t>}</a:t>
                 </a:r>
               </a:p>
@@ -7611,67 +7547,66 @@
                   <a:buNone/>
                 </a:pPr>
                 <a:r>
-                  <a:rPr lang="en-US" i="1" smtClean="0"/>
+                  <a:rPr lang="en-US" i="1" dirty="0" smtClean="0"/>
                   <a:t>n</a:t>
                 </a:r>
                 <a:r>
-                  <a:rPr lang="en-US" smtClean="0"/>
+                  <a:rPr lang="en-US" dirty="0" smtClean="0"/>
                   <a:t> = 2</a:t>
                 </a:r>
-                <a:endParaRPr lang="ru-RU" smtClean="0"/>
+                <a:endParaRPr lang="ru-RU" dirty="0" smtClean="0"/>
               </a:p>
               <a:p>
                 <a:pPr marL="0" indent="0">
                   <a:buNone/>
                 </a:pPr>
                 <a:r>
-                  <a:rPr lang="en-US" i="1" smtClean="0"/>
+                  <a:rPr lang="en-US" i="1" dirty="0" smtClean="0"/>
                   <a:t>W</a:t>
                 </a:r>
                 <a:r>
-                  <a:rPr lang="en-US" smtClean="0"/>
+                  <a:rPr lang="en-US" dirty="0" smtClean="0"/>
                   <a:t> = {</a:t>
                 </a:r>
                 <a:r>
-                  <a:rPr lang="ru-RU" smtClean="0"/>
+                  <a:rPr lang="ru-RU" dirty="0" smtClean="0"/>
                   <a:t>«первый</a:t>
                 </a:r>
                 <a:r>
-                  <a:rPr lang="en-US" smtClean="0"/>
+                  <a:rPr lang="en-US" dirty="0" smtClean="0"/>
                   <a:t> </a:t>
                 </a:r>
                 <a:r>
-                  <a:rPr lang="ru-RU" smtClean="0"/>
+                  <a:rPr lang="ru-RU" dirty="0" smtClean="0"/>
                   <a:t>пример», «ещё один», «один пример», «первый второй», «второй пример»</a:t>
                 </a:r>
                 <a:r>
-                  <a:rPr lang="en-US" smtClean="0"/>
+                  <a:rPr lang="en-US" dirty="0" smtClean="0"/>
                   <a:t>}</a:t>
                 </a:r>
-                <a:endParaRPr lang="ru-RU" smtClean="0"/>
+                <a:endParaRPr lang="ru-RU" dirty="0" smtClean="0"/>
               </a:p>
               <a:p>
                 <a:pPr marL="0" indent="0">
                   <a:buNone/>
                 </a:pPr>
                 <a:r>
-                  <a:rPr lang="en-US" i="1" smtClean="0"/>
+                  <a:rPr lang="en-US" i="1" dirty="0" smtClean="0"/>
                   <a:t>N</a:t>
                 </a:r>
                 <a:r>
-                  <a:rPr lang="en-US" smtClean="0"/>
+                  <a:rPr lang="en-US" dirty="0" smtClean="0"/>
                   <a:t> = </a:t>
                 </a:r>
                 <a:r>
-                  <a:rPr lang="ru-RU" smtClean="0"/>
+                  <a:rPr lang="ru-RU" dirty="0" smtClean="0"/>
                   <a:t>5</a:t>
                 </a:r>
-                <a:endParaRPr lang="ru-RU" smtClean="0"/>
               </a:p>
             </p:txBody>
           </p:sp>
         </mc:Choice>
-        <mc:Fallback>
+        <mc:Fallback xmlns="">
           <p:sp>
             <p:nvSpPr>
               <p:cNvPr id="3" name="Объект 2"/>
@@ -7751,10 +7686,10 @@
           <a:lstStyle/>
           <a:p>
             <a:r>
-              <a:rPr lang="en-US" smtClean="0"/>
+              <a:rPr lang="en-US" dirty="0" smtClean="0"/>
               <a:t>TF-IDF</a:t>
             </a:r>
-            <a:endParaRPr lang="ru-RU"/>
+            <a:endParaRPr lang="ru-RU" dirty="0"/>
           </a:p>
         </p:txBody>
       </p:sp>
@@ -7780,13 +7715,8 @@
             </a:pPr>
             <a:r>
               <a:rPr lang="ru-RU" dirty="0" smtClean="0"/>
-              <a:t>Понижение влияния слова, которое часто встречается в наборе </a:t>
-            </a:r>
-            <a:r>
-              <a:rPr lang="ru-RU" dirty="0" smtClean="0"/>
-              <a:t>текстов.</a:t>
-            </a:r>
-            <a:endParaRPr lang="ru-RU" dirty="0" smtClean="0"/>
+              <a:t>Понижение влияния слова, которое часто встречается в наборе текстов.</a:t>
+            </a:r>
           </a:p>
           <a:p>
             <a:pPr marL="0" indent="0">
@@ -7960,15 +7890,15 @@
           <a:lstStyle/>
           <a:p>
             <a:r>
-              <a:rPr lang="en-US" dirty="0" err="1" smtClean="0"/>
+              <a:rPr lang="en-US" dirty="0" smtClean="0"/>
               <a:t>TF-IDF</a:t>
             </a:r>
             <a:endParaRPr lang="ru-RU" dirty="0"/>
           </a:p>
         </p:txBody>
       </p:sp>
-      <mc:AlternateContent xmlns:mc="http://schemas.openxmlformats.org/markup-compatibility/2006">
-        <mc:Choice xmlns:a14="http://schemas.microsoft.com/office/drawing/2010/main" Requires="a14">
+      <mc:AlternateContent xmlns:mc="http://schemas.openxmlformats.org/markup-compatibility/2006" xmlns:a14="http://schemas.microsoft.com/office/drawing/2010/main">
+        <mc:Choice Requires="a14">
           <p:sp>
             <p:nvSpPr>
               <p:cNvPr id="3" name="Объект 2"/>
@@ -8389,7 +8319,7 @@
             </p:txBody>
           </p:sp>
         </mc:Choice>
-        <mc:Fallback>
+        <mc:Fallback xmlns="">
           <p:sp>
             <p:nvSpPr>
               <p:cNvPr id="3" name="Объект 2"/>
@@ -8469,15 +8399,15 @@
           <a:lstStyle/>
           <a:p>
             <a:r>
-              <a:rPr lang="en-US" dirty="0" err="1"/>
+              <a:rPr lang="en-US" dirty="0"/>
               <a:t>TF-IDF</a:t>
             </a:r>
             <a:endParaRPr lang="ru-RU" dirty="0"/>
           </a:p>
         </p:txBody>
       </p:sp>
-      <mc:AlternateContent xmlns:mc="http://schemas.openxmlformats.org/markup-compatibility/2006">
-        <mc:Choice xmlns:a14="http://schemas.microsoft.com/office/drawing/2010/main" Requires="a14">
+      <mc:AlternateContent xmlns:mc="http://schemas.openxmlformats.org/markup-compatibility/2006" xmlns:a14="http://schemas.microsoft.com/office/drawing/2010/main">
+        <mc:Choice Requires="a14">
           <p:sp>
             <p:nvSpPr>
               <p:cNvPr id="3" name="Объект 2"/>
@@ -8732,12 +8662,11 @@
                   <a:rPr lang="ru-RU" dirty="0" smtClean="0"/>
                   <a:t> = 7</a:t>
                 </a:r>
-                <a:endParaRPr lang="ru-RU" dirty="0" smtClean="0"/>
               </a:p>
             </p:txBody>
           </p:sp>
         </mc:Choice>
-        <mc:Fallback>
+        <mc:Fallback xmlns="">
           <p:sp>
             <p:nvSpPr>
               <p:cNvPr id="3" name="Объект 2"/>
@@ -8817,15 +8746,15 @@
           <a:lstStyle/>
           <a:p>
             <a:r>
-              <a:rPr lang="en-US" dirty="0" err="1"/>
+              <a:rPr lang="en-US" dirty="0"/>
               <a:t>TF-IDF</a:t>
             </a:r>
             <a:endParaRPr lang="ru-RU" dirty="0"/>
           </a:p>
         </p:txBody>
       </p:sp>
-      <mc:AlternateContent xmlns:mc="http://schemas.openxmlformats.org/markup-compatibility/2006">
-        <mc:Choice xmlns:a14="http://schemas.microsoft.com/office/drawing/2010/main" Requires="a14">
+      <mc:AlternateContent xmlns:mc="http://schemas.openxmlformats.org/markup-compatibility/2006" xmlns:a14="http://schemas.microsoft.com/office/drawing/2010/main">
+        <mc:Choice Requires="a14">
           <p:sp>
             <p:nvSpPr>
               <p:cNvPr id="3" name="Объект 2"/>
@@ -9226,11 +9155,7 @@
                 </a14:m>
                 <a:r>
                   <a:rPr lang="en-US" dirty="0"/>
-                  <a:t>		</a:t>
-                </a:r>
-                <a:r>
-                  <a:rPr lang="en-US" dirty="0"/>
-                  <a:t> </a:t>
+                  <a:t>		 </a:t>
                 </a:r>
                 <a14:m>
                   <m:oMath xmlns:m="http://schemas.openxmlformats.org/officeDocument/2006/math">
@@ -9343,11 +9268,7 @@
                 </a14:m>
                 <a:r>
                   <a:rPr lang="en-US" dirty="0"/>
-                  <a:t>		</a:t>
-                </a:r>
-                <a:r>
-                  <a:rPr lang="en-US" dirty="0"/>
-                  <a:t> </a:t>
+                  <a:t>		 </a:t>
                 </a:r>
                 <a14:m>
                   <m:oMath xmlns:m="http://schemas.openxmlformats.org/officeDocument/2006/math">
@@ -9555,11 +9476,7 @@
                 </a14:m>
                 <a:r>
                   <a:rPr lang="en-US" dirty="0"/>
-                  <a:t>		</a:t>
-                </a:r>
-                <a:r>
-                  <a:rPr lang="en-US" dirty="0"/>
-                  <a:t> </a:t>
+                  <a:t>		 </a:t>
                 </a:r>
                 <a14:m>
                   <m:oMath xmlns:m="http://schemas.openxmlformats.org/officeDocument/2006/math">
@@ -9672,11 +9589,7 @@
                 </a14:m>
                 <a:r>
                   <a:rPr lang="en-US" dirty="0"/>
-                  <a:t>		</a:t>
-                </a:r>
-                <a:r>
-                  <a:rPr lang="en-US" dirty="0"/>
-                  <a:t> </a:t>
+                  <a:t>		 </a:t>
                 </a:r>
                 <a14:m>
                   <m:oMath xmlns:m="http://schemas.openxmlformats.org/officeDocument/2006/math">
@@ -9864,11 +9777,7 @@
                 </a14:m>
                 <a:r>
                   <a:rPr lang="en-US" dirty="0"/>
-                  <a:t>		</a:t>
-                </a:r>
-                <a:r>
-                  <a:rPr lang="en-US" dirty="0"/>
-                  <a:t> </a:t>
+                  <a:t>		 </a:t>
                 </a:r>
                 <a14:m>
                   <m:oMath xmlns:m="http://schemas.openxmlformats.org/officeDocument/2006/math">
@@ -9981,11 +9890,7 @@
                 </a14:m>
                 <a:r>
                   <a:rPr lang="en-US" dirty="0"/>
-                  <a:t>		</a:t>
-                </a:r>
-                <a:r>
-                  <a:rPr lang="en-US" dirty="0"/>
-                  <a:t> </a:t>
+                  <a:t>		 </a:t>
                 </a:r>
                 <a14:m>
                   <m:oMath xmlns:m="http://schemas.openxmlformats.org/officeDocument/2006/math">
@@ -10173,11 +10078,7 @@
                 </a14:m>
                 <a:r>
                   <a:rPr lang="en-US" dirty="0"/>
-                  <a:t>		</a:t>
-                </a:r>
-                <a:r>
-                  <a:rPr lang="en-US" dirty="0"/>
-                  <a:t> </a:t>
+                  <a:t>		 </a:t>
                 </a:r>
                 <a14:m>
                   <m:oMath xmlns:m="http://schemas.openxmlformats.org/officeDocument/2006/math">
@@ -10264,11 +10165,7 @@
                 </a14:m>
                 <a:r>
                   <a:rPr lang="en-US" dirty="0"/>
-                  <a:t>		</a:t>
-                </a:r>
-                <a:r>
-                  <a:rPr lang="en-US" dirty="0"/>
-                  <a:t> </a:t>
+                  <a:t>		 </a:t>
                 </a:r>
                 <a14:m>
                   <m:oMath xmlns:m="http://schemas.openxmlformats.org/officeDocument/2006/math">
@@ -10470,11 +10367,7 @@
                 </a14:m>
                 <a:r>
                   <a:rPr lang="en-US" dirty="0"/>
-                  <a:t>		</a:t>
-                </a:r>
-                <a:r>
-                  <a:rPr lang="en-US" dirty="0"/>
-                  <a:t> </a:t>
+                  <a:t>		 </a:t>
                 </a:r>
                 <a14:m>
                   <m:oMath xmlns:m="http://schemas.openxmlformats.org/officeDocument/2006/math">
@@ -10561,11 +10454,7 @@
                 </a14:m>
                 <a:r>
                   <a:rPr lang="en-US" dirty="0"/>
-                  <a:t>		</a:t>
-                </a:r>
-                <a:r>
-                  <a:rPr lang="en-US" dirty="0"/>
-                  <a:t> </a:t>
+                  <a:t>		 </a:t>
                 </a:r>
                 <a14:m>
                   <m:oMath xmlns:m="http://schemas.openxmlformats.org/officeDocument/2006/math">
@@ -10767,11 +10656,7 @@
                 </a14:m>
                 <a:r>
                   <a:rPr lang="en-US" dirty="0"/>
-                  <a:t>		</a:t>
-                </a:r>
-                <a:r>
-                  <a:rPr lang="en-US" dirty="0"/>
-                  <a:t> </a:t>
+                  <a:t>		 </a:t>
                 </a:r>
                 <a14:m>
                   <m:oMath xmlns:m="http://schemas.openxmlformats.org/officeDocument/2006/math">
@@ -10858,11 +10743,7 @@
                 </a14:m>
                 <a:r>
                   <a:rPr lang="en-US" dirty="0"/>
-                  <a:t>		</a:t>
-                </a:r>
-                <a:r>
-                  <a:rPr lang="en-US" dirty="0"/>
-                  <a:t> </a:t>
+                  <a:t>		 </a:t>
                 </a:r>
                 <a14:m>
                   <m:oMath xmlns:m="http://schemas.openxmlformats.org/officeDocument/2006/math">
@@ -10978,7 +10859,7 @@
             </p:txBody>
           </p:sp>
         </mc:Choice>
-        <mc:Fallback>
+        <mc:Fallback xmlns="">
           <p:sp>
             <p:nvSpPr>
               <p:cNvPr id="3" name="Объект 2"/>
@@ -11058,15 +10939,15 @@
           <a:lstStyle/>
           <a:p>
             <a:r>
-              <a:rPr lang="en-US" dirty="0" err="1"/>
+              <a:rPr lang="en-US" dirty="0"/>
               <a:t>TF-IDF</a:t>
             </a:r>
             <a:endParaRPr lang="ru-RU" dirty="0"/>
           </a:p>
         </p:txBody>
       </p:sp>
-      <mc:AlternateContent xmlns:mc="http://schemas.openxmlformats.org/markup-compatibility/2006">
-        <mc:Choice xmlns:a14="http://schemas.microsoft.com/office/drawing/2010/main" Requires="a14">
+      <mc:AlternateContent xmlns:mc="http://schemas.openxmlformats.org/markup-compatibility/2006" xmlns:a14="http://schemas.microsoft.com/office/drawing/2010/main">
+        <mc:Choice Requires="a14">
           <p:sp>
             <p:nvSpPr>
               <p:cNvPr id="3" name="Объект 2"/>
@@ -11573,7 +11454,7 @@
             </p:txBody>
           </p:sp>
         </mc:Choice>
-        <mc:Fallback>
+        <mc:Fallback xmlns="">
           <p:sp>
             <p:nvSpPr>
               <p:cNvPr id="3" name="Объект 2"/>
@@ -11653,15 +11534,15 @@
           <a:lstStyle/>
           <a:p>
             <a:r>
-              <a:rPr lang="en-US" dirty="0" err="1"/>
+              <a:rPr lang="en-US" dirty="0"/>
               <a:t>TF-IDF</a:t>
             </a:r>
             <a:endParaRPr lang="ru-RU" dirty="0"/>
           </a:p>
         </p:txBody>
       </p:sp>
-      <mc:AlternateContent xmlns:mc="http://schemas.openxmlformats.org/markup-compatibility/2006">
-        <mc:Choice xmlns:a14="http://schemas.microsoft.com/office/drawing/2010/main" Requires="a14">
+      <mc:AlternateContent xmlns:mc="http://schemas.openxmlformats.org/markup-compatibility/2006" xmlns:a14="http://schemas.microsoft.com/office/drawing/2010/main">
+        <mc:Choice Requires="a14">
           <p:sp>
             <p:nvSpPr>
               <p:cNvPr id="3" name="Объект 2"/>
@@ -12183,7 +12064,7 @@
             </p:txBody>
           </p:sp>
         </mc:Choice>
-        <mc:Fallback>
+        <mc:Fallback xmlns="">
           <p:sp>
             <p:nvSpPr>
               <p:cNvPr id="3" name="Объект 2"/>
@@ -12265,10 +12146,10 @@
           <a:lstStyle/>
           <a:p>
             <a:r>
-              <a:rPr lang="ru-RU" altLang="ru-RU" sz="3600"/>
+              <a:rPr lang="ru-RU" altLang="ru-RU" sz="3600" dirty="0"/>
               <a:t>Основной подход</a:t>
             </a:r>
-            <a:endParaRPr lang="ru-RU" sz="3600"/>
+            <a:endParaRPr lang="ru-RU" sz="3600" dirty="0"/>
           </a:p>
         </p:txBody>
       </p:sp>
@@ -12315,20 +12196,16 @@
               </a:tabLst>
             </a:pPr>
             <a:r>
-              <a:rPr lang="ru-RU" altLang="ru-RU" smtClean="0"/>
+              <a:rPr lang="ru-RU" altLang="ru-RU" dirty="0" smtClean="0"/>
               <a:t>Задачи в </a:t>
             </a:r>
             <a:r>
-              <a:rPr lang="ru-RU" altLang="ru-RU"/>
+              <a:rPr lang="ru-RU" altLang="ru-RU" dirty="0"/>
               <a:t>рамках обработки </a:t>
             </a:r>
             <a:r>
-              <a:rPr lang="ru-RU" altLang="ru-RU" smtClean="0"/>
-              <a:t>естественного языка</a:t>
-            </a:r>
-            <a:r>
-              <a:rPr lang="ru-RU" altLang="ru-RU" smtClean="0"/>
-              <a:t>:</a:t>
+              <a:rPr lang="ru-RU" altLang="ru-RU" dirty="0" smtClean="0"/>
+              <a:t>естественного языка:</a:t>
             </a:r>
           </a:p>
           <a:p>
@@ -12361,7 +12238,7 @@
               </a:tabLst>
             </a:pPr>
             <a:r>
-              <a:rPr lang="ru-RU" altLang="ru-RU"/>
+              <a:rPr lang="ru-RU" altLang="ru-RU" dirty="0"/>
               <a:t>Распознавание речи</a:t>
             </a:r>
           </a:p>
@@ -12395,11 +12272,11 @@
               </a:tabLst>
             </a:pPr>
             <a:r>
-              <a:rPr lang="ru-RU" altLang="ru-RU"/>
+              <a:rPr lang="ru-RU" altLang="ru-RU" dirty="0"/>
               <a:t>Синтез </a:t>
             </a:r>
             <a:r>
-              <a:rPr lang="ru-RU" altLang="ru-RU" smtClean="0"/>
+              <a:rPr lang="ru-RU" altLang="ru-RU" dirty="0" smtClean="0"/>
               <a:t>речи</a:t>
             </a:r>
           </a:p>
@@ -12433,7 +12310,7 @@
               </a:tabLst>
             </a:pPr>
             <a:r>
-              <a:rPr lang="ru-RU" altLang="ru-RU" smtClean="0"/>
+              <a:rPr lang="ru-RU" altLang="ru-RU" dirty="0" smtClean="0"/>
               <a:t>Анализ текста</a:t>
             </a:r>
           </a:p>
@@ -12467,10 +12344,10 @@
               </a:tabLst>
             </a:pPr>
             <a:r>
-              <a:rPr lang="ru-RU" altLang="ru-RU" smtClean="0"/>
+              <a:rPr lang="ru-RU" altLang="ru-RU" dirty="0" smtClean="0"/>
               <a:t>Генерация текста</a:t>
             </a:r>
-            <a:endParaRPr lang="ru-RU" altLang="ru-RU"/>
+            <a:endParaRPr lang="ru-RU" altLang="ru-RU" dirty="0"/>
           </a:p>
           <a:p>
             <a:pPr marL="561975" indent="-457200">
@@ -12499,7 +12376,7 @@
                 <a:tab pos="9072563" algn="l"/>
               </a:tabLst>
             </a:pPr>
-            <a:endParaRPr lang="ru-RU" altLang="ru-RU"/>
+            <a:endParaRPr lang="ru-RU" altLang="ru-RU" dirty="0"/>
           </a:p>
         </p:txBody>
       </p:sp>
@@ -12556,7 +12433,7 @@
           <a:lstStyle/>
           <a:p>
             <a:r>
-              <a:rPr lang="en-US" dirty="0" err="1"/>
+              <a:rPr lang="en-US" dirty="0"/>
               <a:t>TF-IDF</a:t>
             </a:r>
             <a:endParaRPr lang="ru-RU" dirty="0"/>
@@ -12593,21 +12470,18 @@
             <a:endParaRPr lang="ru-RU" dirty="0" smtClean="0"/>
           </a:p>
           <a:p>
-            <a:pPr/>
             <a:r>
               <a:rPr lang="ru-RU" dirty="0" smtClean="0"/>
               <a:t>Легкое и быстрое вычисление</a:t>
             </a:r>
           </a:p>
           <a:p>
-            <a:pPr/>
             <a:r>
               <a:rPr lang="ru-RU" dirty="0" smtClean="0"/>
               <a:t>Универсальность (подходит для всех слов и текстов)</a:t>
             </a:r>
           </a:p>
           <a:p>
-            <a:pPr/>
             <a:r>
               <a:rPr lang="ru-RU" dirty="0" smtClean="0"/>
               <a:t>Можно использовать для вычисления «схожести» текстов</a:t>
@@ -12661,7 +12535,7 @@
           <a:lstStyle/>
           <a:p>
             <a:r>
-              <a:rPr lang="en-US" dirty="0" err="1"/>
+              <a:rPr lang="en-US" dirty="0"/>
               <a:t>TF-IDF</a:t>
             </a:r>
             <a:endParaRPr lang="ru-RU" dirty="0"/>
@@ -12698,28 +12572,24 @@
             <a:endParaRPr lang="ru-RU" dirty="0" smtClean="0"/>
           </a:p>
           <a:p>
-            <a:pPr/>
             <a:r>
               <a:rPr lang="ru-RU" dirty="0" smtClean="0"/>
               <a:t>Не учитывает семантику (смысл)</a:t>
             </a:r>
           </a:p>
           <a:p>
-            <a:pPr/>
             <a:r>
               <a:rPr lang="ru-RU" dirty="0" smtClean="0"/>
               <a:t>Не имеет твёрдого научного обоснования</a:t>
             </a:r>
           </a:p>
           <a:p>
-            <a:pPr/>
             <a:r>
               <a:rPr lang="ru-RU" dirty="0" smtClean="0"/>
               <a:t>Наследует искажения из обучающего набора текстов</a:t>
             </a:r>
           </a:p>
           <a:p>
-            <a:pPr/>
             <a:endParaRPr lang="ru-RU" dirty="0" smtClean="0"/>
           </a:p>
         </p:txBody>
@@ -12870,8 +12740,8 @@
           </a:p>
         </p:txBody>
       </p:sp>
-      <mc:AlternateContent xmlns:mc="http://schemas.openxmlformats.org/markup-compatibility/2006">
-        <mc:Choice xmlns:a14="http://schemas.microsoft.com/office/drawing/2010/main" Requires="a14">
+      <mc:AlternateContent xmlns:mc="http://schemas.openxmlformats.org/markup-compatibility/2006" xmlns:a14="http://schemas.microsoft.com/office/drawing/2010/main">
+        <mc:Choice Requires="a14">
           <p:sp>
             <p:nvSpPr>
               <p:cNvPr id="3" name="Объект 2"/>
@@ -13563,7 +13433,7 @@
             </p:txBody>
           </p:sp>
         </mc:Choice>
-        <mc:Fallback>
+        <mc:Fallback xmlns="">
           <p:sp>
             <p:nvSpPr>
               <p:cNvPr id="3" name="Объект 2"/>
@@ -13908,7 +13778,6 @@
               <a:rPr lang="ru-RU" dirty="0" smtClean="0"/>
               <a:t>Используем в качестве векторных представлений веса скрытого слоя.</a:t>
             </a:r>
-            <a:endParaRPr lang="ru-RU" dirty="0" smtClean="0"/>
           </a:p>
         </p:txBody>
       </p:sp>
@@ -15483,8 +15352,8 @@
           </a:p>
         </p:txBody>
       </p:sp>
-      <mc:AlternateContent xmlns:mc="http://schemas.openxmlformats.org/markup-compatibility/2006">
-        <mc:Choice xmlns:a14="http://schemas.microsoft.com/office/drawing/2010/main" Requires="a14">
+      <mc:AlternateContent xmlns:mc="http://schemas.openxmlformats.org/markup-compatibility/2006" xmlns:a14="http://schemas.microsoft.com/office/drawing/2010/main">
+        <mc:Choice Requires="a14">
           <p:sp>
             <p:nvSpPr>
               <p:cNvPr id="3" name="Объект 2"/>
@@ -15798,7 +15667,7 @@
             </p:txBody>
           </p:sp>
         </mc:Choice>
-        <mc:Fallback>
+        <mc:Fallback xmlns="">
           <p:sp>
             <p:nvSpPr>
               <p:cNvPr id="3" name="Объект 2"/>
@@ -15880,10 +15749,10 @@
           <a:lstStyle/>
           <a:p>
             <a:r>
-              <a:rPr lang="ru-RU" altLang="ru-RU" sz="3600"/>
+              <a:rPr lang="ru-RU" altLang="ru-RU" sz="3600" dirty="0"/>
               <a:t>Основной подход</a:t>
             </a:r>
-            <a:endParaRPr lang="ru-RU" sz="3600"/>
+            <a:endParaRPr lang="ru-RU" sz="3600" dirty="0"/>
           </a:p>
         </p:txBody>
       </p:sp>
@@ -15930,10 +15799,10 @@
               </a:tabLst>
             </a:pPr>
             <a:r>
-              <a:rPr lang="ru-RU" altLang="ru-RU" smtClean="0"/>
+              <a:rPr lang="ru-RU" altLang="ru-RU" dirty="0" smtClean="0"/>
               <a:t>Распознавание речи:</a:t>
             </a:r>
-            <a:endParaRPr lang="ru-RU" altLang="ru-RU"/>
+            <a:endParaRPr lang="ru-RU" altLang="ru-RU" dirty="0"/>
           </a:p>
           <a:p>
             <a:pPr marL="412750" indent="-307975">
@@ -15965,7 +15834,7 @@
               </a:tabLst>
             </a:pPr>
             <a:r>
-              <a:rPr lang="ru-RU" altLang="ru-RU" smtClean="0"/>
+              <a:rPr lang="ru-RU" altLang="ru-RU" dirty="0" smtClean="0"/>
               <a:t>Голосовое управление</a:t>
             </a:r>
           </a:p>
@@ -15999,7 +15868,7 @@
               </a:tabLst>
             </a:pPr>
             <a:r>
-              <a:rPr lang="ru-RU" altLang="ru-RU"/>
+              <a:rPr lang="ru-RU" altLang="ru-RU" dirty="0"/>
               <a:t>Виртуальные ассистенты</a:t>
             </a:r>
           </a:p>
@@ -16033,7 +15902,7 @@
               </a:tabLst>
             </a:pPr>
             <a:r>
-              <a:rPr lang="ru-RU" altLang="ru-RU" smtClean="0"/>
+              <a:rPr lang="ru-RU" altLang="ru-RU" dirty="0" smtClean="0"/>
               <a:t>Преобразование речи в текст</a:t>
             </a:r>
           </a:p>
@@ -16067,7 +15936,7 @@
               </a:tabLst>
             </a:pPr>
             <a:r>
-              <a:rPr lang="ru-RU" altLang="ru-RU" smtClean="0"/>
+              <a:rPr lang="ru-RU" altLang="ru-RU" dirty="0" smtClean="0"/>
               <a:t>Голосовая биометрия</a:t>
             </a:r>
           </a:p>
@@ -16098,7 +15967,7 @@
                 <a:tab pos="9072563" algn="l"/>
               </a:tabLst>
             </a:pPr>
-            <a:endParaRPr lang="ru-RU" altLang="ru-RU"/>
+            <a:endParaRPr lang="ru-RU" altLang="ru-RU" dirty="0"/>
           </a:p>
         </p:txBody>
       </p:sp>
@@ -16454,10 +16323,10 @@
           <a:lstStyle/>
           <a:p>
             <a:r>
-              <a:rPr lang="ru-RU" smtClean="0"/>
+              <a:rPr lang="ru-RU" dirty="0" smtClean="0"/>
               <a:t>Ссылки</a:t>
             </a:r>
-            <a:endParaRPr lang="ru-RU"/>
+            <a:endParaRPr lang="ru-RU" dirty="0"/>
           </a:p>
         </p:txBody>
       </p:sp>
@@ -16482,43 +16351,7 @@
               <a:rPr lang="en-US" dirty="0">
                 <a:hlinkClick r:id="rId2"/>
               </a:rPr>
-              <a:t>https://</a:t>
-            </a:r>
-            <a:r>
-              <a:rPr lang="en-US" dirty="0" err="1">
-                <a:hlinkClick r:id="rId2"/>
-              </a:rPr>
-              <a:t>habr.com</a:t>
-            </a:r>
-            <a:r>
-              <a:rPr lang="en-US" dirty="0">
-                <a:hlinkClick r:id="rId2"/>
-              </a:rPr>
-              <a:t>/</a:t>
-            </a:r>
-            <a:r>
-              <a:rPr lang="en-US" dirty="0" err="1">
-                <a:hlinkClick r:id="rId2"/>
-              </a:rPr>
-              <a:t>ru</a:t>
-            </a:r>
-            <a:r>
-              <a:rPr lang="en-US" dirty="0">
-                <a:hlinkClick r:id="rId2"/>
-              </a:rPr>
-              <a:t>/company/</a:t>
-            </a:r>
-            <a:r>
-              <a:rPr lang="en-US" dirty="0" err="1">
-                <a:hlinkClick r:id="rId2"/>
-              </a:rPr>
-              <a:t>ods</a:t>
-            </a:r>
-            <a:r>
-              <a:rPr lang="en-US" dirty="0">
-                <a:hlinkClick r:id="rId2"/>
-              </a:rPr>
-              <a:t>/blog/329410</a:t>
+              <a:t>https://habr.com/ru/company/ods/blog/329410</a:t>
             </a:r>
             <a:r>
               <a:rPr lang="en-US" dirty="0" smtClean="0">
@@ -16533,31 +16366,7 @@
               <a:rPr lang="en-US" dirty="0">
                 <a:hlinkClick r:id="rId3"/>
               </a:rPr>
-              <a:t>https://</a:t>
-            </a:r>
-            <a:r>
-              <a:rPr lang="en-US" dirty="0" err="1">
-                <a:hlinkClick r:id="rId3"/>
-              </a:rPr>
-              <a:t>habr.com</a:t>
-            </a:r>
-            <a:r>
-              <a:rPr lang="en-US" dirty="0">
-                <a:hlinkClick r:id="rId3"/>
-              </a:rPr>
-              <a:t>/</a:t>
-            </a:r>
-            <a:r>
-              <a:rPr lang="en-US" dirty="0" err="1">
-                <a:hlinkClick r:id="rId3"/>
-              </a:rPr>
-              <a:t>ru</a:t>
-            </a:r>
-            <a:r>
-              <a:rPr lang="en-US" dirty="0">
-                <a:hlinkClick r:id="rId3"/>
-              </a:rPr>
-              <a:t>/post/249215</a:t>
+              <a:t>https://habr.com/ru/post/249215</a:t>
             </a:r>
             <a:r>
               <a:rPr lang="en-US" dirty="0" smtClean="0">
@@ -16572,39 +16381,15 @@
               <a:rPr lang="en-US" dirty="0">
                 <a:hlinkClick r:id="rId4"/>
               </a:rPr>
-              <a:t>https://</a:t>
-            </a:r>
-            <a:r>
-              <a:rPr lang="en-US" dirty="0" err="1">
-                <a:hlinkClick r:id="rId4"/>
-              </a:rPr>
-              <a:t>habr.com</a:t>
-            </a:r>
-            <a:r>
-              <a:rPr lang="en-US" dirty="0">
+              <a:t>https://habr.com/ru/post/515036</a:t>
+            </a:r>
+            <a:r>
+              <a:rPr lang="en-US" dirty="0" smtClean="0">
                 <a:hlinkClick r:id="rId4"/>
               </a:rPr>
               <a:t>/</a:t>
             </a:r>
-            <a:r>
-              <a:rPr lang="en-US" dirty="0" err="1">
-                <a:hlinkClick r:id="rId4"/>
-              </a:rPr>
-              <a:t>ru</a:t>
-            </a:r>
-            <a:r>
-              <a:rPr lang="en-US">
-                <a:hlinkClick r:id="rId4"/>
-              </a:rPr>
-              <a:t>/post/515036</a:t>
-            </a:r>
-            <a:r>
-              <a:rPr lang="en-US" smtClean="0">
-                <a:hlinkClick r:id="rId4"/>
-              </a:rPr>
-              <a:t>/</a:t>
-            </a:r>
-            <a:endParaRPr lang="ru-RU" smtClean="0"/>
+            <a:endParaRPr lang="ru-RU" dirty="0" smtClean="0"/>
           </a:p>
         </p:txBody>
       </p:sp>
@@ -16669,10 +16454,10 @@
           <a:p>
             <a:pPr algn="ctr"/>
             <a:r>
-              <a:rPr lang="ru-RU" sz="6000" smtClean="0"/>
+              <a:rPr lang="ru-RU" sz="6000" dirty="0" smtClean="0"/>
               <a:t>Спасибо за внимание</a:t>
             </a:r>
-            <a:endParaRPr lang="ru-RU" sz="6000"/>
+            <a:endParaRPr lang="ru-RU" sz="6000" dirty="0"/>
           </a:p>
         </p:txBody>
       </p:sp>
@@ -16729,10 +16514,10 @@
           <a:lstStyle/>
           <a:p>
             <a:r>
-              <a:rPr lang="ru-RU" smtClean="0"/>
+              <a:rPr lang="ru-RU" dirty="0" smtClean="0"/>
               <a:t>Контрольные вопросы</a:t>
             </a:r>
-            <a:endParaRPr lang="ru-RU"/>
+            <a:endParaRPr lang="ru-RU" dirty="0"/>
           </a:p>
         </p:txBody>
       </p:sp>
@@ -16756,7 +16541,50 @@
             <a:pPr marL="0" lvl="0" indent="0">
               <a:buNone/>
             </a:pPr>
-            <a:endParaRPr lang="ru-RU"/>
+            <a:r>
+              <a:rPr lang="ru-RU" dirty="0"/>
+              <a:t>К какой задаче в рамках обработки естественного языка относится голосовая биометрия</a:t>
+            </a:r>
+            <a:r>
+              <a:rPr lang="ru-RU" dirty="0" smtClean="0"/>
+              <a:t>?</a:t>
+            </a:r>
+            <a:endParaRPr lang="en-US" dirty="0" smtClean="0"/>
+          </a:p>
+          <a:p>
+            <a:pPr marL="0" lvl="0" indent="0">
+              <a:buNone/>
+            </a:pPr>
+            <a:endParaRPr lang="ru-RU" dirty="0"/>
+          </a:p>
+          <a:p>
+            <a:r>
+              <a:rPr lang="ru-RU" dirty="0"/>
+              <a:t>Распознавание речи.</a:t>
+            </a:r>
+          </a:p>
+          <a:p>
+            <a:r>
+              <a:rPr lang="ru-RU" dirty="0"/>
+              <a:t>Синтез речи.</a:t>
+            </a:r>
+          </a:p>
+          <a:p>
+            <a:r>
+              <a:rPr lang="ru-RU" dirty="0"/>
+              <a:t>Анализ текста.</a:t>
+            </a:r>
+          </a:p>
+          <a:p>
+            <a:r>
+              <a:rPr lang="ru-RU" dirty="0"/>
+              <a:t>Генерация текста</a:t>
+            </a:r>
+            <a:r>
+              <a:rPr lang="ru-RU" dirty="0" smtClean="0"/>
+              <a:t>.</a:t>
+            </a:r>
+            <a:endParaRPr lang="ru-RU" dirty="0"/>
           </a:p>
         </p:txBody>
       </p:sp>
@@ -16764,6 +16592,570 @@
     <p:extLst>
       <p:ext uri="{BB962C8B-B14F-4D97-AF65-F5344CB8AC3E}">
         <p14:creationId xmlns:p14="http://schemas.microsoft.com/office/powerpoint/2010/main" val="63509945"/>
+      </p:ext>
+    </p:extLst>
+  </p:cSld>
+  <p:clrMapOvr>
+    <a:masterClrMapping/>
+  </p:clrMapOvr>
+  <p:timing>
+    <p:tnLst>
+      <p:par>
+        <p:cTn id="1" dur="indefinite" restart="never" nodeType="tmRoot"/>
+      </p:par>
+    </p:tnLst>
+  </p:timing>
+</p:sld>
+</file>
+
+<file path=ppt/slides/slide46.xml><?xml version="1.0" encoding="utf-8"?>
+<p:sld xmlns:a="http://schemas.openxmlformats.org/drawingml/2006/main" xmlns:r="http://schemas.openxmlformats.org/officeDocument/2006/relationships" xmlns:p="http://schemas.openxmlformats.org/presentationml/2006/main">
+  <p:cSld>
+    <p:spTree>
+      <p:nvGrpSpPr>
+        <p:cNvPr id="1" name=""/>
+        <p:cNvGrpSpPr/>
+        <p:nvPr/>
+      </p:nvGrpSpPr>
+      <p:grpSpPr>
+        <a:xfrm>
+          <a:off x="0" y="0"/>
+          <a:ext cx="0" cy="0"/>
+          <a:chOff x="0" y="0"/>
+          <a:chExt cx="0" cy="0"/>
+        </a:xfrm>
+      </p:grpSpPr>
+      <p:sp>
+        <p:nvSpPr>
+          <p:cNvPr id="2" name="Заголовок 1"/>
+          <p:cNvSpPr>
+            <a:spLocks noGrp="1"/>
+          </p:cNvSpPr>
+          <p:nvPr>
+            <p:ph type="title"/>
+          </p:nvPr>
+        </p:nvSpPr>
+        <p:spPr/>
+        <p:txBody>
+          <a:bodyPr/>
+          <a:lstStyle/>
+          <a:p>
+            <a:r>
+              <a:rPr lang="ru-RU" dirty="0" smtClean="0"/>
+              <a:t>Контрольные вопросы</a:t>
+            </a:r>
+            <a:endParaRPr lang="ru-RU" dirty="0"/>
+          </a:p>
+        </p:txBody>
+      </p:sp>
+      <p:sp>
+        <p:nvSpPr>
+          <p:cNvPr id="3" name="Объект 2"/>
+          <p:cNvSpPr>
+            <a:spLocks noGrp="1"/>
+          </p:cNvSpPr>
+          <p:nvPr>
+            <p:ph idx="1"/>
+          </p:nvPr>
+        </p:nvSpPr>
+        <p:spPr/>
+        <p:txBody>
+          <a:bodyPr>
+            <a:normAutofit/>
+          </a:bodyPr>
+          <a:lstStyle/>
+          <a:p>
+            <a:pPr marL="0" lvl="0" indent="0">
+              <a:buNone/>
+            </a:pPr>
+            <a:r>
+              <a:rPr lang="ru-RU" dirty="0"/>
+              <a:t>К какой задаче в рамках обработки естественного языка относится машинный перевод</a:t>
+            </a:r>
+            <a:r>
+              <a:rPr lang="ru-RU" dirty="0" smtClean="0"/>
+              <a:t>?</a:t>
+            </a:r>
+            <a:endParaRPr lang="en-US" dirty="0" smtClean="0"/>
+          </a:p>
+          <a:p>
+            <a:pPr marL="0" lvl="0" indent="0">
+              <a:buNone/>
+            </a:pPr>
+            <a:endParaRPr lang="ru-RU" dirty="0"/>
+          </a:p>
+          <a:p>
+            <a:r>
+              <a:rPr lang="ru-RU" dirty="0"/>
+              <a:t>Распознавание речи.</a:t>
+            </a:r>
+          </a:p>
+          <a:p>
+            <a:r>
+              <a:rPr lang="ru-RU" dirty="0"/>
+              <a:t>Синтез речи.</a:t>
+            </a:r>
+          </a:p>
+          <a:p>
+            <a:r>
+              <a:rPr lang="ru-RU" dirty="0"/>
+              <a:t>Анализ текста.</a:t>
+            </a:r>
+          </a:p>
+          <a:p>
+            <a:r>
+              <a:rPr lang="en-US" dirty="0"/>
+              <a:t>Генерация текста</a:t>
+            </a:r>
+            <a:r>
+              <a:rPr lang="ru-RU" dirty="0" smtClean="0"/>
+              <a:t>.</a:t>
+            </a:r>
+            <a:endParaRPr lang="ru-RU" dirty="0"/>
+          </a:p>
+        </p:txBody>
+      </p:sp>
+    </p:spTree>
+    <p:extLst>
+      <p:ext uri="{BB962C8B-B14F-4D97-AF65-F5344CB8AC3E}">
+        <p14:creationId xmlns:p14="http://schemas.microsoft.com/office/powerpoint/2010/main" val="2576810522"/>
+      </p:ext>
+    </p:extLst>
+  </p:cSld>
+  <p:clrMapOvr>
+    <a:masterClrMapping/>
+  </p:clrMapOvr>
+  <p:timing>
+    <p:tnLst>
+      <p:par>
+        <p:cTn id="1" dur="indefinite" restart="never" nodeType="tmRoot"/>
+      </p:par>
+    </p:tnLst>
+  </p:timing>
+</p:sld>
+</file>
+
+<file path=ppt/slides/slide47.xml><?xml version="1.0" encoding="utf-8"?>
+<p:sld xmlns:a="http://schemas.openxmlformats.org/drawingml/2006/main" xmlns:r="http://schemas.openxmlformats.org/officeDocument/2006/relationships" xmlns:p="http://schemas.openxmlformats.org/presentationml/2006/main">
+  <p:cSld>
+    <p:spTree>
+      <p:nvGrpSpPr>
+        <p:cNvPr id="1" name=""/>
+        <p:cNvGrpSpPr/>
+        <p:nvPr/>
+      </p:nvGrpSpPr>
+      <p:grpSpPr>
+        <a:xfrm>
+          <a:off x="0" y="0"/>
+          <a:ext cx="0" cy="0"/>
+          <a:chOff x="0" y="0"/>
+          <a:chExt cx="0" cy="0"/>
+        </a:xfrm>
+      </p:grpSpPr>
+      <p:sp>
+        <p:nvSpPr>
+          <p:cNvPr id="2" name="Заголовок 1"/>
+          <p:cNvSpPr>
+            <a:spLocks noGrp="1"/>
+          </p:cNvSpPr>
+          <p:nvPr>
+            <p:ph type="title"/>
+          </p:nvPr>
+        </p:nvSpPr>
+        <p:spPr/>
+        <p:txBody>
+          <a:bodyPr/>
+          <a:lstStyle/>
+          <a:p>
+            <a:r>
+              <a:rPr lang="ru-RU" dirty="0" smtClean="0"/>
+              <a:t>Контрольные вопросы</a:t>
+            </a:r>
+            <a:endParaRPr lang="ru-RU" dirty="0"/>
+          </a:p>
+        </p:txBody>
+      </p:sp>
+      <p:sp>
+        <p:nvSpPr>
+          <p:cNvPr id="3" name="Объект 2"/>
+          <p:cNvSpPr>
+            <a:spLocks noGrp="1"/>
+          </p:cNvSpPr>
+          <p:nvPr>
+            <p:ph idx="1"/>
+          </p:nvPr>
+        </p:nvSpPr>
+        <p:spPr/>
+        <p:txBody>
+          <a:bodyPr>
+            <a:normAutofit/>
+          </a:bodyPr>
+          <a:lstStyle/>
+          <a:p>
+            <a:pPr marL="0" lvl="0" indent="0">
+              <a:buNone/>
+            </a:pPr>
+            <a:r>
+              <a:rPr lang="ru-RU" dirty="0"/>
+              <a:t>Как называется разбивка текста на предложения и отдельные слова</a:t>
+            </a:r>
+            <a:r>
+              <a:rPr lang="ru-RU" dirty="0" smtClean="0"/>
+              <a:t>?</a:t>
+            </a:r>
+            <a:endParaRPr lang="en-US" dirty="0" smtClean="0"/>
+          </a:p>
+          <a:p>
+            <a:pPr marL="0" lvl="0" indent="0">
+              <a:buNone/>
+            </a:pPr>
+            <a:endParaRPr lang="ru-RU" dirty="0"/>
+          </a:p>
+          <a:p>
+            <a:r>
+              <a:rPr lang="ru-RU" dirty="0"/>
+              <a:t>Лемматизация.</a:t>
+            </a:r>
+          </a:p>
+          <a:p>
+            <a:r>
+              <a:rPr lang="ru-RU" dirty="0"/>
+              <a:t>Нормирование.</a:t>
+            </a:r>
+          </a:p>
+          <a:p>
+            <a:r>
+              <a:rPr lang="ru-RU" dirty="0"/>
+              <a:t>Токенизация.</a:t>
+            </a:r>
+          </a:p>
+          <a:p>
+            <a:r>
+              <a:rPr lang="ru-RU" dirty="0"/>
+              <a:t>Оцифровка</a:t>
+            </a:r>
+            <a:r>
+              <a:rPr lang="ru-RU" dirty="0" smtClean="0"/>
+              <a:t>.</a:t>
+            </a:r>
+            <a:endParaRPr lang="ru-RU" dirty="0"/>
+          </a:p>
+        </p:txBody>
+      </p:sp>
+    </p:spTree>
+    <p:extLst>
+      <p:ext uri="{BB962C8B-B14F-4D97-AF65-F5344CB8AC3E}">
+        <p14:creationId xmlns:p14="http://schemas.microsoft.com/office/powerpoint/2010/main" val="2785797974"/>
+      </p:ext>
+    </p:extLst>
+  </p:cSld>
+  <p:clrMapOvr>
+    <a:masterClrMapping/>
+  </p:clrMapOvr>
+  <p:timing>
+    <p:tnLst>
+      <p:par>
+        <p:cTn id="1" dur="indefinite" restart="never" nodeType="tmRoot"/>
+      </p:par>
+    </p:tnLst>
+  </p:timing>
+</p:sld>
+</file>
+
+<file path=ppt/slides/slide48.xml><?xml version="1.0" encoding="utf-8"?>
+<p:sld xmlns:a="http://schemas.openxmlformats.org/drawingml/2006/main" xmlns:r="http://schemas.openxmlformats.org/officeDocument/2006/relationships" xmlns:p="http://schemas.openxmlformats.org/presentationml/2006/main">
+  <p:cSld>
+    <p:spTree>
+      <p:nvGrpSpPr>
+        <p:cNvPr id="1" name=""/>
+        <p:cNvGrpSpPr/>
+        <p:nvPr/>
+      </p:nvGrpSpPr>
+      <p:grpSpPr>
+        <a:xfrm>
+          <a:off x="0" y="0"/>
+          <a:ext cx="0" cy="0"/>
+          <a:chOff x="0" y="0"/>
+          <a:chExt cx="0" cy="0"/>
+        </a:xfrm>
+      </p:grpSpPr>
+      <p:sp>
+        <p:nvSpPr>
+          <p:cNvPr id="2" name="Заголовок 1"/>
+          <p:cNvSpPr>
+            <a:spLocks noGrp="1"/>
+          </p:cNvSpPr>
+          <p:nvPr>
+            <p:ph type="title"/>
+          </p:nvPr>
+        </p:nvSpPr>
+        <p:spPr/>
+        <p:txBody>
+          <a:bodyPr/>
+          <a:lstStyle/>
+          <a:p>
+            <a:r>
+              <a:rPr lang="ru-RU" dirty="0" smtClean="0"/>
+              <a:t>Контрольные вопросы</a:t>
+            </a:r>
+            <a:endParaRPr lang="ru-RU" dirty="0"/>
+          </a:p>
+        </p:txBody>
+      </p:sp>
+      <p:sp>
+        <p:nvSpPr>
+          <p:cNvPr id="3" name="Объект 2"/>
+          <p:cNvSpPr>
+            <a:spLocks noGrp="1"/>
+          </p:cNvSpPr>
+          <p:nvPr>
+            <p:ph idx="1"/>
+          </p:nvPr>
+        </p:nvSpPr>
+        <p:spPr/>
+        <p:txBody>
+          <a:bodyPr>
+            <a:normAutofit/>
+          </a:bodyPr>
+          <a:lstStyle/>
+          <a:p>
+            <a:pPr marL="0" lvl="0" indent="0">
+              <a:buNone/>
+            </a:pPr>
+            <a:r>
+              <a:rPr lang="ru-RU" dirty="0"/>
+              <a:t>Чему равна длина векторных представлений при использовании </a:t>
+            </a:r>
+            <a:r>
+              <a:rPr lang="en-US" dirty="0" smtClean="0"/>
+              <a:t>Bag </a:t>
+            </a:r>
+            <a:r>
+              <a:rPr lang="en-US" dirty="0"/>
+              <a:t>of words</a:t>
+            </a:r>
+            <a:r>
+              <a:rPr lang="ru-RU" dirty="0"/>
+              <a:t>, если размер словаря равен </a:t>
+            </a:r>
+            <a:r>
+              <a:rPr lang="en-US" i="1" dirty="0"/>
+              <a:t>N</a:t>
+            </a:r>
+            <a:r>
+              <a:rPr lang="ru-RU" dirty="0" smtClean="0"/>
+              <a:t>?</a:t>
+            </a:r>
+            <a:endParaRPr lang="en-US" dirty="0" smtClean="0"/>
+          </a:p>
+          <a:p>
+            <a:pPr marL="0" lvl="0" indent="0">
+              <a:buNone/>
+            </a:pPr>
+            <a:endParaRPr lang="ru-RU" dirty="0"/>
+          </a:p>
+          <a:p>
+            <a:r>
+              <a:rPr lang="en-US" i="1" dirty="0"/>
+              <a:t>N</a:t>
+            </a:r>
+            <a:r>
+              <a:rPr lang="en-US" dirty="0"/>
+              <a:t>/2</a:t>
+            </a:r>
+            <a:r>
+              <a:rPr lang="ru-RU" dirty="0"/>
+              <a:t>.</a:t>
+            </a:r>
+          </a:p>
+          <a:p>
+            <a:r>
+              <a:rPr lang="en-US" i="1" dirty="0"/>
+              <a:t>N</a:t>
+            </a:r>
+            <a:r>
+              <a:rPr lang="ru-RU" dirty="0"/>
+              <a:t>.</a:t>
+            </a:r>
+          </a:p>
+          <a:p>
+            <a:r>
+              <a:rPr lang="en-US" i="1" dirty="0"/>
+              <a:t>N</a:t>
+            </a:r>
+            <a:r>
+              <a:rPr lang="en-US" baseline="30000" dirty="0"/>
+              <a:t>2</a:t>
+            </a:r>
+            <a:r>
+              <a:rPr lang="ru-RU" dirty="0"/>
+              <a:t>.</a:t>
+            </a:r>
+          </a:p>
+          <a:p>
+            <a:r>
+              <a:rPr lang="en-US" dirty="0"/>
+              <a:t>2</a:t>
+            </a:r>
+            <a:r>
+              <a:rPr lang="en-US" i="1" dirty="0"/>
+              <a:t>N</a:t>
+            </a:r>
+            <a:r>
+              <a:rPr lang="ru-RU" dirty="0" smtClean="0"/>
+              <a:t>.</a:t>
+            </a:r>
+            <a:endParaRPr lang="ru-RU" dirty="0"/>
+          </a:p>
+        </p:txBody>
+      </p:sp>
+    </p:spTree>
+    <p:extLst>
+      <p:ext uri="{BB962C8B-B14F-4D97-AF65-F5344CB8AC3E}">
+        <p14:creationId xmlns:p14="http://schemas.microsoft.com/office/powerpoint/2010/main" val="3638201919"/>
+      </p:ext>
+    </p:extLst>
+  </p:cSld>
+  <p:clrMapOvr>
+    <a:masterClrMapping/>
+  </p:clrMapOvr>
+  <p:timing>
+    <p:tnLst>
+      <p:par>
+        <p:cTn id="1" dur="indefinite" restart="never" nodeType="tmRoot"/>
+      </p:par>
+    </p:tnLst>
+  </p:timing>
+</p:sld>
+</file>
+
+<file path=ppt/slides/slide49.xml><?xml version="1.0" encoding="utf-8"?>
+<p:sld xmlns:a="http://schemas.openxmlformats.org/drawingml/2006/main" xmlns:r="http://schemas.openxmlformats.org/officeDocument/2006/relationships" xmlns:p="http://schemas.openxmlformats.org/presentationml/2006/main">
+  <p:cSld>
+    <p:spTree>
+      <p:nvGrpSpPr>
+        <p:cNvPr id="1" name=""/>
+        <p:cNvGrpSpPr/>
+        <p:nvPr/>
+      </p:nvGrpSpPr>
+      <p:grpSpPr>
+        <a:xfrm>
+          <a:off x="0" y="0"/>
+          <a:ext cx="0" cy="0"/>
+          <a:chOff x="0" y="0"/>
+          <a:chExt cx="0" cy="0"/>
+        </a:xfrm>
+      </p:grpSpPr>
+      <p:sp>
+        <p:nvSpPr>
+          <p:cNvPr id="2" name="Заголовок 1"/>
+          <p:cNvSpPr>
+            <a:spLocks noGrp="1"/>
+          </p:cNvSpPr>
+          <p:nvPr>
+            <p:ph type="title"/>
+          </p:nvPr>
+        </p:nvSpPr>
+        <p:spPr/>
+        <p:txBody>
+          <a:bodyPr/>
+          <a:lstStyle/>
+          <a:p>
+            <a:r>
+              <a:rPr lang="ru-RU" dirty="0" smtClean="0"/>
+              <a:t>Контрольные вопросы</a:t>
+            </a:r>
+            <a:endParaRPr lang="ru-RU" dirty="0"/>
+          </a:p>
+        </p:txBody>
+      </p:sp>
+      <p:sp>
+        <p:nvSpPr>
+          <p:cNvPr id="3" name="Объект 2"/>
+          <p:cNvSpPr>
+            <a:spLocks noGrp="1"/>
+          </p:cNvSpPr>
+          <p:nvPr>
+            <p:ph idx="1"/>
+          </p:nvPr>
+        </p:nvSpPr>
+        <p:spPr/>
+        <p:txBody>
+          <a:bodyPr>
+            <a:normAutofit/>
+          </a:bodyPr>
+          <a:lstStyle/>
+          <a:p>
+            <a:pPr marL="0" lvl="0" indent="0">
+              <a:buNone/>
+            </a:pPr>
+            <a:r>
+              <a:rPr lang="ru-RU" dirty="0"/>
+              <a:t>Что используется для того, чтобы </a:t>
+            </a:r>
+            <a:r>
+              <a:rPr lang="en-US" dirty="0"/>
+              <a:t>Bag of words </a:t>
+            </a:r>
+            <a:r>
+              <a:rPr lang="ru-RU" dirty="0"/>
+              <a:t>мог работать с неизвестными ранее словами</a:t>
+            </a:r>
+            <a:r>
+              <a:rPr lang="ru-RU" dirty="0" smtClean="0"/>
+              <a:t>?</a:t>
+            </a:r>
+            <a:endParaRPr lang="en-US" dirty="0" smtClean="0"/>
+          </a:p>
+          <a:p>
+            <a:pPr marL="0" lvl="0" indent="0">
+              <a:buNone/>
+            </a:pPr>
+            <a:endParaRPr lang="ru-RU" dirty="0"/>
+          </a:p>
+          <a:p>
+            <a:r>
+              <a:rPr lang="en-US" dirty="0"/>
+              <a:t>Hashing trick</a:t>
+            </a:r>
+            <a:r>
+              <a:rPr lang="ru-RU" dirty="0"/>
+              <a:t>.</a:t>
+            </a:r>
+          </a:p>
+          <a:p>
+            <a:r>
+              <a:rPr lang="en-US" dirty="0"/>
+              <a:t>n</a:t>
+            </a:r>
+            <a:r>
+              <a:rPr lang="ru-RU" dirty="0"/>
+              <a:t>-граммы.</a:t>
+            </a:r>
+          </a:p>
+          <a:p>
+            <a:r>
+              <a:rPr lang="ru-RU" dirty="0"/>
+              <a:t>Шумовые слова.</a:t>
+            </a:r>
+          </a:p>
+          <a:p>
+            <a:r>
+              <a:rPr lang="en-US" dirty="0"/>
+              <a:t>TF-IDF</a:t>
+            </a:r>
+            <a:r>
+              <a:rPr lang="ru-RU" dirty="0" smtClean="0"/>
+              <a:t>.</a:t>
+            </a:r>
+            <a:endParaRPr lang="ru-RU" dirty="0"/>
+          </a:p>
+        </p:txBody>
+      </p:sp>
+    </p:spTree>
+    <p:extLst>
+      <p:ext uri="{BB962C8B-B14F-4D97-AF65-F5344CB8AC3E}">
+        <p14:creationId xmlns:p14="http://schemas.microsoft.com/office/powerpoint/2010/main" val="3099023968"/>
       </p:ext>
     </p:extLst>
   </p:cSld>
@@ -16815,10 +17207,10 @@
           <a:lstStyle/>
           <a:p>
             <a:r>
-              <a:rPr lang="ru-RU" altLang="ru-RU" sz="3600"/>
+              <a:rPr lang="ru-RU" altLang="ru-RU" sz="3600" dirty="0"/>
               <a:t>Основной подход</a:t>
             </a:r>
-            <a:endParaRPr lang="ru-RU" sz="3600"/>
+            <a:endParaRPr lang="ru-RU" sz="3600" dirty="0"/>
           </a:p>
         </p:txBody>
       </p:sp>
@@ -16865,14 +17257,14 @@
               </a:tabLst>
             </a:pPr>
             <a:r>
-              <a:rPr lang="ru-RU" altLang="ru-RU"/>
+              <a:rPr lang="ru-RU" altLang="ru-RU" dirty="0"/>
               <a:t>Синтез </a:t>
             </a:r>
             <a:r>
-              <a:rPr lang="ru-RU" altLang="ru-RU" smtClean="0"/>
+              <a:rPr lang="ru-RU" altLang="ru-RU" dirty="0" smtClean="0"/>
               <a:t>речи:</a:t>
             </a:r>
-            <a:endParaRPr lang="ru-RU" altLang="ru-RU"/>
+            <a:endParaRPr lang="ru-RU" altLang="ru-RU" dirty="0"/>
           </a:p>
           <a:p>
             <a:pPr marL="412750" indent="-307975">
@@ -16904,7 +17296,7 @@
               </a:tabLst>
             </a:pPr>
             <a:r>
-              <a:rPr lang="ru-RU" altLang="ru-RU"/>
+              <a:rPr lang="ru-RU" altLang="ru-RU" dirty="0"/>
               <a:t>Виртуальные ассистенты</a:t>
             </a:r>
           </a:p>
@@ -16938,7 +17330,7 @@
               </a:tabLst>
             </a:pPr>
             <a:r>
-              <a:rPr lang="ru-RU" altLang="ru-RU" smtClean="0"/>
+              <a:rPr lang="ru-RU" altLang="ru-RU" dirty="0" smtClean="0"/>
               <a:t>Технические средства реабилитации</a:t>
             </a:r>
           </a:p>
@@ -16972,7 +17364,7 @@
               </a:tabLst>
             </a:pPr>
             <a:r>
-              <a:rPr lang="ru-RU" altLang="ru-RU" smtClean="0"/>
+              <a:rPr lang="ru-RU" altLang="ru-RU" dirty="0" smtClean="0"/>
               <a:t>Развлечения и игры</a:t>
             </a:r>
           </a:p>
@@ -17006,10 +17398,10 @@
               </a:tabLst>
             </a:pPr>
             <a:r>
-              <a:rPr lang="ru-RU" altLang="ru-RU" smtClean="0"/>
+              <a:rPr lang="ru-RU" altLang="ru-RU" dirty="0" smtClean="0"/>
               <a:t>Образование</a:t>
             </a:r>
-            <a:endParaRPr lang="ru-RU" altLang="ru-RU"/>
+            <a:endParaRPr lang="ru-RU" altLang="ru-RU" dirty="0"/>
           </a:p>
         </p:txBody>
       </p:sp>
@@ -17017,6 +17409,275 @@
     <p:extLst>
       <p:ext uri="{BB962C8B-B14F-4D97-AF65-F5344CB8AC3E}">
         <p14:creationId xmlns:p14="http://schemas.microsoft.com/office/powerpoint/2010/main" val="2114336666"/>
+      </p:ext>
+    </p:extLst>
+  </p:cSld>
+  <p:clrMapOvr>
+    <a:masterClrMapping/>
+  </p:clrMapOvr>
+  <p:timing>
+    <p:tnLst>
+      <p:par>
+        <p:cTn id="1" dur="indefinite" restart="never" nodeType="tmRoot"/>
+      </p:par>
+    </p:tnLst>
+  </p:timing>
+</p:sld>
+</file>
+
+<file path=ppt/slides/slide50.xml><?xml version="1.0" encoding="utf-8"?>
+<p:sld xmlns:a="http://schemas.openxmlformats.org/drawingml/2006/main" xmlns:r="http://schemas.openxmlformats.org/officeDocument/2006/relationships" xmlns:p="http://schemas.openxmlformats.org/presentationml/2006/main">
+  <p:cSld>
+    <p:spTree>
+      <p:nvGrpSpPr>
+        <p:cNvPr id="1" name=""/>
+        <p:cNvGrpSpPr/>
+        <p:nvPr/>
+      </p:nvGrpSpPr>
+      <p:grpSpPr>
+        <a:xfrm>
+          <a:off x="0" y="0"/>
+          <a:ext cx="0" cy="0"/>
+          <a:chOff x="0" y="0"/>
+          <a:chExt cx="0" cy="0"/>
+        </a:xfrm>
+      </p:grpSpPr>
+      <p:sp>
+        <p:nvSpPr>
+          <p:cNvPr id="2" name="Заголовок 1"/>
+          <p:cNvSpPr>
+            <a:spLocks noGrp="1"/>
+          </p:cNvSpPr>
+          <p:nvPr>
+            <p:ph type="title"/>
+          </p:nvPr>
+        </p:nvSpPr>
+        <p:spPr/>
+        <p:txBody>
+          <a:bodyPr/>
+          <a:lstStyle/>
+          <a:p>
+            <a:r>
+              <a:rPr lang="ru-RU" dirty="0" smtClean="0"/>
+              <a:t>Контрольные вопросы</a:t>
+            </a:r>
+            <a:endParaRPr lang="ru-RU" dirty="0"/>
+          </a:p>
+        </p:txBody>
+      </p:sp>
+      <p:sp>
+        <p:nvSpPr>
+          <p:cNvPr id="3" name="Объект 2"/>
+          <p:cNvSpPr>
+            <a:spLocks noGrp="1"/>
+          </p:cNvSpPr>
+          <p:nvPr>
+            <p:ph idx="1"/>
+          </p:nvPr>
+        </p:nvSpPr>
+        <p:spPr/>
+        <p:txBody>
+          <a:bodyPr>
+            <a:normAutofit/>
+          </a:bodyPr>
+          <a:lstStyle/>
+          <a:p>
+            <a:pPr marL="0" lvl="0" indent="0">
+              <a:buNone/>
+            </a:pPr>
+            <a:r>
+              <a:rPr lang="ru-RU" dirty="0"/>
+              <a:t>Если одно и то же слово встречается в каждом тексте из набора, то что верно для этого слова</a:t>
+            </a:r>
+            <a:r>
+              <a:rPr lang="ru-RU" dirty="0" smtClean="0"/>
+              <a:t>?</a:t>
+            </a:r>
+            <a:endParaRPr lang="en-US" dirty="0" smtClean="0"/>
+          </a:p>
+          <a:p>
+            <a:pPr marL="0" lvl="0" indent="0">
+              <a:buNone/>
+            </a:pPr>
+            <a:endParaRPr lang="ru-RU" dirty="0"/>
+          </a:p>
+          <a:p>
+            <a:r>
+              <a:rPr lang="en-US" dirty="0"/>
+              <a:t>tf = 0, idf = 0.</a:t>
+            </a:r>
+            <a:endParaRPr lang="ru-RU" dirty="0"/>
+          </a:p>
+          <a:p>
+            <a:r>
+              <a:rPr lang="en-US" dirty="0"/>
+              <a:t>tf ≠ 0, idf = 0.</a:t>
+            </a:r>
+            <a:endParaRPr lang="ru-RU" dirty="0"/>
+          </a:p>
+          <a:p>
+            <a:r>
+              <a:rPr lang="en-US" dirty="0"/>
+              <a:t>tf = 0, idf ≠ 0.</a:t>
+            </a:r>
+            <a:endParaRPr lang="ru-RU" dirty="0"/>
+          </a:p>
+          <a:p>
+            <a:r>
+              <a:rPr lang="en-US" dirty="0"/>
+              <a:t>tf ≠ 0, idf ≠ 0</a:t>
+            </a:r>
+            <a:r>
+              <a:rPr lang="en-US" dirty="0" smtClean="0"/>
+              <a:t>.</a:t>
+            </a:r>
+            <a:endParaRPr lang="ru-RU" dirty="0"/>
+          </a:p>
+        </p:txBody>
+      </p:sp>
+    </p:spTree>
+    <p:extLst>
+      <p:ext uri="{BB962C8B-B14F-4D97-AF65-F5344CB8AC3E}">
+        <p14:creationId xmlns:p14="http://schemas.microsoft.com/office/powerpoint/2010/main" val="3593506880"/>
+      </p:ext>
+    </p:extLst>
+  </p:cSld>
+  <p:clrMapOvr>
+    <a:masterClrMapping/>
+  </p:clrMapOvr>
+  <p:timing>
+    <p:tnLst>
+      <p:par>
+        <p:cTn id="1" dur="indefinite" restart="never" nodeType="tmRoot"/>
+      </p:par>
+    </p:tnLst>
+  </p:timing>
+</p:sld>
+</file>
+
+<file path=ppt/slides/slide51.xml><?xml version="1.0" encoding="utf-8"?>
+<p:sld xmlns:a="http://schemas.openxmlformats.org/drawingml/2006/main" xmlns:r="http://schemas.openxmlformats.org/officeDocument/2006/relationships" xmlns:p="http://schemas.openxmlformats.org/presentationml/2006/main">
+  <p:cSld>
+    <p:spTree>
+      <p:nvGrpSpPr>
+        <p:cNvPr id="1" name=""/>
+        <p:cNvGrpSpPr/>
+        <p:nvPr/>
+      </p:nvGrpSpPr>
+      <p:grpSpPr>
+        <a:xfrm>
+          <a:off x="0" y="0"/>
+          <a:ext cx="0" cy="0"/>
+          <a:chOff x="0" y="0"/>
+          <a:chExt cx="0" cy="0"/>
+        </a:xfrm>
+      </p:grpSpPr>
+      <p:sp>
+        <p:nvSpPr>
+          <p:cNvPr id="2" name="Заголовок 1"/>
+          <p:cNvSpPr>
+            <a:spLocks noGrp="1"/>
+          </p:cNvSpPr>
+          <p:nvPr>
+            <p:ph type="title"/>
+          </p:nvPr>
+        </p:nvSpPr>
+        <p:spPr/>
+        <p:txBody>
+          <a:bodyPr/>
+          <a:lstStyle/>
+          <a:p>
+            <a:r>
+              <a:rPr lang="ru-RU" dirty="0" smtClean="0"/>
+              <a:t>Контрольные вопросы</a:t>
+            </a:r>
+            <a:endParaRPr lang="ru-RU" dirty="0"/>
+          </a:p>
+        </p:txBody>
+      </p:sp>
+      <p:sp>
+        <p:nvSpPr>
+          <p:cNvPr id="3" name="Объект 2"/>
+          <p:cNvSpPr>
+            <a:spLocks noGrp="1"/>
+          </p:cNvSpPr>
+          <p:nvPr>
+            <p:ph idx="1"/>
+          </p:nvPr>
+        </p:nvSpPr>
+        <p:spPr/>
+        <p:txBody>
+          <a:bodyPr>
+            <a:normAutofit/>
+          </a:bodyPr>
+          <a:lstStyle/>
+          <a:p>
+            <a:pPr marL="0" lvl="0" indent="0">
+              <a:buNone/>
+            </a:pPr>
+            <a:r>
+              <a:rPr lang="ru-RU" dirty="0"/>
+              <a:t>Что используется в качестве меры близости в </a:t>
+            </a:r>
+            <a:r>
+              <a:rPr lang="en-US" dirty="0"/>
+              <a:t>word</a:t>
+            </a:r>
+            <a:r>
+              <a:rPr lang="ru-RU" dirty="0"/>
+              <a:t>2</a:t>
+            </a:r>
+            <a:r>
+              <a:rPr lang="en-US" dirty="0" err="1"/>
+              <a:t>vec</a:t>
+            </a:r>
+            <a:r>
+              <a:rPr lang="ru-RU" dirty="0" smtClean="0"/>
+              <a:t>?</a:t>
+            </a:r>
+            <a:endParaRPr lang="en-US" dirty="0" smtClean="0"/>
+          </a:p>
+          <a:p>
+            <a:pPr marL="0" lvl="0" indent="0">
+              <a:buNone/>
+            </a:pPr>
+            <a:endParaRPr lang="ru-RU" dirty="0"/>
+          </a:p>
+          <a:p>
+            <a:r>
+              <a:rPr lang="ru-RU" dirty="0"/>
+              <a:t>Евклидово расстояние между векторными представлениями.</a:t>
+            </a:r>
+          </a:p>
+          <a:p>
+            <a:r>
+              <a:rPr lang="ru-RU" dirty="0"/>
+              <a:t>Модуль разности векторных представлений.</a:t>
+            </a:r>
+          </a:p>
+          <a:p>
+            <a:r>
+              <a:rPr lang="ru-RU" dirty="0"/>
+              <a:t>Количество совпадающих букв.</a:t>
+            </a:r>
+          </a:p>
+          <a:p>
+            <a:r>
+              <a:rPr lang="ru-RU" dirty="0"/>
+              <a:t>Косинусное расстояние между векторными представлениями</a:t>
+            </a:r>
+            <a:r>
+              <a:rPr lang="ru-RU" dirty="0" smtClean="0"/>
+              <a:t>.</a:t>
+            </a:r>
+            <a:endParaRPr lang="ru-RU" dirty="0"/>
+          </a:p>
+        </p:txBody>
+      </p:sp>
+    </p:spTree>
+    <p:extLst>
+      <p:ext uri="{BB962C8B-B14F-4D97-AF65-F5344CB8AC3E}">
+        <p14:creationId xmlns:p14="http://schemas.microsoft.com/office/powerpoint/2010/main" val="1502792296"/>
       </p:ext>
     </p:extLst>
   </p:cSld>
@@ -17068,10 +17729,10 @@
           <a:lstStyle/>
           <a:p>
             <a:r>
-              <a:rPr lang="ru-RU" altLang="ru-RU" sz="3600"/>
+              <a:rPr lang="ru-RU" altLang="ru-RU" sz="3600" dirty="0"/>
               <a:t>Основной подход</a:t>
             </a:r>
-            <a:endParaRPr lang="ru-RU" sz="3600"/>
+            <a:endParaRPr lang="ru-RU" sz="3600" dirty="0"/>
           </a:p>
         </p:txBody>
       </p:sp>
@@ -17118,10 +17779,10 @@
               </a:tabLst>
             </a:pPr>
             <a:r>
-              <a:rPr lang="ru-RU" altLang="ru-RU" smtClean="0"/>
+              <a:rPr lang="ru-RU" altLang="ru-RU" dirty="0" smtClean="0"/>
               <a:t>Анализ текста:</a:t>
             </a:r>
-            <a:endParaRPr lang="ru-RU" altLang="ru-RU"/>
+            <a:endParaRPr lang="ru-RU" altLang="ru-RU" dirty="0"/>
           </a:p>
           <a:p>
             <a:pPr marL="412750" indent="-307975">
@@ -17153,7 +17814,7 @@
               </a:tabLst>
             </a:pPr>
             <a:r>
-              <a:rPr lang="ru-RU" altLang="ru-RU" smtClean="0"/>
+              <a:rPr lang="ru-RU" altLang="ru-RU" dirty="0" smtClean="0"/>
               <a:t>Извлечение данных из плохо структурированных источников</a:t>
             </a:r>
           </a:p>
@@ -17187,7 +17848,7 @@
               </a:tabLst>
             </a:pPr>
             <a:r>
-              <a:rPr lang="ru-RU" altLang="ru-RU" smtClean="0"/>
+              <a:rPr lang="ru-RU" altLang="ru-RU" dirty="0" smtClean="0"/>
               <a:t>Поиск информации</a:t>
             </a:r>
           </a:p>
@@ -17221,7 +17882,7 @@
               </a:tabLst>
             </a:pPr>
             <a:r>
-              <a:rPr lang="ru-RU" altLang="ru-RU" smtClean="0"/>
+              <a:rPr lang="ru-RU" altLang="ru-RU" dirty="0" smtClean="0"/>
               <a:t>Анализ тональности</a:t>
             </a:r>
           </a:p>
@@ -17255,10 +17916,10 @@
               </a:tabLst>
             </a:pPr>
             <a:r>
-              <a:rPr lang="ru-RU" altLang="ru-RU" smtClean="0"/>
+              <a:rPr lang="ru-RU" altLang="ru-RU" dirty="0" smtClean="0"/>
               <a:t>Чат-боты</a:t>
             </a:r>
-            <a:endParaRPr lang="ru-RU" altLang="ru-RU"/>
+            <a:endParaRPr lang="ru-RU" altLang="ru-RU" dirty="0"/>
           </a:p>
         </p:txBody>
       </p:sp>
@@ -17317,10 +17978,10 @@
           <a:lstStyle/>
           <a:p>
             <a:r>
-              <a:rPr lang="ru-RU" altLang="ru-RU" sz="3600"/>
+              <a:rPr lang="ru-RU" altLang="ru-RU" sz="3600" dirty="0"/>
               <a:t>Основной подход</a:t>
             </a:r>
-            <a:endParaRPr lang="ru-RU" sz="3600"/>
+            <a:endParaRPr lang="ru-RU" sz="3600" dirty="0"/>
           </a:p>
         </p:txBody>
       </p:sp>
@@ -17367,7 +18028,7 @@
               </a:tabLst>
             </a:pPr>
             <a:r>
-              <a:rPr lang="ru-RU" altLang="ru-RU" smtClean="0"/>
+              <a:rPr lang="ru-RU" altLang="ru-RU" dirty="0" smtClean="0"/>
               <a:t>Генерация текста:</a:t>
             </a:r>
           </a:p>
@@ -17401,7 +18062,7 @@
               </a:tabLst>
             </a:pPr>
             <a:r>
-              <a:rPr lang="ru-RU" altLang="ru-RU" smtClean="0"/>
+              <a:rPr lang="ru-RU" altLang="ru-RU" dirty="0" smtClean="0"/>
               <a:t>Машинный перевод</a:t>
             </a:r>
           </a:p>
@@ -17435,7 +18096,7 @@
               </a:tabLst>
             </a:pPr>
             <a:r>
-              <a:rPr lang="ru-RU" altLang="ru-RU" smtClean="0"/>
+              <a:rPr lang="ru-RU" altLang="ru-RU" dirty="0" smtClean="0"/>
               <a:t>Чат-боты</a:t>
             </a:r>
           </a:p>
@@ -17469,7 +18130,7 @@
               </a:tabLst>
             </a:pPr>
             <a:r>
-              <a:rPr lang="ru-RU" altLang="ru-RU" smtClean="0"/>
+              <a:rPr lang="ru-RU" altLang="ru-RU" dirty="0" smtClean="0"/>
               <a:t>Разработка (вторичных) сайтов</a:t>
             </a:r>
           </a:p>
@@ -17503,7 +18164,7 @@
               </a:tabLst>
             </a:pPr>
             <a:r>
-              <a:rPr lang="ru-RU" altLang="ru-RU" smtClean="0"/>
+              <a:rPr lang="ru-RU" altLang="ru-RU" dirty="0" smtClean="0"/>
               <a:t>Боты в социальных сетях</a:t>
             </a:r>
           </a:p>
@@ -17537,10 +18198,10 @@
               </a:tabLst>
             </a:pPr>
             <a:r>
-              <a:rPr lang="ru-RU" altLang="ru-RU" smtClean="0"/>
+              <a:rPr lang="ru-RU" altLang="ru-RU" dirty="0" smtClean="0"/>
               <a:t>Краткое изложения текстов</a:t>
             </a:r>
-            <a:endParaRPr lang="ru-RU" altLang="ru-RU"/>
+            <a:endParaRPr lang="ru-RU" altLang="ru-RU" dirty="0"/>
           </a:p>
         </p:txBody>
       </p:sp>
@@ -17599,10 +18260,10 @@
           <a:lstStyle/>
           <a:p>
             <a:r>
-              <a:rPr lang="ru-RU" altLang="ru-RU" sz="3600"/>
+              <a:rPr lang="ru-RU" altLang="ru-RU" sz="3600" dirty="0"/>
               <a:t>Основной подход</a:t>
             </a:r>
-            <a:endParaRPr lang="ru-RU" sz="3600"/>
+            <a:endParaRPr lang="ru-RU" sz="3600" dirty="0"/>
           </a:p>
         </p:txBody>
       </p:sp>
@@ -17651,11 +18312,11 @@
               </a:tabLst>
             </a:pPr>
             <a:r>
-              <a:rPr lang="ru-RU"/>
+              <a:rPr lang="ru-RU" dirty="0"/>
               <a:t>Предварительная </a:t>
             </a:r>
             <a:r>
-              <a:rPr lang="ru-RU" smtClean="0"/>
+              <a:rPr lang="ru-RU" dirty="0" smtClean="0"/>
               <a:t>обработка текста:</a:t>
             </a:r>
           </a:p>
@@ -17687,7 +18348,7 @@
                 <a:tab pos="9072563" algn="l"/>
               </a:tabLst>
             </a:pPr>
-            <a:endParaRPr lang="ru-RU" smtClean="0"/>
+            <a:endParaRPr lang="ru-RU" dirty="0" smtClean="0"/>
           </a:p>
           <a:p>
             <a:pPr marL="104775" indent="0">
@@ -17718,15 +18379,15 @@
               </a:tabLst>
             </a:pPr>
             <a:r>
-              <a:rPr lang="ru-RU" smtClean="0"/>
+              <a:rPr lang="ru-RU" dirty="0" smtClean="0"/>
               <a:t>Оцифровка – преобразование </a:t>
             </a:r>
             <a:r>
-              <a:rPr lang="ru-RU"/>
+              <a:rPr lang="ru-RU" dirty="0"/>
               <a:t>текста в </a:t>
             </a:r>
             <a:r>
-              <a:rPr lang="ru-RU" smtClean="0"/>
+              <a:rPr lang="ru-RU" dirty="0" smtClean="0"/>
               <a:t>формат, подходящий для обработки компьютером.</a:t>
             </a:r>
           </a:p>
@@ -17758,7 +18419,7 @@
                 <a:tab pos="9072563" algn="l"/>
               </a:tabLst>
             </a:pPr>
-            <a:endParaRPr lang="ru-RU" smtClean="0"/>
+            <a:endParaRPr lang="ru-RU" dirty="0" smtClean="0"/>
           </a:p>
           <a:p>
             <a:pPr marL="104775" indent="0">
@@ -17789,19 +18450,15 @@
               </a:tabLst>
             </a:pPr>
             <a:r>
-              <a:rPr lang="ru-RU" err="1" smtClean="0"/>
-              <a:t>Токенизация</a:t>
-            </a:r>
-            <a:r>
-              <a:rPr lang="ru-RU" smtClean="0"/>
-              <a:t> – разбивка текста </a:t>
-            </a:r>
-            <a:r>
-              <a:rPr lang="ru-RU"/>
+              <a:rPr lang="ru-RU" dirty="0" smtClean="0"/>
+              <a:t>Токенизация – разбивка текста </a:t>
+            </a:r>
+            <a:r>
+              <a:rPr lang="ru-RU" dirty="0"/>
               <a:t>на предложения и/или отдельные </a:t>
             </a:r>
             <a:r>
-              <a:rPr lang="ru-RU" smtClean="0"/>
+              <a:rPr lang="ru-RU" dirty="0" smtClean="0"/>
               <a:t>слова.</a:t>
             </a:r>
           </a:p>
@@ -17833,7 +18490,7 @@
                 <a:tab pos="9072563" algn="l"/>
               </a:tabLst>
             </a:pPr>
-            <a:endParaRPr lang="ru-RU" smtClean="0"/>
+            <a:endParaRPr lang="ru-RU" dirty="0" smtClean="0"/>
           </a:p>
           <a:p>
             <a:pPr marL="104775" indent="0">
@@ -17864,15 +18521,11 @@
               </a:tabLst>
             </a:pPr>
             <a:r>
-              <a:rPr lang="ru-RU" err="1" smtClean="0"/>
-              <a:t>Лемматизация</a:t>
-            </a:r>
-            <a:r>
-              <a:rPr lang="ru-RU" smtClean="0"/>
-              <a:t> – приведение слов </a:t>
-            </a:r>
-            <a:r>
-              <a:rPr lang="ru-RU"/>
+              <a:rPr lang="ru-RU" dirty="0" smtClean="0"/>
+              <a:t>Лемматизация – приведение слов </a:t>
+            </a:r>
+            <a:r>
+              <a:rPr lang="ru-RU" dirty="0"/>
               <a:t>к начальной (словарной) форме.</a:t>
             </a:r>
           </a:p>
@@ -17904,7 +18557,7 @@
                 <a:tab pos="9072563" algn="l"/>
               </a:tabLst>
             </a:pPr>
-            <a:endParaRPr lang="ru-RU" smtClean="0"/>
+            <a:endParaRPr lang="ru-RU" dirty="0" smtClean="0"/>
           </a:p>
           <a:p>
             <a:pPr marL="104775" indent="0">
@@ -17934,7 +18587,7 @@
                 <a:tab pos="9072563" algn="l"/>
               </a:tabLst>
             </a:pPr>
-            <a:endParaRPr lang="ru-RU" altLang="ru-RU"/>
+            <a:endParaRPr lang="ru-RU" altLang="ru-RU" dirty="0"/>
           </a:p>
           <a:p>
             <a:pPr marL="561975" indent="-457200">
@@ -17963,7 +18616,7 @@
                 <a:tab pos="9072563" algn="l"/>
               </a:tabLst>
             </a:pPr>
-            <a:endParaRPr lang="ru-RU" altLang="ru-RU"/>
+            <a:endParaRPr lang="ru-RU" altLang="ru-RU" dirty="0"/>
           </a:p>
         </p:txBody>
       </p:sp>
@@ -18022,15 +18675,15 @@
           <a:lstStyle/>
           <a:p>
             <a:r>
-              <a:rPr lang="ru-RU" altLang="ru-RU" sz="3600"/>
+              <a:rPr lang="ru-RU" altLang="ru-RU" sz="3600" dirty="0"/>
               <a:t>Векторные представления слов</a:t>
             </a:r>
-            <a:endParaRPr lang="ru-RU" sz="3600"/>
+            <a:endParaRPr lang="ru-RU" sz="3600" dirty="0"/>
           </a:p>
         </p:txBody>
       </p:sp>
-      <mc:AlternateContent xmlns:mc="http://schemas.openxmlformats.org/markup-compatibility/2006">
-        <mc:Choice xmlns:a14="http://schemas.microsoft.com/office/drawing/2010/main" Requires="a14">
+      <mc:AlternateContent xmlns:mc="http://schemas.openxmlformats.org/markup-compatibility/2006" xmlns:a14="http://schemas.microsoft.com/office/drawing/2010/main">
+        <mc:Choice Requires="a14">
           <p:sp>
             <p:nvSpPr>
               <p:cNvPr id="3" name="Объект 2"/>
@@ -18052,7 +18705,7 @@
                   <a:buNone/>
                 </a:pPr>
                 <a:r>
-                  <a:rPr lang="ru-RU" smtClean="0"/>
+                  <a:rPr lang="ru-RU" dirty="0" smtClean="0"/>
                   <a:t>Большинство алгоритмов и моделей машинного обучения предназначены для работы с числовыми векторами.</a:t>
                 </a:r>
               </a:p>
@@ -18060,14 +18713,14 @@
                 <a:pPr marL="0" indent="0">
                   <a:buNone/>
                 </a:pPr>
-                <a:endParaRPr lang="ru-RU"/>
+                <a:endParaRPr lang="ru-RU" dirty="0"/>
               </a:p>
               <a:p>
                 <a:pPr marL="0" indent="0">
                   <a:buNone/>
                 </a:pPr>
                 <a:r>
-                  <a:rPr lang="ru-RU" smtClean="0"/>
+                  <a:rPr lang="ru-RU" dirty="0" smtClean="0"/>
                   <a:t>Если задать преобразование слов из словаря в числовые векторы заданной размерности, то такие вектора называются векторными представлениями слов:</a:t>
                 </a:r>
               </a:p>
@@ -18121,7 +18774,7 @@
                   </m:oMath>
                 </a14:m>
                 <a:r>
-                  <a:rPr lang="ru-RU" smtClean="0">
+                  <a:rPr lang="ru-RU" dirty="0" smtClean="0">
                     <a:ea typeface="Cambria Math" panose="02040503050406030204" pitchFamily="18" charset="0"/>
                   </a:rPr>
                   <a:t>, где </a:t>
@@ -18222,12 +18875,12 @@
                   </m:oMath>
                 </a14:m>
                 <a:r>
-                  <a:rPr lang="en-US" smtClean="0">
+                  <a:rPr lang="en-US" dirty="0" smtClean="0">
                     <a:ea typeface="Cambria Math" panose="02040503050406030204" pitchFamily="18" charset="0"/>
                   </a:rPr>
                   <a:t>.</a:t>
                 </a:r>
-                <a:endParaRPr lang="ru-RU" smtClean="0">
+                <a:endParaRPr lang="ru-RU" dirty="0" smtClean="0">
                   <a:ea typeface="Cambria Math" panose="02040503050406030204" pitchFamily="18" charset="0"/>
                 </a:endParaRPr>
               </a:p>
@@ -18235,12 +18888,12 @@
                 <a:pPr marL="0" indent="0">
                   <a:buNone/>
                 </a:pPr>
-                <a:endParaRPr lang="en-US" sz="4000"/>
+                <a:endParaRPr lang="en-US" sz="4000" dirty="0"/>
               </a:p>
             </p:txBody>
           </p:sp>
         </mc:Choice>
-        <mc:Fallback>
+        <mc:Fallback xmlns="">
           <p:sp>
             <p:nvSpPr>
               <p:cNvPr id="3" name="Объект 2"/>

--- a/Лекция 11 07_04_2021.pptx
+++ b/Лекция 11 07_04_2021.pptx
@@ -259,7 +259,7 @@
           <a:p>
             <a:fld id="{44DBC884-B382-4302-8488-D4E467EB670D}" type="datetimeFigureOut">
               <a:rPr lang="ru-RU" smtClean="0"/>
-              <a:t>02.03.2021</a:t>
+              <a:t>07.04.2021</a:t>
             </a:fld>
             <a:endParaRPr lang="ru-RU" dirty="0"/>
           </a:p>
@@ -658,7 +658,7 @@
           <a:p>
             <a:fld id="{9F4DF3D0-C105-404D-A43B-7CBA1B97B744}" type="datetimeFigureOut">
               <a:rPr lang="ru-RU" smtClean="0"/>
-              <a:t>02.03.2021</a:t>
+              <a:t>07.04.2021</a:t>
             </a:fld>
             <a:endParaRPr lang="ru-RU" dirty="0"/>
           </a:p>
@@ -828,7 +828,7 @@
           <a:p>
             <a:fld id="{9F4DF3D0-C105-404D-A43B-7CBA1B97B744}" type="datetimeFigureOut">
               <a:rPr lang="ru-RU" smtClean="0"/>
-              <a:t>02.03.2021</a:t>
+              <a:t>07.04.2021</a:t>
             </a:fld>
             <a:endParaRPr lang="ru-RU" dirty="0"/>
           </a:p>
@@ -1008,7 +1008,7 @@
           <a:p>
             <a:fld id="{9F4DF3D0-C105-404D-A43B-7CBA1B97B744}" type="datetimeFigureOut">
               <a:rPr lang="ru-RU" smtClean="0"/>
-              <a:t>02.03.2021</a:t>
+              <a:t>07.04.2021</a:t>
             </a:fld>
             <a:endParaRPr lang="ru-RU" dirty="0"/>
           </a:p>
@@ -1178,7 +1178,7 @@
           <a:p>
             <a:fld id="{9F4DF3D0-C105-404D-A43B-7CBA1B97B744}" type="datetimeFigureOut">
               <a:rPr lang="ru-RU" smtClean="0"/>
-              <a:t>02.03.2021</a:t>
+              <a:t>07.04.2021</a:t>
             </a:fld>
             <a:endParaRPr lang="ru-RU" dirty="0"/>
           </a:p>
@@ -1424,7 +1424,7 @@
           <a:p>
             <a:fld id="{9F4DF3D0-C105-404D-A43B-7CBA1B97B744}" type="datetimeFigureOut">
               <a:rPr lang="ru-RU" smtClean="0"/>
-              <a:t>02.03.2021</a:t>
+              <a:t>07.04.2021</a:t>
             </a:fld>
             <a:endParaRPr lang="ru-RU" dirty="0"/>
           </a:p>
@@ -1656,7 +1656,7 @@
           <a:p>
             <a:fld id="{9F4DF3D0-C105-404D-A43B-7CBA1B97B744}" type="datetimeFigureOut">
               <a:rPr lang="ru-RU" smtClean="0"/>
-              <a:t>02.03.2021</a:t>
+              <a:t>07.04.2021</a:t>
             </a:fld>
             <a:endParaRPr lang="ru-RU" dirty="0"/>
           </a:p>
@@ -2023,7 +2023,7 @@
           <a:p>
             <a:fld id="{9F4DF3D0-C105-404D-A43B-7CBA1B97B744}" type="datetimeFigureOut">
               <a:rPr lang="ru-RU" smtClean="0"/>
-              <a:t>02.03.2021</a:t>
+              <a:t>07.04.2021</a:t>
             </a:fld>
             <a:endParaRPr lang="ru-RU" dirty="0"/>
           </a:p>
@@ -2141,7 +2141,7 @@
           <a:p>
             <a:fld id="{9F4DF3D0-C105-404D-A43B-7CBA1B97B744}" type="datetimeFigureOut">
               <a:rPr lang="ru-RU" smtClean="0"/>
-              <a:t>02.03.2021</a:t>
+              <a:t>07.04.2021</a:t>
             </a:fld>
             <a:endParaRPr lang="ru-RU" dirty="0"/>
           </a:p>
@@ -2236,7 +2236,7 @@
           <a:p>
             <a:fld id="{9F4DF3D0-C105-404D-A43B-7CBA1B97B744}" type="datetimeFigureOut">
               <a:rPr lang="ru-RU" smtClean="0"/>
-              <a:t>02.03.2021</a:t>
+              <a:t>07.04.2021</a:t>
             </a:fld>
             <a:endParaRPr lang="ru-RU" dirty="0"/>
           </a:p>
@@ -2513,7 +2513,7 @@
           <a:p>
             <a:fld id="{9F4DF3D0-C105-404D-A43B-7CBA1B97B744}" type="datetimeFigureOut">
               <a:rPr lang="ru-RU" smtClean="0"/>
-              <a:t>02.03.2021</a:t>
+              <a:t>07.04.2021</a:t>
             </a:fld>
             <a:endParaRPr lang="ru-RU" dirty="0"/>
           </a:p>
@@ -2766,7 +2766,7 @@
           <a:p>
             <a:fld id="{9F4DF3D0-C105-404D-A43B-7CBA1B97B744}" type="datetimeFigureOut">
               <a:rPr lang="ru-RU" smtClean="0"/>
-              <a:t>02.03.2021</a:t>
+              <a:t>07.04.2021</a:t>
             </a:fld>
             <a:endParaRPr lang="ru-RU" dirty="0"/>
           </a:p>
@@ -2979,7 +2979,7 @@
           <a:p>
             <a:fld id="{9F4DF3D0-C105-404D-A43B-7CBA1B97B744}" type="datetimeFigureOut">
               <a:rPr lang="ru-RU" smtClean="0"/>
-              <a:t>02.03.2021</a:t>
+              <a:t>07.04.2021</a:t>
             </a:fld>
             <a:endParaRPr lang="ru-RU" dirty="0"/>
           </a:p>
@@ -3905,6 +3905,13 @@
   <p:clrMapOvr>
     <a:masterClrMapping/>
   </p:clrMapOvr>
+  <p:timing>
+    <p:tnLst>
+      <p:par>
+        <p:cTn id="1" dur="indefinite" restart="never" nodeType="tmRoot"/>
+      </p:par>
+    </p:tnLst>
+  </p:timing>
 </p:sld>
 </file>
 
@@ -4133,6 +4140,13 @@
   <p:clrMapOvr>
     <a:masterClrMapping/>
   </p:clrMapOvr>
+  <p:timing>
+    <p:tnLst>
+      <p:par>
+        <p:cTn id="1" dur="indefinite" restart="never" nodeType="tmRoot"/>
+      </p:par>
+    </p:tnLst>
+  </p:timing>
 </p:sld>
 </file>
 
@@ -4426,6 +4440,13 @@
   <p:clrMapOvr>
     <a:masterClrMapping/>
   </p:clrMapOvr>
+  <p:timing>
+    <p:tnLst>
+      <p:par>
+        <p:cTn id="1" dur="indefinite" restart="never" nodeType="tmRoot"/>
+      </p:par>
+    </p:tnLst>
+  </p:timing>
 </p:sld>
 </file>
 
@@ -4811,6 +4832,13 @@
   <p:clrMapOvr>
     <a:masterClrMapping/>
   </p:clrMapOvr>
+  <p:timing>
+    <p:tnLst>
+      <p:par>
+        <p:cTn id="1" dur="indefinite" restart="never" nodeType="tmRoot"/>
+      </p:par>
+    </p:tnLst>
+  </p:timing>
 </p:sld>
 </file>
 
@@ -5289,6 +5317,13 @@
   <p:clrMapOvr>
     <a:masterClrMapping/>
   </p:clrMapOvr>
+  <p:timing>
+    <p:tnLst>
+      <p:par>
+        <p:cTn id="1" dur="indefinite" restart="never" nodeType="tmRoot"/>
+      </p:par>
+    </p:tnLst>
+  </p:timing>
 </p:sld>
 </file>
 
@@ -5407,6 +5442,13 @@
   <p:clrMapOvr>
     <a:masterClrMapping/>
   </p:clrMapOvr>
+  <p:timing>
+    <p:tnLst>
+      <p:par>
+        <p:cTn id="1" dur="indefinite" restart="never" nodeType="tmRoot"/>
+      </p:par>
+    </p:tnLst>
+  </p:timing>
 </p:sld>
 </file>
 
@@ -5522,6 +5564,13 @@
   <p:clrMapOvr>
     <a:masterClrMapping/>
   </p:clrMapOvr>
+  <p:timing>
+    <p:tnLst>
+      <p:par>
+        <p:cTn id="1" dur="indefinite" restart="never" nodeType="tmRoot"/>
+      </p:par>
+    </p:tnLst>
+  </p:timing>
 </p:sld>
 </file>
 
@@ -5724,6 +5773,13 @@
   <p:clrMapOvr>
     <a:masterClrMapping/>
   </p:clrMapOvr>
+  <p:timing>
+    <p:tnLst>
+      <p:par>
+        <p:cTn id="1" dur="indefinite" restart="never" nodeType="tmRoot"/>
+      </p:par>
+    </p:tnLst>
+  </p:timing>
 </p:sld>
 </file>
 
@@ -5827,6 +5883,13 @@
   <p:clrMapOvr>
     <a:masterClrMapping/>
   </p:clrMapOvr>
+  <p:timing>
+    <p:tnLst>
+      <p:par>
+        <p:cTn id="1" dur="indefinite" restart="never" nodeType="tmRoot"/>
+      </p:par>
+    </p:tnLst>
+  </p:timing>
 </p:sld>
 </file>
 
@@ -6143,6 +6206,13 @@
   <p:clrMapOvr>
     <a:masterClrMapping/>
   </p:clrMapOvr>
+  <p:timing>
+    <p:tnLst>
+      <p:par>
+        <p:cTn id="1" dur="indefinite" restart="never" nodeType="tmRoot"/>
+      </p:par>
+    </p:tnLst>
+  </p:timing>
 </p:sld>
 </file>
 
@@ -6900,6 +6970,13 @@
   <p:clrMapOvr>
     <a:masterClrMapping/>
   </p:clrMapOvr>
+  <p:timing>
+    <p:tnLst>
+      <p:par>
+        <p:cTn id="1" dur="indefinite" restart="never" nodeType="tmRoot"/>
+      </p:par>
+    </p:tnLst>
+  </p:timing>
 </p:sld>
 </file>
 
@@ -6995,6 +7072,13 @@
   <p:clrMapOvr>
     <a:masterClrMapping/>
   </p:clrMapOvr>
+  <p:timing>
+    <p:tnLst>
+      <p:par>
+        <p:cTn id="1" dur="indefinite" restart="never" nodeType="tmRoot"/>
+      </p:par>
+    </p:tnLst>
+  </p:timing>
 </p:sld>
 </file>
 
@@ -7312,6 +7396,13 @@
   <p:clrMapOvr>
     <a:masterClrMapping/>
   </p:clrMapOvr>
+  <p:timing>
+    <p:tnLst>
+      <p:par>
+        <p:cTn id="1" dur="indefinite" restart="never" nodeType="tmRoot"/>
+      </p:par>
+    </p:tnLst>
+  </p:timing>
 </p:sld>
 </file>
 
@@ -7650,6 +7741,13 @@
   <p:clrMapOvr>
     <a:masterClrMapping/>
   </p:clrMapOvr>
+  <p:timing>
+    <p:tnLst>
+      <p:par>
+        <p:cTn id="1" dur="indefinite" restart="never" nodeType="tmRoot"/>
+      </p:par>
+    </p:tnLst>
+  </p:timing>
 </p:sld>
 </file>
 
@@ -7854,6 +7952,13 @@
   <p:clrMapOvr>
     <a:masterClrMapping/>
   </p:clrMapOvr>
+  <p:timing>
+    <p:tnLst>
+      <p:par>
+        <p:cTn id="1" dur="indefinite" restart="never" nodeType="tmRoot"/>
+      </p:par>
+    </p:tnLst>
+  </p:timing>
 </p:sld>
 </file>
 
@@ -8363,6 +8468,13 @@
   <p:clrMapOvr>
     <a:masterClrMapping/>
   </p:clrMapOvr>
+  <p:timing>
+    <p:tnLst>
+      <p:par>
+        <p:cTn id="1" dur="indefinite" restart="never" nodeType="tmRoot"/>
+      </p:par>
+    </p:tnLst>
+  </p:timing>
 </p:sld>
 </file>
 
@@ -8710,6 +8822,13 @@
   <p:clrMapOvr>
     <a:masterClrMapping/>
   </p:clrMapOvr>
+  <p:timing>
+    <p:tnLst>
+      <p:par>
+        <p:cTn id="1" dur="indefinite" restart="never" nodeType="tmRoot"/>
+      </p:par>
+    </p:tnLst>
+  </p:timing>
 </p:sld>
 </file>
 
@@ -8852,8 +8971,34 @@
                       <a:rPr lang="en-US" b="0" i="1" smtClean="0">
                         <a:latin typeface="Cambria Math" panose="02040503050406030204" pitchFamily="18" charset="0"/>
                       </a:rPr>
-                      <m:t>=0.5</m:t>
+                      <m:t>=</m:t>
                     </m:r>
+                    <m:f>
+                      <m:fPr>
+                        <m:type m:val="skw"/>
+                        <m:ctrlPr>
+                          <a:rPr lang="en-US" b="0" i="1" smtClean="0">
+                            <a:latin typeface="Cambria Math" panose="02040503050406030204" pitchFamily="18" charset="0"/>
+                          </a:rPr>
+                        </m:ctrlPr>
+                      </m:fPr>
+                      <m:num>
+                        <m:r>
+                          <a:rPr lang="en-US" b="0" i="1" smtClean="0">
+                            <a:latin typeface="Cambria Math" panose="02040503050406030204" pitchFamily="18" charset="0"/>
+                          </a:rPr>
+                          <m:t>1</m:t>
+                        </m:r>
+                      </m:num>
+                      <m:den>
+                        <m:r>
+                          <a:rPr lang="en-US" b="0" i="1" smtClean="0">
+                            <a:latin typeface="Cambria Math" panose="02040503050406030204" pitchFamily="18" charset="0"/>
+                          </a:rPr>
+                          <m:t>2</m:t>
+                        </m:r>
+                      </m:den>
+                    </m:f>
                   </m:oMath>
                 </a14:m>
                 <a:r>
@@ -9149,8 +9294,34 @@
                       <a:rPr lang="en-US" i="1">
                         <a:latin typeface="Cambria Math" panose="02040503050406030204" pitchFamily="18" charset="0"/>
                       </a:rPr>
-                      <m:t>=0.5</m:t>
+                      <m:t>=</m:t>
                     </m:r>
+                    <m:f>
+                      <m:fPr>
+                        <m:type m:val="skw"/>
+                        <m:ctrlPr>
+                          <a:rPr lang="en-US" i="1" smtClean="0">
+                            <a:latin typeface="Cambria Math" panose="02040503050406030204" pitchFamily="18" charset="0"/>
+                          </a:rPr>
+                        </m:ctrlPr>
+                      </m:fPr>
+                      <m:num>
+                        <m:r>
+                          <a:rPr lang="en-US" b="0" i="1" smtClean="0">
+                            <a:latin typeface="Cambria Math" panose="02040503050406030204" pitchFamily="18" charset="0"/>
+                          </a:rPr>
+                          <m:t>1</m:t>
+                        </m:r>
+                      </m:num>
+                      <m:den>
+                        <m:r>
+                          <a:rPr lang="en-US" b="0" i="1" smtClean="0">
+                            <a:latin typeface="Cambria Math" panose="02040503050406030204" pitchFamily="18" charset="0"/>
+                          </a:rPr>
+                          <m:t>2</m:t>
+                        </m:r>
+                      </m:den>
+                    </m:f>
                   </m:oMath>
                 </a14:m>
                 <a:r>
@@ -10903,6 +11074,13 @@
   <p:clrMapOvr>
     <a:masterClrMapping/>
   </p:clrMapOvr>
+  <p:timing>
+    <p:tnLst>
+      <p:par>
+        <p:cTn id="1" dur="indefinite" restart="never" nodeType="tmRoot"/>
+      </p:par>
+    </p:tnLst>
+  </p:timing>
 </p:sld>
 </file>
 
@@ -11498,6 +11676,13 @@
   <p:clrMapOvr>
     <a:masterClrMapping/>
   </p:clrMapOvr>
+  <p:timing>
+    <p:tnLst>
+      <p:par>
+        <p:cTn id="1" dur="indefinite" restart="never" nodeType="tmRoot"/>
+      </p:par>
+    </p:tnLst>
+  </p:timing>
 </p:sld>
 </file>
 
@@ -12108,6 +12293,13 @@
   <p:clrMapOvr>
     <a:masterClrMapping/>
   </p:clrMapOvr>
+  <p:timing>
+    <p:tnLst>
+      <p:par>
+        <p:cTn id="1" dur="indefinite" restart="never" nodeType="tmRoot"/>
+      </p:par>
+    </p:tnLst>
+  </p:timing>
 </p:sld>
 </file>
 
@@ -12499,6 +12691,13 @@
   <p:clrMapOvr>
     <a:masterClrMapping/>
   </p:clrMapOvr>
+  <p:timing>
+    <p:tnLst>
+      <p:par>
+        <p:cTn id="1" dur="indefinite" restart="never" nodeType="tmRoot"/>
+      </p:par>
+    </p:tnLst>
+  </p:timing>
 </p:sld>
 </file>
 
@@ -12604,6 +12803,13 @@
   <p:clrMapOvr>
     <a:masterClrMapping/>
   </p:clrMapOvr>
+  <p:timing>
+    <p:tnLst>
+      <p:par>
+        <p:cTn id="1" dur="indefinite" restart="never" nodeType="tmRoot"/>
+      </p:par>
+    </p:tnLst>
+  </p:timing>
 </p:sld>
 </file>
 
@@ -12697,6 +12903,13 @@
   <p:clrMapOvr>
     <a:masterClrMapping/>
   </p:clrMapOvr>
+  <p:timing>
+    <p:tnLst>
+      <p:par>
+        <p:cTn id="1" dur="indefinite" restart="never" nodeType="tmRoot"/>
+      </p:par>
+    </p:tnLst>
+  </p:timing>
 </p:sld>
 </file>
 
@@ -13477,6 +13690,13 @@
   <p:clrMapOvr>
     <a:masterClrMapping/>
   </p:clrMapOvr>
+  <p:timing>
+    <p:tnLst>
+      <p:par>
+        <p:cTn id="1" dur="indefinite" restart="never" nodeType="tmRoot"/>
+      </p:par>
+    </p:tnLst>
+  </p:timing>
 </p:sld>
 </file>
 
@@ -13559,6 +13779,13 @@
   <p:clrMapOvr>
     <a:masterClrMapping/>
   </p:clrMapOvr>
+  <p:timing>
+    <p:tnLst>
+      <p:par>
+        <p:cTn id="1" dur="indefinite" restart="never" nodeType="tmRoot"/>
+      </p:par>
+    </p:tnLst>
+  </p:timing>
 </p:sld>
 </file>
 
@@ -13641,6 +13868,13 @@
   <p:clrMapOvr>
     <a:masterClrMapping/>
   </p:clrMapOvr>
+  <p:timing>
+    <p:tnLst>
+      <p:par>
+        <p:cTn id="1" dur="indefinite" restart="never" nodeType="tmRoot"/>
+      </p:par>
+    </p:tnLst>
+  </p:timing>
 </p:sld>
 </file>
 
@@ -13791,6 +14025,13 @@
   <p:clrMapOvr>
     <a:masterClrMapping/>
   </p:clrMapOvr>
+  <p:timing>
+    <p:tnLst>
+      <p:par>
+        <p:cTn id="1" dur="indefinite" restart="never" nodeType="tmRoot"/>
+      </p:par>
+    </p:tnLst>
+  </p:timing>
 </p:sld>
 </file>
 
@@ -14548,6 +14789,13 @@
   <p:clrMapOvr>
     <a:masterClrMapping/>
   </p:clrMapOvr>
+  <p:timing>
+    <p:tnLst>
+      <p:par>
+        <p:cTn id="1" dur="indefinite" restart="never" nodeType="tmRoot"/>
+      </p:par>
+    </p:tnLst>
+  </p:timing>
 </p:sld>
 </file>
 
@@ -15309,6 +15557,13 @@
   <p:clrMapOvr>
     <a:masterClrMapping/>
   </p:clrMapOvr>
+  <p:timing>
+    <p:tnLst>
+      <p:par>
+        <p:cTn id="1" dur="indefinite" restart="never" nodeType="tmRoot"/>
+      </p:par>
+    </p:tnLst>
+  </p:timing>
 </p:sld>
 </file>
 
@@ -15711,6 +15966,13 @@
   <p:clrMapOvr>
     <a:masterClrMapping/>
   </p:clrMapOvr>
+  <p:timing>
+    <p:tnLst>
+      <p:par>
+        <p:cTn id="1" dur="indefinite" restart="never" nodeType="tmRoot"/>
+      </p:par>
+    </p:tnLst>
+  </p:timing>
 </p:sld>
 </file>
 
@@ -16070,6 +16332,13 @@
   <p:clrMapOvr>
     <a:masterClrMapping/>
   </p:clrMapOvr>
+  <p:timing>
+    <p:tnLst>
+      <p:par>
+        <p:cTn id="1" dur="indefinite" restart="never" nodeType="tmRoot"/>
+      </p:par>
+    </p:tnLst>
+  </p:timing>
 </p:sld>
 </file>
 
@@ -16159,7 +16428,19 @@
           <a:p>
             <a:r>
               <a:rPr lang="ru-RU" dirty="0" smtClean="0"/>
-              <a:t>Полученные векторные представления можно использовать для предсказания отношений межу словами.</a:t>
+              <a:t>Полученные векторные представления можно использовать для предсказания </a:t>
+            </a:r>
+            <a:r>
+              <a:rPr lang="ru-RU" smtClean="0"/>
+              <a:t>отношений </a:t>
+            </a:r>
+            <a:r>
+              <a:rPr lang="ru-RU" smtClean="0"/>
+              <a:t>между </a:t>
+            </a:r>
+            <a:r>
+              <a:rPr lang="ru-RU" dirty="0" smtClean="0"/>
+              <a:t>словами.</a:t>
             </a:r>
           </a:p>
         </p:txBody>
@@ -16174,6 +16455,13 @@
   <p:clrMapOvr>
     <a:masterClrMapping/>
   </p:clrMapOvr>
+  <p:timing>
+    <p:tnLst>
+      <p:par>
+        <p:cTn id="1" dur="indefinite" restart="never" nodeType="tmRoot"/>
+      </p:par>
+    </p:tnLst>
+  </p:timing>
 </p:sld>
 </file>
 
@@ -16287,6 +16575,13 @@
   <p:clrMapOvr>
     <a:masterClrMapping/>
   </p:clrMapOvr>
+  <p:timing>
+    <p:tnLst>
+      <p:par>
+        <p:cTn id="1" dur="indefinite" restart="never" nodeType="tmRoot"/>
+      </p:par>
+    </p:tnLst>
+  </p:timing>
 </p:sld>
 </file>
 
